--- a/docs/ED-Proyecto-Entrega2-presentacion-Equipo-4.pptx
+++ b/docs/ED-Proyecto-Entrega2-presentacion-Equipo-4.pptx
@@ -5,7 +5,7 @@
     <p:sldMasterId id="2147483648" r:id="rId1"/>
   </p:sldMasterIdLst>
   <p:notesMasterIdLst>
-    <p:notesMasterId r:id="rId8"/>
+    <p:notesMasterId r:id="rId11"/>
   </p:notesMasterIdLst>
   <p:sldIdLst>
     <p:sldId id="265" r:id="rId2"/>
@@ -13,7 +13,10 @@
     <p:sldId id="368" r:id="rId4"/>
     <p:sldId id="369" r:id="rId5"/>
     <p:sldId id="371" r:id="rId6"/>
-    <p:sldId id="372" r:id="rId7"/>
+    <p:sldId id="373" r:id="rId7"/>
+    <p:sldId id="374" r:id="rId8"/>
+    <p:sldId id="376" r:id="rId9"/>
+    <p:sldId id="372" r:id="rId10"/>
   </p:sldIdLst>
   <p:sldSz cx="9144000" cy="6858000" type="screen4x3"/>
   <p:notesSz cx="6858000" cy="9144000"/>
@@ -131,6 +134,5242 @@
 </p:presentation>
 </file>
 
+<file path=ppt/charts/chart1.xml><?xml version="1.0" encoding="utf-8"?>
+<c:chartSpace xmlns:c="http://schemas.openxmlformats.org/drawingml/2006/chart" xmlns:a="http://schemas.openxmlformats.org/drawingml/2006/main" xmlns:r="http://schemas.openxmlformats.org/officeDocument/2006/relationships" xmlns:c16r2="http://schemas.microsoft.com/office/drawing/2015/06/chart">
+  <c:date1904 val="0"/>
+  <c:lang val="es-ES"/>
+  <c:roundedCorners val="0"/>
+  <mc:AlternateContent xmlns:mc="http://schemas.openxmlformats.org/markup-compatibility/2006">
+    <mc:Choice xmlns:c14="http://schemas.microsoft.com/office/drawing/2007/8/2/chart" Requires="c14">
+      <c14:style val="102"/>
+    </mc:Choice>
+    <mc:Fallback>
+      <c:style val="2"/>
+    </mc:Fallback>
+  </mc:AlternateContent>
+  <c:chart>
+    <c:title>
+      <c:overlay val="0"/>
+      <c:spPr>
+        <a:noFill/>
+        <a:ln>
+          <a:noFill/>
+        </a:ln>
+        <a:effectLst/>
+      </c:spPr>
+      <c:txPr>
+        <a:bodyPr rot="0" spcFirstLastPara="1" vertOverflow="ellipsis" vert="horz" wrap="square" anchor="ctr" anchorCtr="1"/>
+        <a:lstStyle/>
+        <a:p>
+          <a:pPr>
+            <a:defRPr sz="1400" b="0" i="0" u="none" strike="noStrike" kern="1200" spc="0" baseline="0">
+              <a:solidFill>
+                <a:schemeClr val="dk1"/>
+              </a:solidFill>
+              <a:latin typeface="+mn-lt"/>
+              <a:ea typeface="+mn-ea"/>
+              <a:cs typeface="+mn-cs"/>
+            </a:defRPr>
+          </a:pPr>
+          <a:endParaRPr lang="es-CO"/>
+        </a:p>
+      </c:txPr>
+    </c:title>
+    <c:autoTitleDeleted val="0"/>
+    <c:plotArea>
+      <c:layout/>
+      <c:lineChart>
+        <c:grouping val="standard"/>
+        <c:varyColors val="0"/>
+        <c:ser>
+          <c:idx val="0"/>
+          <c:order val="0"/>
+          <c:tx>
+            <c:strRef>
+              <c:f>Hoja1!$B$1</c:f>
+              <c:strCache>
+                <c:ptCount val="1"/>
+                <c:pt idx="0">
+                  <c:v>Tiempo de Ejecución</c:v>
+                </c:pt>
+              </c:strCache>
+            </c:strRef>
+          </c:tx>
+          <c:spPr>
+            <a:ln w="28575" cap="rnd">
+              <a:solidFill>
+                <a:schemeClr val="accent1"/>
+              </a:solidFill>
+              <a:round/>
+            </a:ln>
+            <a:effectLst/>
+          </c:spPr>
+          <c:marker>
+            <c:symbol val="circle"/>
+            <c:size val="5"/>
+            <c:spPr>
+              <a:solidFill>
+                <a:schemeClr val="accent1"/>
+              </a:solidFill>
+              <a:ln w="9525">
+                <a:solidFill>
+                  <a:schemeClr val="accent1"/>
+                </a:solidFill>
+              </a:ln>
+              <a:effectLst/>
+            </c:spPr>
+          </c:marker>
+          <c:cat>
+            <c:numRef>
+              <c:f>Hoja1!$A$2:$A$6</c:f>
+              <c:numCache>
+                <c:formatCode>General</c:formatCode>
+                <c:ptCount val="5"/>
+                <c:pt idx="0">
+                  <c:v>1000</c:v>
+                </c:pt>
+                <c:pt idx="1">
+                  <c:v>10000</c:v>
+                </c:pt>
+                <c:pt idx="2">
+                  <c:v>100000</c:v>
+                </c:pt>
+                <c:pt idx="3">
+                  <c:v>1000000</c:v>
+                </c:pt>
+                <c:pt idx="4">
+                  <c:v>10000000</c:v>
+                </c:pt>
+              </c:numCache>
+            </c:numRef>
+          </c:cat>
+          <c:val>
+            <c:numRef>
+              <c:f>Hoja1!$B$2:$B$6</c:f>
+              <c:numCache>
+                <c:formatCode>General</c:formatCode>
+                <c:ptCount val="5"/>
+                <c:pt idx="0">
+                  <c:v>0</c:v>
+                </c:pt>
+                <c:pt idx="1">
+                  <c:v>1</c:v>
+                </c:pt>
+                <c:pt idx="2">
+                  <c:v>61</c:v>
+                </c:pt>
+                <c:pt idx="3">
+                  <c:v>268</c:v>
+                </c:pt>
+                <c:pt idx="4">
+                  <c:v>6289</c:v>
+                </c:pt>
+              </c:numCache>
+            </c:numRef>
+          </c:val>
+          <c:smooth val="0"/>
+          <c:extLst>
+            <c:ext xmlns:c16="http://schemas.microsoft.com/office/drawing/2014/chart" uri="{C3380CC4-5D6E-409C-BE32-E72D297353CC}">
+              <c16:uniqueId val="{00000000-05AA-4B5B-B21F-F6CDA08A02E0}"/>
+            </c:ext>
+          </c:extLst>
+        </c:ser>
+        <c:dLbls>
+          <c:showLegendKey val="0"/>
+          <c:showVal val="0"/>
+          <c:showCatName val="0"/>
+          <c:showSerName val="0"/>
+          <c:showPercent val="0"/>
+          <c:showBubbleSize val="0"/>
+        </c:dLbls>
+        <c:marker val="1"/>
+        <c:smooth val="0"/>
+        <c:axId val="1268382047"/>
+        <c:axId val="1268383295"/>
+      </c:lineChart>
+      <c:catAx>
+        <c:axId val="1268382047"/>
+        <c:scaling>
+          <c:orientation val="minMax"/>
+        </c:scaling>
+        <c:delete val="0"/>
+        <c:axPos val="b"/>
+        <c:numFmt formatCode="General" sourceLinked="1"/>
+        <c:majorTickMark val="none"/>
+        <c:minorTickMark val="none"/>
+        <c:tickLblPos val="nextTo"/>
+        <c:spPr>
+          <a:noFill/>
+          <a:ln w="9525" cap="flat" cmpd="sng" algn="ctr">
+            <a:solidFill>
+              <a:schemeClr val="tx1">
+                <a:lumMod val="15000"/>
+                <a:lumOff val="85000"/>
+              </a:schemeClr>
+            </a:solidFill>
+            <a:round/>
+          </a:ln>
+          <a:effectLst/>
+        </c:spPr>
+        <c:txPr>
+          <a:bodyPr rot="-60000000" spcFirstLastPara="1" vertOverflow="ellipsis" vert="horz" wrap="square" anchor="ctr" anchorCtr="1"/>
+          <a:lstStyle/>
+          <a:p>
+            <a:pPr>
+              <a:defRPr sz="900" b="0" i="0" u="none" strike="noStrike" kern="1200" baseline="0">
+                <a:solidFill>
+                  <a:schemeClr val="dk1"/>
+                </a:solidFill>
+                <a:latin typeface="+mn-lt"/>
+                <a:ea typeface="+mn-ea"/>
+                <a:cs typeface="+mn-cs"/>
+              </a:defRPr>
+            </a:pPr>
+            <a:endParaRPr lang="es-CO"/>
+          </a:p>
+        </c:txPr>
+        <c:crossAx val="1268383295"/>
+        <c:crosses val="autoZero"/>
+        <c:auto val="1"/>
+        <c:lblAlgn val="ctr"/>
+        <c:lblOffset val="100"/>
+        <c:noMultiLvlLbl val="0"/>
+      </c:catAx>
+      <c:valAx>
+        <c:axId val="1268383295"/>
+        <c:scaling>
+          <c:orientation val="minMax"/>
+        </c:scaling>
+        <c:delete val="0"/>
+        <c:axPos val="l"/>
+        <c:majorGridlines>
+          <c:spPr>
+            <a:ln w="9525" cap="flat" cmpd="sng" algn="ctr">
+              <a:solidFill>
+                <a:schemeClr val="tx1">
+                  <a:lumMod val="15000"/>
+                  <a:lumOff val="85000"/>
+                </a:schemeClr>
+              </a:solidFill>
+              <a:round/>
+            </a:ln>
+            <a:effectLst/>
+          </c:spPr>
+        </c:majorGridlines>
+        <c:numFmt formatCode="General" sourceLinked="1"/>
+        <c:majorTickMark val="none"/>
+        <c:minorTickMark val="none"/>
+        <c:tickLblPos val="nextTo"/>
+        <c:spPr>
+          <a:noFill/>
+          <a:ln>
+            <a:noFill/>
+          </a:ln>
+          <a:effectLst/>
+        </c:spPr>
+        <c:txPr>
+          <a:bodyPr rot="-60000000" spcFirstLastPara="1" vertOverflow="ellipsis" vert="horz" wrap="square" anchor="ctr" anchorCtr="1"/>
+          <a:lstStyle/>
+          <a:p>
+            <a:pPr>
+              <a:defRPr sz="900" b="0" i="0" u="none" strike="noStrike" kern="1200" baseline="0">
+                <a:solidFill>
+                  <a:schemeClr val="dk1"/>
+                </a:solidFill>
+                <a:latin typeface="+mn-lt"/>
+                <a:ea typeface="+mn-ea"/>
+                <a:cs typeface="+mn-cs"/>
+              </a:defRPr>
+            </a:pPr>
+            <a:endParaRPr lang="es-CO"/>
+          </a:p>
+        </c:txPr>
+        <c:crossAx val="1268382047"/>
+        <c:crosses val="autoZero"/>
+        <c:crossBetween val="between"/>
+      </c:valAx>
+      <c:spPr>
+        <a:noFill/>
+        <a:ln>
+          <a:noFill/>
+        </a:ln>
+        <a:effectLst/>
+      </c:spPr>
+    </c:plotArea>
+    <c:legend>
+      <c:legendPos val="b"/>
+      <c:overlay val="0"/>
+      <c:spPr>
+        <a:noFill/>
+        <a:ln>
+          <a:noFill/>
+        </a:ln>
+        <a:effectLst/>
+      </c:spPr>
+      <c:txPr>
+        <a:bodyPr rot="0" spcFirstLastPara="1" vertOverflow="ellipsis" vert="horz" wrap="square" anchor="ctr" anchorCtr="1"/>
+        <a:lstStyle/>
+        <a:p>
+          <a:pPr>
+            <a:defRPr sz="900" b="0" i="0" u="none" strike="noStrike" kern="1200" baseline="0">
+              <a:solidFill>
+                <a:schemeClr val="dk1"/>
+              </a:solidFill>
+              <a:latin typeface="+mn-lt"/>
+              <a:ea typeface="+mn-ea"/>
+              <a:cs typeface="+mn-cs"/>
+            </a:defRPr>
+          </a:pPr>
+          <a:endParaRPr lang="es-CO"/>
+        </a:p>
+      </c:txPr>
+    </c:legend>
+    <c:plotVisOnly val="1"/>
+    <c:dispBlanksAs val="gap"/>
+    <c:extLst>
+      <c:ext xmlns:c16r3="http://schemas.microsoft.com/office/drawing/2017/03/chart" uri="{56B9EC1D-385E-4148-901F-78D8002777C0}">
+        <c16r3:dataDisplayOptions16>
+          <c16r3:dispNaAsBlank val="1"/>
+        </c16r3:dataDisplayOptions16>
+      </c:ext>
+    </c:extLst>
+    <c:showDLblsOverMax val="0"/>
+  </c:chart>
+  <c:spPr>
+    <a:solidFill>
+      <a:schemeClr val="lt1"/>
+    </a:solidFill>
+    <a:ln w="25400" cap="flat" cmpd="sng" algn="ctr">
+      <a:solidFill>
+        <a:schemeClr val="dk1"/>
+      </a:solidFill>
+      <a:prstDash val="solid"/>
+    </a:ln>
+    <a:effectLst/>
+  </c:spPr>
+  <c:txPr>
+    <a:bodyPr/>
+    <a:lstStyle/>
+    <a:p>
+      <a:pPr>
+        <a:defRPr>
+          <a:solidFill>
+            <a:schemeClr val="dk1"/>
+          </a:solidFill>
+          <a:latin typeface="+mn-lt"/>
+          <a:ea typeface="+mn-ea"/>
+          <a:cs typeface="+mn-cs"/>
+        </a:defRPr>
+      </a:pPr>
+      <a:endParaRPr lang="es-CO"/>
+    </a:p>
+  </c:txPr>
+  <c:externalData r:id="rId3">
+    <c:autoUpdate val="0"/>
+  </c:externalData>
+</c:chartSpace>
+</file>
+
+<file path=ppt/charts/chart2.xml><?xml version="1.0" encoding="utf-8"?>
+<c:chartSpace xmlns:c="http://schemas.openxmlformats.org/drawingml/2006/chart" xmlns:a="http://schemas.openxmlformats.org/drawingml/2006/main" xmlns:r="http://schemas.openxmlformats.org/officeDocument/2006/relationships" xmlns:c16r2="http://schemas.microsoft.com/office/drawing/2015/06/chart">
+  <c:date1904 val="0"/>
+  <c:lang val="es-ES"/>
+  <c:roundedCorners val="0"/>
+  <mc:AlternateContent xmlns:mc="http://schemas.openxmlformats.org/markup-compatibility/2006">
+    <mc:Choice xmlns:c14="http://schemas.microsoft.com/office/drawing/2007/8/2/chart" Requires="c14">
+      <c14:style val="102"/>
+    </mc:Choice>
+    <mc:Fallback>
+      <c:style val="2"/>
+    </mc:Fallback>
+  </mc:AlternateContent>
+  <c:chart>
+    <c:title>
+      <c:overlay val="0"/>
+      <c:spPr>
+        <a:noFill/>
+        <a:ln>
+          <a:noFill/>
+        </a:ln>
+        <a:effectLst/>
+      </c:spPr>
+      <c:txPr>
+        <a:bodyPr rot="0" spcFirstLastPara="1" vertOverflow="ellipsis" vert="horz" wrap="square" anchor="ctr" anchorCtr="1"/>
+        <a:lstStyle/>
+        <a:p>
+          <a:pPr>
+            <a:defRPr sz="1400" b="0" i="0" u="none" strike="noStrike" kern="1200" spc="0" baseline="0">
+              <a:solidFill>
+                <a:schemeClr val="dk1"/>
+              </a:solidFill>
+              <a:latin typeface="+mn-lt"/>
+              <a:ea typeface="+mn-ea"/>
+              <a:cs typeface="+mn-cs"/>
+            </a:defRPr>
+          </a:pPr>
+          <a:endParaRPr lang="es-CO"/>
+        </a:p>
+      </c:txPr>
+    </c:title>
+    <c:autoTitleDeleted val="0"/>
+    <c:plotArea>
+      <c:layout/>
+      <c:lineChart>
+        <c:grouping val="standard"/>
+        <c:varyColors val="0"/>
+        <c:ser>
+          <c:idx val="0"/>
+          <c:order val="0"/>
+          <c:tx>
+            <c:strRef>
+              <c:f>Hoja1!$B$1</c:f>
+              <c:strCache>
+                <c:ptCount val="1"/>
+                <c:pt idx="0">
+                  <c:v>Tiempo de Ejecución</c:v>
+                </c:pt>
+              </c:strCache>
+            </c:strRef>
+          </c:tx>
+          <c:spPr>
+            <a:ln w="28575" cap="rnd">
+              <a:solidFill>
+                <a:schemeClr val="accent1"/>
+              </a:solidFill>
+              <a:round/>
+            </a:ln>
+            <a:effectLst/>
+          </c:spPr>
+          <c:marker>
+            <c:symbol val="circle"/>
+            <c:size val="5"/>
+            <c:spPr>
+              <a:solidFill>
+                <a:schemeClr val="accent1"/>
+              </a:solidFill>
+              <a:ln w="9525">
+                <a:solidFill>
+                  <a:schemeClr val="accent1"/>
+                </a:solidFill>
+              </a:ln>
+              <a:effectLst/>
+            </c:spPr>
+          </c:marker>
+          <c:cat>
+            <c:numRef>
+              <c:f>Hoja1!$A$2:$A$6</c:f>
+              <c:numCache>
+                <c:formatCode>General</c:formatCode>
+                <c:ptCount val="5"/>
+                <c:pt idx="0">
+                  <c:v>1000</c:v>
+                </c:pt>
+                <c:pt idx="1">
+                  <c:v>10000</c:v>
+                </c:pt>
+                <c:pt idx="2">
+                  <c:v>100000</c:v>
+                </c:pt>
+                <c:pt idx="3">
+                  <c:v>1000000</c:v>
+                </c:pt>
+                <c:pt idx="4">
+                  <c:v>10000000</c:v>
+                </c:pt>
+              </c:numCache>
+            </c:numRef>
+          </c:cat>
+          <c:val>
+            <c:numRef>
+              <c:f>Hoja1!$B$2:$B$6</c:f>
+              <c:numCache>
+                <c:formatCode>General</c:formatCode>
+                <c:ptCount val="5"/>
+                <c:pt idx="0">
+                  <c:v>2</c:v>
+                </c:pt>
+                <c:pt idx="1">
+                  <c:v>12</c:v>
+                </c:pt>
+                <c:pt idx="2">
+                  <c:v>126</c:v>
+                </c:pt>
+                <c:pt idx="3">
+                  <c:v>1362</c:v>
+                </c:pt>
+                <c:pt idx="4">
+                  <c:v>17497</c:v>
+                </c:pt>
+              </c:numCache>
+            </c:numRef>
+          </c:val>
+          <c:smooth val="0"/>
+          <c:extLst>
+            <c:ext xmlns:c16="http://schemas.microsoft.com/office/drawing/2014/chart" uri="{C3380CC4-5D6E-409C-BE32-E72D297353CC}">
+              <c16:uniqueId val="{00000000-6396-400D-86FD-369E045D1692}"/>
+            </c:ext>
+          </c:extLst>
+        </c:ser>
+        <c:dLbls>
+          <c:showLegendKey val="0"/>
+          <c:showVal val="0"/>
+          <c:showCatName val="0"/>
+          <c:showSerName val="0"/>
+          <c:showPercent val="0"/>
+          <c:showBubbleSize val="0"/>
+        </c:dLbls>
+        <c:marker val="1"/>
+        <c:smooth val="0"/>
+        <c:axId val="1268382047"/>
+        <c:axId val="1268383295"/>
+      </c:lineChart>
+      <c:catAx>
+        <c:axId val="1268382047"/>
+        <c:scaling>
+          <c:orientation val="minMax"/>
+        </c:scaling>
+        <c:delete val="0"/>
+        <c:axPos val="b"/>
+        <c:numFmt formatCode="General" sourceLinked="1"/>
+        <c:majorTickMark val="none"/>
+        <c:minorTickMark val="none"/>
+        <c:tickLblPos val="nextTo"/>
+        <c:spPr>
+          <a:noFill/>
+          <a:ln w="9525" cap="flat" cmpd="sng" algn="ctr">
+            <a:solidFill>
+              <a:schemeClr val="tx1">
+                <a:lumMod val="15000"/>
+                <a:lumOff val="85000"/>
+              </a:schemeClr>
+            </a:solidFill>
+            <a:round/>
+          </a:ln>
+          <a:effectLst/>
+        </c:spPr>
+        <c:txPr>
+          <a:bodyPr rot="-60000000" spcFirstLastPara="1" vertOverflow="ellipsis" vert="horz" wrap="square" anchor="ctr" anchorCtr="1"/>
+          <a:lstStyle/>
+          <a:p>
+            <a:pPr>
+              <a:defRPr sz="900" b="0" i="0" u="none" strike="noStrike" kern="1200" baseline="0">
+                <a:solidFill>
+                  <a:schemeClr val="dk1"/>
+                </a:solidFill>
+                <a:latin typeface="+mn-lt"/>
+                <a:ea typeface="+mn-ea"/>
+                <a:cs typeface="+mn-cs"/>
+              </a:defRPr>
+            </a:pPr>
+            <a:endParaRPr lang="es-CO"/>
+          </a:p>
+        </c:txPr>
+        <c:crossAx val="1268383295"/>
+        <c:crosses val="autoZero"/>
+        <c:auto val="1"/>
+        <c:lblAlgn val="ctr"/>
+        <c:lblOffset val="100"/>
+        <c:noMultiLvlLbl val="0"/>
+      </c:catAx>
+      <c:valAx>
+        <c:axId val="1268383295"/>
+        <c:scaling>
+          <c:orientation val="minMax"/>
+        </c:scaling>
+        <c:delete val="0"/>
+        <c:axPos val="l"/>
+        <c:majorGridlines>
+          <c:spPr>
+            <a:ln w="9525" cap="flat" cmpd="sng" algn="ctr">
+              <a:solidFill>
+                <a:schemeClr val="tx1">
+                  <a:lumMod val="15000"/>
+                  <a:lumOff val="85000"/>
+                </a:schemeClr>
+              </a:solidFill>
+              <a:round/>
+            </a:ln>
+            <a:effectLst/>
+          </c:spPr>
+        </c:majorGridlines>
+        <c:numFmt formatCode="General" sourceLinked="1"/>
+        <c:majorTickMark val="none"/>
+        <c:minorTickMark val="none"/>
+        <c:tickLblPos val="nextTo"/>
+        <c:spPr>
+          <a:noFill/>
+          <a:ln>
+            <a:noFill/>
+          </a:ln>
+          <a:effectLst/>
+        </c:spPr>
+        <c:txPr>
+          <a:bodyPr rot="-60000000" spcFirstLastPara="1" vertOverflow="ellipsis" vert="horz" wrap="square" anchor="ctr" anchorCtr="1"/>
+          <a:lstStyle/>
+          <a:p>
+            <a:pPr>
+              <a:defRPr sz="900" b="0" i="0" u="none" strike="noStrike" kern="1200" baseline="0">
+                <a:solidFill>
+                  <a:schemeClr val="dk1"/>
+                </a:solidFill>
+                <a:latin typeface="+mn-lt"/>
+                <a:ea typeface="+mn-ea"/>
+                <a:cs typeface="+mn-cs"/>
+              </a:defRPr>
+            </a:pPr>
+            <a:endParaRPr lang="es-CO"/>
+          </a:p>
+        </c:txPr>
+        <c:crossAx val="1268382047"/>
+        <c:crosses val="autoZero"/>
+        <c:crossBetween val="between"/>
+      </c:valAx>
+      <c:spPr>
+        <a:noFill/>
+        <a:ln>
+          <a:noFill/>
+        </a:ln>
+        <a:effectLst/>
+      </c:spPr>
+    </c:plotArea>
+    <c:legend>
+      <c:legendPos val="b"/>
+      <c:overlay val="0"/>
+      <c:spPr>
+        <a:noFill/>
+        <a:ln>
+          <a:noFill/>
+        </a:ln>
+        <a:effectLst/>
+      </c:spPr>
+      <c:txPr>
+        <a:bodyPr rot="0" spcFirstLastPara="1" vertOverflow="ellipsis" vert="horz" wrap="square" anchor="ctr" anchorCtr="1"/>
+        <a:lstStyle/>
+        <a:p>
+          <a:pPr>
+            <a:defRPr sz="900" b="0" i="0" u="none" strike="noStrike" kern="1200" baseline="0">
+              <a:solidFill>
+                <a:schemeClr val="dk1"/>
+              </a:solidFill>
+              <a:latin typeface="+mn-lt"/>
+              <a:ea typeface="+mn-ea"/>
+              <a:cs typeface="+mn-cs"/>
+            </a:defRPr>
+          </a:pPr>
+          <a:endParaRPr lang="es-CO"/>
+        </a:p>
+      </c:txPr>
+    </c:legend>
+    <c:plotVisOnly val="1"/>
+    <c:dispBlanksAs val="gap"/>
+    <c:extLst>
+      <c:ext xmlns:c16r3="http://schemas.microsoft.com/office/drawing/2017/03/chart" uri="{56B9EC1D-385E-4148-901F-78D8002777C0}">
+        <c16r3:dataDisplayOptions16>
+          <c16r3:dispNaAsBlank val="1"/>
+        </c16r3:dataDisplayOptions16>
+      </c:ext>
+    </c:extLst>
+    <c:showDLblsOverMax val="0"/>
+  </c:chart>
+  <c:spPr>
+    <a:solidFill>
+      <a:schemeClr val="lt1"/>
+    </a:solidFill>
+    <a:ln w="12700" cap="flat" cmpd="sng" algn="ctr">
+      <a:solidFill>
+        <a:schemeClr val="dk1"/>
+      </a:solidFill>
+      <a:prstDash val="solid"/>
+      <a:miter lim="800000"/>
+    </a:ln>
+    <a:effectLst/>
+  </c:spPr>
+  <c:txPr>
+    <a:bodyPr/>
+    <a:lstStyle/>
+    <a:p>
+      <a:pPr>
+        <a:defRPr>
+          <a:solidFill>
+            <a:schemeClr val="dk1"/>
+          </a:solidFill>
+          <a:latin typeface="+mn-lt"/>
+          <a:ea typeface="+mn-ea"/>
+          <a:cs typeface="+mn-cs"/>
+        </a:defRPr>
+      </a:pPr>
+      <a:endParaRPr lang="es-CO"/>
+    </a:p>
+  </c:txPr>
+  <c:externalData r:id="rId3">
+    <c:autoUpdate val="0"/>
+  </c:externalData>
+</c:chartSpace>
+</file>
+
+<file path=ppt/charts/chart3.xml><?xml version="1.0" encoding="utf-8"?>
+<c:chartSpace xmlns:c="http://schemas.openxmlformats.org/drawingml/2006/chart" xmlns:a="http://schemas.openxmlformats.org/drawingml/2006/main" xmlns:r="http://schemas.openxmlformats.org/officeDocument/2006/relationships" xmlns:c16r2="http://schemas.microsoft.com/office/drawing/2015/06/chart">
+  <c:date1904 val="0"/>
+  <c:lang val="es-ES"/>
+  <c:roundedCorners val="0"/>
+  <mc:AlternateContent xmlns:mc="http://schemas.openxmlformats.org/markup-compatibility/2006">
+    <mc:Choice xmlns:c14="http://schemas.microsoft.com/office/drawing/2007/8/2/chart" Requires="c14">
+      <c14:style val="102"/>
+    </mc:Choice>
+    <mc:Fallback>
+      <c:style val="2"/>
+    </mc:Fallback>
+  </mc:AlternateContent>
+  <c:chart>
+    <c:title>
+      <c:overlay val="0"/>
+      <c:spPr>
+        <a:noFill/>
+        <a:ln>
+          <a:noFill/>
+        </a:ln>
+        <a:effectLst/>
+      </c:spPr>
+      <c:txPr>
+        <a:bodyPr rot="0" spcFirstLastPara="1" vertOverflow="ellipsis" vert="horz" wrap="square" anchor="ctr" anchorCtr="1"/>
+        <a:lstStyle/>
+        <a:p>
+          <a:pPr>
+            <a:defRPr sz="1400" b="0" i="0" u="none" strike="noStrike" kern="1200" spc="0" baseline="0">
+              <a:solidFill>
+                <a:schemeClr val="dk1"/>
+              </a:solidFill>
+              <a:latin typeface="+mn-lt"/>
+              <a:ea typeface="+mn-ea"/>
+              <a:cs typeface="+mn-cs"/>
+            </a:defRPr>
+          </a:pPr>
+          <a:endParaRPr lang="es-CO"/>
+        </a:p>
+      </c:txPr>
+    </c:title>
+    <c:autoTitleDeleted val="0"/>
+    <c:plotArea>
+      <c:layout/>
+      <c:lineChart>
+        <c:grouping val="standard"/>
+        <c:varyColors val="0"/>
+        <c:ser>
+          <c:idx val="0"/>
+          <c:order val="0"/>
+          <c:tx>
+            <c:strRef>
+              <c:f>Hoja1!$B$1</c:f>
+              <c:strCache>
+                <c:ptCount val="1"/>
+                <c:pt idx="0">
+                  <c:v>Tiempo de Ejecución</c:v>
+                </c:pt>
+              </c:strCache>
+            </c:strRef>
+          </c:tx>
+          <c:spPr>
+            <a:ln w="28575" cap="rnd">
+              <a:solidFill>
+                <a:schemeClr val="accent2"/>
+              </a:solidFill>
+              <a:round/>
+            </a:ln>
+            <a:effectLst/>
+          </c:spPr>
+          <c:marker>
+            <c:symbol val="circle"/>
+            <c:size val="5"/>
+            <c:spPr>
+              <a:solidFill>
+                <a:schemeClr val="accent2"/>
+              </a:solidFill>
+              <a:ln w="9525">
+                <a:solidFill>
+                  <a:schemeClr val="accent2"/>
+                </a:solidFill>
+              </a:ln>
+              <a:effectLst/>
+            </c:spPr>
+          </c:marker>
+          <c:cat>
+            <c:numRef>
+              <c:f>Hoja1!$A$2:$A$4</c:f>
+              <c:numCache>
+                <c:formatCode>General</c:formatCode>
+                <c:ptCount val="3"/>
+                <c:pt idx="0">
+                  <c:v>1000</c:v>
+                </c:pt>
+                <c:pt idx="1">
+                  <c:v>10000</c:v>
+                </c:pt>
+                <c:pt idx="2">
+                  <c:v>100000</c:v>
+                </c:pt>
+              </c:numCache>
+            </c:numRef>
+          </c:cat>
+          <c:val>
+            <c:numRef>
+              <c:f>Hoja1!$B$2:$B$4</c:f>
+              <c:numCache>
+                <c:formatCode>General</c:formatCode>
+                <c:ptCount val="3"/>
+                <c:pt idx="0">
+                  <c:v>15</c:v>
+                </c:pt>
+                <c:pt idx="1">
+                  <c:v>272</c:v>
+                </c:pt>
+                <c:pt idx="2">
+                  <c:v>147005</c:v>
+                </c:pt>
+              </c:numCache>
+            </c:numRef>
+          </c:val>
+          <c:smooth val="0"/>
+          <c:extLst>
+            <c:ext xmlns:c16="http://schemas.microsoft.com/office/drawing/2014/chart" uri="{C3380CC4-5D6E-409C-BE32-E72D297353CC}">
+              <c16:uniqueId val="{00000000-0D6E-4074-81DD-D7AB868F7932}"/>
+            </c:ext>
+          </c:extLst>
+        </c:ser>
+        <c:dLbls>
+          <c:showLegendKey val="0"/>
+          <c:showVal val="0"/>
+          <c:showCatName val="0"/>
+          <c:showSerName val="0"/>
+          <c:showPercent val="0"/>
+          <c:showBubbleSize val="0"/>
+        </c:dLbls>
+        <c:marker val="1"/>
+        <c:smooth val="0"/>
+        <c:axId val="1268382047"/>
+        <c:axId val="1268383295"/>
+      </c:lineChart>
+      <c:catAx>
+        <c:axId val="1268382047"/>
+        <c:scaling>
+          <c:orientation val="minMax"/>
+        </c:scaling>
+        <c:delete val="0"/>
+        <c:axPos val="b"/>
+        <c:numFmt formatCode="General" sourceLinked="1"/>
+        <c:majorTickMark val="none"/>
+        <c:minorTickMark val="none"/>
+        <c:tickLblPos val="nextTo"/>
+        <c:spPr>
+          <a:noFill/>
+          <a:ln w="9525" cap="flat" cmpd="sng" algn="ctr">
+            <a:solidFill>
+              <a:schemeClr val="tx1">
+                <a:lumMod val="15000"/>
+                <a:lumOff val="85000"/>
+              </a:schemeClr>
+            </a:solidFill>
+            <a:round/>
+          </a:ln>
+          <a:effectLst/>
+        </c:spPr>
+        <c:txPr>
+          <a:bodyPr rot="-60000000" spcFirstLastPara="1" vertOverflow="ellipsis" vert="horz" wrap="square" anchor="ctr" anchorCtr="1"/>
+          <a:lstStyle/>
+          <a:p>
+            <a:pPr>
+              <a:defRPr sz="900" b="0" i="0" u="none" strike="noStrike" kern="1200" baseline="0">
+                <a:solidFill>
+                  <a:schemeClr val="dk1"/>
+                </a:solidFill>
+                <a:latin typeface="+mn-lt"/>
+                <a:ea typeface="+mn-ea"/>
+                <a:cs typeface="+mn-cs"/>
+              </a:defRPr>
+            </a:pPr>
+            <a:endParaRPr lang="es-CO"/>
+          </a:p>
+        </c:txPr>
+        <c:crossAx val="1268383295"/>
+        <c:crosses val="autoZero"/>
+        <c:auto val="1"/>
+        <c:lblAlgn val="ctr"/>
+        <c:lblOffset val="100"/>
+        <c:noMultiLvlLbl val="0"/>
+      </c:catAx>
+      <c:valAx>
+        <c:axId val="1268383295"/>
+        <c:scaling>
+          <c:orientation val="minMax"/>
+        </c:scaling>
+        <c:delete val="0"/>
+        <c:axPos val="l"/>
+        <c:majorGridlines>
+          <c:spPr>
+            <a:ln w="9525" cap="flat" cmpd="sng" algn="ctr">
+              <a:solidFill>
+                <a:schemeClr val="tx1">
+                  <a:lumMod val="15000"/>
+                  <a:lumOff val="85000"/>
+                </a:schemeClr>
+              </a:solidFill>
+              <a:round/>
+            </a:ln>
+            <a:effectLst/>
+          </c:spPr>
+        </c:majorGridlines>
+        <c:numFmt formatCode="General" sourceLinked="1"/>
+        <c:majorTickMark val="none"/>
+        <c:minorTickMark val="none"/>
+        <c:tickLblPos val="nextTo"/>
+        <c:spPr>
+          <a:noFill/>
+          <a:ln>
+            <a:noFill/>
+          </a:ln>
+          <a:effectLst/>
+        </c:spPr>
+        <c:txPr>
+          <a:bodyPr rot="-60000000" spcFirstLastPara="1" vertOverflow="ellipsis" vert="horz" wrap="square" anchor="ctr" anchorCtr="1"/>
+          <a:lstStyle/>
+          <a:p>
+            <a:pPr>
+              <a:defRPr sz="900" b="0" i="0" u="none" strike="noStrike" kern="1200" baseline="0">
+                <a:solidFill>
+                  <a:schemeClr val="dk1"/>
+                </a:solidFill>
+                <a:latin typeface="+mn-lt"/>
+                <a:ea typeface="+mn-ea"/>
+                <a:cs typeface="+mn-cs"/>
+              </a:defRPr>
+            </a:pPr>
+            <a:endParaRPr lang="es-CO"/>
+          </a:p>
+        </c:txPr>
+        <c:crossAx val="1268382047"/>
+        <c:crosses val="autoZero"/>
+        <c:crossBetween val="between"/>
+      </c:valAx>
+      <c:spPr>
+        <a:noFill/>
+        <a:ln>
+          <a:noFill/>
+        </a:ln>
+        <a:effectLst/>
+      </c:spPr>
+    </c:plotArea>
+    <c:legend>
+      <c:legendPos val="b"/>
+      <c:overlay val="0"/>
+      <c:spPr>
+        <a:noFill/>
+        <a:ln>
+          <a:noFill/>
+        </a:ln>
+        <a:effectLst/>
+      </c:spPr>
+      <c:txPr>
+        <a:bodyPr rot="0" spcFirstLastPara="1" vertOverflow="ellipsis" vert="horz" wrap="square" anchor="ctr" anchorCtr="1"/>
+        <a:lstStyle/>
+        <a:p>
+          <a:pPr>
+            <a:defRPr sz="900" b="0" i="0" u="none" strike="noStrike" kern="1200" baseline="0">
+              <a:solidFill>
+                <a:schemeClr val="dk1"/>
+              </a:solidFill>
+              <a:latin typeface="+mn-lt"/>
+              <a:ea typeface="+mn-ea"/>
+              <a:cs typeface="+mn-cs"/>
+            </a:defRPr>
+          </a:pPr>
+          <a:endParaRPr lang="es-CO"/>
+        </a:p>
+      </c:txPr>
+    </c:legend>
+    <c:plotVisOnly val="1"/>
+    <c:dispBlanksAs val="gap"/>
+    <c:extLst>
+      <c:ext xmlns:c16r3="http://schemas.microsoft.com/office/drawing/2017/03/chart" uri="{56B9EC1D-385E-4148-901F-78D8002777C0}">
+        <c16r3:dataDisplayOptions16>
+          <c16r3:dispNaAsBlank val="1"/>
+        </c16r3:dataDisplayOptions16>
+      </c:ext>
+    </c:extLst>
+    <c:showDLblsOverMax val="0"/>
+  </c:chart>
+  <c:spPr>
+    <a:solidFill>
+      <a:schemeClr val="lt1"/>
+    </a:solidFill>
+    <a:ln w="12700" cap="flat" cmpd="sng" algn="ctr">
+      <a:solidFill>
+        <a:schemeClr val="dk1"/>
+      </a:solidFill>
+      <a:prstDash val="solid"/>
+      <a:miter lim="800000"/>
+    </a:ln>
+    <a:effectLst/>
+  </c:spPr>
+  <c:txPr>
+    <a:bodyPr/>
+    <a:lstStyle/>
+    <a:p>
+      <a:pPr>
+        <a:defRPr>
+          <a:solidFill>
+            <a:schemeClr val="dk1"/>
+          </a:solidFill>
+          <a:latin typeface="+mn-lt"/>
+          <a:ea typeface="+mn-ea"/>
+          <a:cs typeface="+mn-cs"/>
+        </a:defRPr>
+      </a:pPr>
+      <a:endParaRPr lang="es-CO"/>
+    </a:p>
+  </c:txPr>
+  <c:externalData r:id="rId3">
+    <c:autoUpdate val="0"/>
+  </c:externalData>
+</c:chartSpace>
+</file>
+
+<file path=ppt/charts/chart4.xml><?xml version="1.0" encoding="utf-8"?>
+<c:chartSpace xmlns:c="http://schemas.openxmlformats.org/drawingml/2006/chart" xmlns:a="http://schemas.openxmlformats.org/drawingml/2006/main" xmlns:r="http://schemas.openxmlformats.org/officeDocument/2006/relationships" xmlns:c16r2="http://schemas.microsoft.com/office/drawing/2015/06/chart">
+  <c:date1904 val="0"/>
+  <c:lang val="es-ES"/>
+  <c:roundedCorners val="0"/>
+  <mc:AlternateContent xmlns:mc="http://schemas.openxmlformats.org/markup-compatibility/2006">
+    <mc:Choice xmlns:c14="http://schemas.microsoft.com/office/drawing/2007/8/2/chart" Requires="c14">
+      <c14:style val="102"/>
+    </mc:Choice>
+    <mc:Fallback>
+      <c:style val="2"/>
+    </mc:Fallback>
+  </mc:AlternateContent>
+  <c:chart>
+    <c:title>
+      <c:overlay val="0"/>
+      <c:spPr>
+        <a:noFill/>
+        <a:ln>
+          <a:noFill/>
+        </a:ln>
+        <a:effectLst/>
+      </c:spPr>
+      <c:txPr>
+        <a:bodyPr rot="0" spcFirstLastPara="1" vertOverflow="ellipsis" vert="horz" wrap="square" anchor="ctr" anchorCtr="1"/>
+        <a:lstStyle/>
+        <a:p>
+          <a:pPr>
+            <a:defRPr sz="1400" b="0" i="0" u="none" strike="noStrike" kern="1200" spc="0" baseline="0">
+              <a:solidFill>
+                <a:schemeClr val="dk1"/>
+              </a:solidFill>
+              <a:latin typeface="+mn-lt"/>
+              <a:ea typeface="+mn-ea"/>
+              <a:cs typeface="+mn-cs"/>
+            </a:defRPr>
+          </a:pPr>
+          <a:endParaRPr lang="es-CO"/>
+        </a:p>
+      </c:txPr>
+    </c:title>
+    <c:autoTitleDeleted val="0"/>
+    <c:plotArea>
+      <c:layout/>
+      <c:lineChart>
+        <c:grouping val="standard"/>
+        <c:varyColors val="0"/>
+        <c:ser>
+          <c:idx val="0"/>
+          <c:order val="0"/>
+          <c:tx>
+            <c:strRef>
+              <c:f>Hoja1!$B$1</c:f>
+              <c:strCache>
+                <c:ptCount val="1"/>
+                <c:pt idx="0">
+                  <c:v>Tiempo de Ejecución</c:v>
+                </c:pt>
+              </c:strCache>
+            </c:strRef>
+          </c:tx>
+          <c:spPr>
+            <a:ln w="28575" cap="rnd">
+              <a:solidFill>
+                <a:schemeClr val="accent2"/>
+              </a:solidFill>
+              <a:round/>
+            </a:ln>
+            <a:effectLst/>
+          </c:spPr>
+          <c:marker>
+            <c:symbol val="circle"/>
+            <c:size val="5"/>
+            <c:spPr>
+              <a:solidFill>
+                <a:schemeClr val="accent2"/>
+              </a:solidFill>
+              <a:ln w="9525">
+                <a:solidFill>
+                  <a:schemeClr val="accent2"/>
+                </a:solidFill>
+              </a:ln>
+              <a:effectLst/>
+            </c:spPr>
+          </c:marker>
+          <c:cat>
+            <c:numRef>
+              <c:f>Hoja1!$A$2:$A$6</c:f>
+              <c:numCache>
+                <c:formatCode>General</c:formatCode>
+                <c:ptCount val="5"/>
+                <c:pt idx="0">
+                  <c:v>1000</c:v>
+                </c:pt>
+                <c:pt idx="1">
+                  <c:v>10000</c:v>
+                </c:pt>
+                <c:pt idx="2">
+                  <c:v>100000</c:v>
+                </c:pt>
+                <c:pt idx="3">
+                  <c:v>1000000</c:v>
+                </c:pt>
+                <c:pt idx="4">
+                  <c:v>10000000</c:v>
+                </c:pt>
+              </c:numCache>
+            </c:numRef>
+          </c:cat>
+          <c:val>
+            <c:numRef>
+              <c:f>Hoja1!$B$2:$B$6</c:f>
+              <c:numCache>
+                <c:formatCode>General</c:formatCode>
+                <c:ptCount val="5"/>
+                <c:pt idx="0">
+                  <c:v>1</c:v>
+                </c:pt>
+                <c:pt idx="1">
+                  <c:v>2</c:v>
+                </c:pt>
+                <c:pt idx="2">
+                  <c:v>14</c:v>
+                </c:pt>
+                <c:pt idx="3">
+                  <c:v>111</c:v>
+                </c:pt>
+                <c:pt idx="4">
+                  <c:v>1062</c:v>
+                </c:pt>
+              </c:numCache>
+            </c:numRef>
+          </c:val>
+          <c:smooth val="0"/>
+          <c:extLst>
+            <c:ext xmlns:c16="http://schemas.microsoft.com/office/drawing/2014/chart" uri="{C3380CC4-5D6E-409C-BE32-E72D297353CC}">
+              <c16:uniqueId val="{00000000-BCAB-4CD1-96AE-37115A68A7D4}"/>
+            </c:ext>
+          </c:extLst>
+        </c:ser>
+        <c:dLbls>
+          <c:showLegendKey val="0"/>
+          <c:showVal val="0"/>
+          <c:showCatName val="0"/>
+          <c:showSerName val="0"/>
+          <c:showPercent val="0"/>
+          <c:showBubbleSize val="0"/>
+        </c:dLbls>
+        <c:marker val="1"/>
+        <c:smooth val="0"/>
+        <c:axId val="1268382047"/>
+        <c:axId val="1268383295"/>
+      </c:lineChart>
+      <c:catAx>
+        <c:axId val="1268382047"/>
+        <c:scaling>
+          <c:orientation val="minMax"/>
+        </c:scaling>
+        <c:delete val="0"/>
+        <c:axPos val="b"/>
+        <c:numFmt formatCode="General" sourceLinked="1"/>
+        <c:majorTickMark val="none"/>
+        <c:minorTickMark val="none"/>
+        <c:tickLblPos val="nextTo"/>
+        <c:spPr>
+          <a:noFill/>
+          <a:ln w="9525" cap="flat" cmpd="sng" algn="ctr">
+            <a:solidFill>
+              <a:schemeClr val="tx1">
+                <a:lumMod val="15000"/>
+                <a:lumOff val="85000"/>
+              </a:schemeClr>
+            </a:solidFill>
+            <a:round/>
+          </a:ln>
+          <a:effectLst/>
+        </c:spPr>
+        <c:txPr>
+          <a:bodyPr rot="-60000000" spcFirstLastPara="1" vertOverflow="ellipsis" vert="horz" wrap="square" anchor="ctr" anchorCtr="1"/>
+          <a:lstStyle/>
+          <a:p>
+            <a:pPr>
+              <a:defRPr sz="900" b="0" i="0" u="none" strike="noStrike" kern="1200" baseline="0">
+                <a:solidFill>
+                  <a:schemeClr val="dk1"/>
+                </a:solidFill>
+                <a:latin typeface="+mn-lt"/>
+                <a:ea typeface="+mn-ea"/>
+                <a:cs typeface="+mn-cs"/>
+              </a:defRPr>
+            </a:pPr>
+            <a:endParaRPr lang="es-CO"/>
+          </a:p>
+        </c:txPr>
+        <c:crossAx val="1268383295"/>
+        <c:crosses val="autoZero"/>
+        <c:auto val="1"/>
+        <c:lblAlgn val="ctr"/>
+        <c:lblOffset val="100"/>
+        <c:noMultiLvlLbl val="0"/>
+      </c:catAx>
+      <c:valAx>
+        <c:axId val="1268383295"/>
+        <c:scaling>
+          <c:orientation val="minMax"/>
+        </c:scaling>
+        <c:delete val="0"/>
+        <c:axPos val="l"/>
+        <c:majorGridlines>
+          <c:spPr>
+            <a:ln w="9525" cap="flat" cmpd="sng" algn="ctr">
+              <a:solidFill>
+                <a:schemeClr val="tx1">
+                  <a:lumMod val="15000"/>
+                  <a:lumOff val="85000"/>
+                </a:schemeClr>
+              </a:solidFill>
+              <a:round/>
+            </a:ln>
+            <a:effectLst/>
+          </c:spPr>
+        </c:majorGridlines>
+        <c:numFmt formatCode="General" sourceLinked="1"/>
+        <c:majorTickMark val="none"/>
+        <c:minorTickMark val="none"/>
+        <c:tickLblPos val="nextTo"/>
+        <c:spPr>
+          <a:noFill/>
+          <a:ln>
+            <a:noFill/>
+          </a:ln>
+          <a:effectLst/>
+        </c:spPr>
+        <c:txPr>
+          <a:bodyPr rot="-60000000" spcFirstLastPara="1" vertOverflow="ellipsis" vert="horz" wrap="square" anchor="ctr" anchorCtr="1"/>
+          <a:lstStyle/>
+          <a:p>
+            <a:pPr>
+              <a:defRPr sz="900" b="0" i="0" u="none" strike="noStrike" kern="1200" baseline="0">
+                <a:solidFill>
+                  <a:schemeClr val="dk1"/>
+                </a:solidFill>
+                <a:latin typeface="+mn-lt"/>
+                <a:ea typeface="+mn-ea"/>
+                <a:cs typeface="+mn-cs"/>
+              </a:defRPr>
+            </a:pPr>
+            <a:endParaRPr lang="es-CO"/>
+          </a:p>
+        </c:txPr>
+        <c:crossAx val="1268382047"/>
+        <c:crosses val="autoZero"/>
+        <c:crossBetween val="between"/>
+      </c:valAx>
+      <c:spPr>
+        <a:noFill/>
+        <a:ln>
+          <a:noFill/>
+        </a:ln>
+        <a:effectLst/>
+      </c:spPr>
+    </c:plotArea>
+    <c:legend>
+      <c:legendPos val="b"/>
+      <c:overlay val="0"/>
+      <c:spPr>
+        <a:noFill/>
+        <a:ln>
+          <a:noFill/>
+        </a:ln>
+        <a:effectLst/>
+      </c:spPr>
+      <c:txPr>
+        <a:bodyPr rot="0" spcFirstLastPara="1" vertOverflow="ellipsis" vert="horz" wrap="square" anchor="ctr" anchorCtr="1"/>
+        <a:lstStyle/>
+        <a:p>
+          <a:pPr>
+            <a:defRPr sz="900" b="0" i="0" u="none" strike="noStrike" kern="1200" baseline="0">
+              <a:solidFill>
+                <a:schemeClr val="dk1"/>
+              </a:solidFill>
+              <a:latin typeface="+mn-lt"/>
+              <a:ea typeface="+mn-ea"/>
+              <a:cs typeface="+mn-cs"/>
+            </a:defRPr>
+          </a:pPr>
+          <a:endParaRPr lang="es-CO"/>
+        </a:p>
+      </c:txPr>
+    </c:legend>
+    <c:plotVisOnly val="1"/>
+    <c:dispBlanksAs val="gap"/>
+    <c:extLst>
+      <c:ext xmlns:c16r3="http://schemas.microsoft.com/office/drawing/2017/03/chart" uri="{56B9EC1D-385E-4148-901F-78D8002777C0}">
+        <c16r3:dataDisplayOptions16>
+          <c16r3:dispNaAsBlank val="1"/>
+        </c16r3:dataDisplayOptions16>
+      </c:ext>
+    </c:extLst>
+    <c:showDLblsOverMax val="0"/>
+  </c:chart>
+  <c:spPr>
+    <a:solidFill>
+      <a:schemeClr val="lt1"/>
+    </a:solidFill>
+    <a:ln w="12700" cap="flat" cmpd="sng" algn="ctr">
+      <a:solidFill>
+        <a:schemeClr val="dk1"/>
+      </a:solidFill>
+      <a:prstDash val="solid"/>
+      <a:miter lim="800000"/>
+    </a:ln>
+    <a:effectLst/>
+  </c:spPr>
+  <c:txPr>
+    <a:bodyPr/>
+    <a:lstStyle/>
+    <a:p>
+      <a:pPr>
+        <a:defRPr>
+          <a:solidFill>
+            <a:schemeClr val="dk1"/>
+          </a:solidFill>
+          <a:latin typeface="+mn-lt"/>
+          <a:ea typeface="+mn-ea"/>
+          <a:cs typeface="+mn-cs"/>
+        </a:defRPr>
+      </a:pPr>
+      <a:endParaRPr lang="es-CO"/>
+    </a:p>
+  </c:txPr>
+  <c:externalData r:id="rId3">
+    <c:autoUpdate val="0"/>
+  </c:externalData>
+</c:chartSpace>
+</file>
+
+<file path=ppt/charts/chart5.xml><?xml version="1.0" encoding="utf-8"?>
+<c:chartSpace xmlns:c="http://schemas.openxmlformats.org/drawingml/2006/chart" xmlns:a="http://schemas.openxmlformats.org/drawingml/2006/main" xmlns:r="http://schemas.openxmlformats.org/officeDocument/2006/relationships" xmlns:c16r2="http://schemas.microsoft.com/office/drawing/2015/06/chart">
+  <c:date1904 val="0"/>
+  <c:lang val="es-ES"/>
+  <c:roundedCorners val="0"/>
+  <mc:AlternateContent xmlns:mc="http://schemas.openxmlformats.org/markup-compatibility/2006">
+    <mc:Choice xmlns:c14="http://schemas.microsoft.com/office/drawing/2007/8/2/chart" Requires="c14">
+      <c14:style val="102"/>
+    </mc:Choice>
+    <mc:Fallback>
+      <c:style val="2"/>
+    </mc:Fallback>
+  </mc:AlternateContent>
+  <c:chart>
+    <c:title>
+      <c:overlay val="0"/>
+      <c:spPr>
+        <a:noFill/>
+        <a:ln>
+          <a:noFill/>
+        </a:ln>
+        <a:effectLst/>
+      </c:spPr>
+      <c:txPr>
+        <a:bodyPr rot="0" spcFirstLastPara="1" vertOverflow="ellipsis" vert="horz" wrap="square" anchor="ctr" anchorCtr="1"/>
+        <a:lstStyle/>
+        <a:p>
+          <a:pPr>
+            <a:defRPr sz="1400" b="0" i="0" u="none" strike="noStrike" kern="1200" spc="0" baseline="0">
+              <a:solidFill>
+                <a:schemeClr val="dk1"/>
+              </a:solidFill>
+              <a:latin typeface="+mn-lt"/>
+              <a:ea typeface="+mn-ea"/>
+              <a:cs typeface="+mn-cs"/>
+            </a:defRPr>
+          </a:pPr>
+          <a:endParaRPr lang="es-CO"/>
+        </a:p>
+      </c:txPr>
+    </c:title>
+    <c:autoTitleDeleted val="0"/>
+    <c:plotArea>
+      <c:layout/>
+      <c:lineChart>
+        <c:grouping val="standard"/>
+        <c:varyColors val="0"/>
+        <c:ser>
+          <c:idx val="0"/>
+          <c:order val="0"/>
+          <c:tx>
+            <c:strRef>
+              <c:f>Hoja1!$B$1</c:f>
+              <c:strCache>
+                <c:ptCount val="1"/>
+                <c:pt idx="0">
+                  <c:v>Tiempo de Ejecución</c:v>
+                </c:pt>
+              </c:strCache>
+            </c:strRef>
+          </c:tx>
+          <c:spPr>
+            <a:ln w="28575" cap="rnd">
+              <a:solidFill>
+                <a:schemeClr val="accent6"/>
+              </a:solidFill>
+              <a:round/>
+            </a:ln>
+            <a:effectLst/>
+          </c:spPr>
+          <c:marker>
+            <c:symbol val="circle"/>
+            <c:size val="5"/>
+            <c:spPr>
+              <a:solidFill>
+                <a:schemeClr val="accent6"/>
+              </a:solidFill>
+              <a:ln w="9525">
+                <a:solidFill>
+                  <a:schemeClr val="accent6"/>
+                </a:solidFill>
+              </a:ln>
+              <a:effectLst/>
+            </c:spPr>
+          </c:marker>
+          <c:cat>
+            <c:numRef>
+              <c:f>Hoja1!$A$2:$A$6</c:f>
+              <c:numCache>
+                <c:formatCode>General</c:formatCode>
+                <c:ptCount val="5"/>
+                <c:pt idx="0">
+                  <c:v>1000</c:v>
+                </c:pt>
+                <c:pt idx="1">
+                  <c:v>10000</c:v>
+                </c:pt>
+                <c:pt idx="2">
+                  <c:v>100000</c:v>
+                </c:pt>
+                <c:pt idx="3">
+                  <c:v>1000000</c:v>
+                </c:pt>
+                <c:pt idx="4">
+                  <c:v>10000000</c:v>
+                </c:pt>
+              </c:numCache>
+            </c:numRef>
+          </c:cat>
+          <c:val>
+            <c:numRef>
+              <c:f>Hoja1!$B$2:$B$6</c:f>
+              <c:numCache>
+                <c:formatCode>General</c:formatCode>
+                <c:ptCount val="5"/>
+                <c:pt idx="0">
+                  <c:v>0</c:v>
+                </c:pt>
+                <c:pt idx="1">
+                  <c:v>2</c:v>
+                </c:pt>
+                <c:pt idx="2">
+                  <c:v>5</c:v>
+                </c:pt>
+                <c:pt idx="3">
+                  <c:v>26</c:v>
+                </c:pt>
+                <c:pt idx="4">
+                  <c:v>329</c:v>
+                </c:pt>
+              </c:numCache>
+            </c:numRef>
+          </c:val>
+          <c:smooth val="0"/>
+          <c:extLst>
+            <c:ext xmlns:c16="http://schemas.microsoft.com/office/drawing/2014/chart" uri="{C3380CC4-5D6E-409C-BE32-E72D297353CC}">
+              <c16:uniqueId val="{00000000-1D22-4149-A69F-0D749A58070E}"/>
+            </c:ext>
+          </c:extLst>
+        </c:ser>
+        <c:dLbls>
+          <c:showLegendKey val="0"/>
+          <c:showVal val="0"/>
+          <c:showCatName val="0"/>
+          <c:showSerName val="0"/>
+          <c:showPercent val="0"/>
+          <c:showBubbleSize val="0"/>
+        </c:dLbls>
+        <c:marker val="1"/>
+        <c:smooth val="0"/>
+        <c:axId val="1268382047"/>
+        <c:axId val="1268383295"/>
+      </c:lineChart>
+      <c:catAx>
+        <c:axId val="1268382047"/>
+        <c:scaling>
+          <c:orientation val="minMax"/>
+        </c:scaling>
+        <c:delete val="0"/>
+        <c:axPos val="b"/>
+        <c:numFmt formatCode="General" sourceLinked="1"/>
+        <c:majorTickMark val="none"/>
+        <c:minorTickMark val="none"/>
+        <c:tickLblPos val="nextTo"/>
+        <c:spPr>
+          <a:noFill/>
+          <a:ln w="9525" cap="flat" cmpd="sng" algn="ctr">
+            <a:solidFill>
+              <a:schemeClr val="tx1">
+                <a:lumMod val="15000"/>
+                <a:lumOff val="85000"/>
+              </a:schemeClr>
+            </a:solidFill>
+            <a:round/>
+          </a:ln>
+          <a:effectLst/>
+        </c:spPr>
+        <c:txPr>
+          <a:bodyPr rot="-60000000" spcFirstLastPara="1" vertOverflow="ellipsis" vert="horz" wrap="square" anchor="ctr" anchorCtr="1"/>
+          <a:lstStyle/>
+          <a:p>
+            <a:pPr>
+              <a:defRPr sz="900" b="0" i="0" u="none" strike="noStrike" kern="1200" baseline="0">
+                <a:solidFill>
+                  <a:schemeClr val="dk1"/>
+                </a:solidFill>
+                <a:latin typeface="+mn-lt"/>
+                <a:ea typeface="+mn-ea"/>
+                <a:cs typeface="+mn-cs"/>
+              </a:defRPr>
+            </a:pPr>
+            <a:endParaRPr lang="es-CO"/>
+          </a:p>
+        </c:txPr>
+        <c:crossAx val="1268383295"/>
+        <c:crosses val="autoZero"/>
+        <c:auto val="1"/>
+        <c:lblAlgn val="ctr"/>
+        <c:lblOffset val="100"/>
+        <c:noMultiLvlLbl val="0"/>
+      </c:catAx>
+      <c:valAx>
+        <c:axId val="1268383295"/>
+        <c:scaling>
+          <c:orientation val="minMax"/>
+        </c:scaling>
+        <c:delete val="0"/>
+        <c:axPos val="l"/>
+        <c:majorGridlines>
+          <c:spPr>
+            <a:ln w="9525" cap="flat" cmpd="sng" algn="ctr">
+              <a:solidFill>
+                <a:schemeClr val="tx1">
+                  <a:lumMod val="15000"/>
+                  <a:lumOff val="85000"/>
+                </a:schemeClr>
+              </a:solidFill>
+              <a:round/>
+            </a:ln>
+            <a:effectLst/>
+          </c:spPr>
+        </c:majorGridlines>
+        <c:numFmt formatCode="General" sourceLinked="1"/>
+        <c:majorTickMark val="none"/>
+        <c:minorTickMark val="none"/>
+        <c:tickLblPos val="nextTo"/>
+        <c:spPr>
+          <a:noFill/>
+          <a:ln>
+            <a:noFill/>
+          </a:ln>
+          <a:effectLst/>
+        </c:spPr>
+        <c:txPr>
+          <a:bodyPr rot="-60000000" spcFirstLastPara="1" vertOverflow="ellipsis" vert="horz" wrap="square" anchor="ctr" anchorCtr="1"/>
+          <a:lstStyle/>
+          <a:p>
+            <a:pPr>
+              <a:defRPr sz="900" b="0" i="0" u="none" strike="noStrike" kern="1200" baseline="0">
+                <a:solidFill>
+                  <a:schemeClr val="dk1"/>
+                </a:solidFill>
+                <a:latin typeface="+mn-lt"/>
+                <a:ea typeface="+mn-ea"/>
+                <a:cs typeface="+mn-cs"/>
+              </a:defRPr>
+            </a:pPr>
+            <a:endParaRPr lang="es-CO"/>
+          </a:p>
+        </c:txPr>
+        <c:crossAx val="1268382047"/>
+        <c:crosses val="autoZero"/>
+        <c:crossBetween val="between"/>
+      </c:valAx>
+      <c:spPr>
+        <a:noFill/>
+        <a:ln>
+          <a:noFill/>
+        </a:ln>
+        <a:effectLst/>
+      </c:spPr>
+    </c:plotArea>
+    <c:legend>
+      <c:legendPos val="b"/>
+      <c:overlay val="0"/>
+      <c:spPr>
+        <a:noFill/>
+        <a:ln>
+          <a:noFill/>
+        </a:ln>
+        <a:effectLst/>
+      </c:spPr>
+      <c:txPr>
+        <a:bodyPr rot="0" spcFirstLastPara="1" vertOverflow="ellipsis" vert="horz" wrap="square" anchor="ctr" anchorCtr="1"/>
+        <a:lstStyle/>
+        <a:p>
+          <a:pPr>
+            <a:defRPr sz="900" b="0" i="0" u="none" strike="noStrike" kern="1200" baseline="0">
+              <a:solidFill>
+                <a:schemeClr val="dk1"/>
+              </a:solidFill>
+              <a:latin typeface="+mn-lt"/>
+              <a:ea typeface="+mn-ea"/>
+              <a:cs typeface="+mn-cs"/>
+            </a:defRPr>
+          </a:pPr>
+          <a:endParaRPr lang="es-CO"/>
+        </a:p>
+      </c:txPr>
+    </c:legend>
+    <c:plotVisOnly val="1"/>
+    <c:dispBlanksAs val="gap"/>
+    <c:extLst>
+      <c:ext xmlns:c16r3="http://schemas.microsoft.com/office/drawing/2017/03/chart" uri="{56B9EC1D-385E-4148-901F-78D8002777C0}">
+        <c16r3:dataDisplayOptions16>
+          <c16r3:dispNaAsBlank val="1"/>
+        </c16r3:dataDisplayOptions16>
+      </c:ext>
+    </c:extLst>
+    <c:showDLblsOverMax val="0"/>
+  </c:chart>
+  <c:spPr>
+    <a:solidFill>
+      <a:schemeClr val="lt1"/>
+    </a:solidFill>
+    <a:ln w="12700" cap="flat" cmpd="sng" algn="ctr">
+      <a:solidFill>
+        <a:schemeClr val="dk1"/>
+      </a:solidFill>
+      <a:prstDash val="solid"/>
+      <a:miter lim="800000"/>
+    </a:ln>
+    <a:effectLst/>
+  </c:spPr>
+  <c:txPr>
+    <a:bodyPr/>
+    <a:lstStyle/>
+    <a:p>
+      <a:pPr>
+        <a:defRPr>
+          <a:solidFill>
+            <a:schemeClr val="dk1"/>
+          </a:solidFill>
+          <a:latin typeface="+mn-lt"/>
+          <a:ea typeface="+mn-ea"/>
+          <a:cs typeface="+mn-cs"/>
+        </a:defRPr>
+      </a:pPr>
+      <a:endParaRPr lang="es-CO"/>
+    </a:p>
+  </c:txPr>
+  <c:externalData r:id="rId3">
+    <c:autoUpdate val="0"/>
+  </c:externalData>
+</c:chartSpace>
+</file>
+
+<file path=ppt/charts/chart6.xml><?xml version="1.0" encoding="utf-8"?>
+<c:chartSpace xmlns:c="http://schemas.openxmlformats.org/drawingml/2006/chart" xmlns:a="http://schemas.openxmlformats.org/drawingml/2006/main" xmlns:r="http://schemas.openxmlformats.org/officeDocument/2006/relationships" xmlns:c16r2="http://schemas.microsoft.com/office/drawing/2015/06/chart">
+  <c:date1904 val="0"/>
+  <c:lang val="es-ES"/>
+  <c:roundedCorners val="0"/>
+  <mc:AlternateContent xmlns:mc="http://schemas.openxmlformats.org/markup-compatibility/2006">
+    <mc:Choice xmlns:c14="http://schemas.microsoft.com/office/drawing/2007/8/2/chart" Requires="c14">
+      <c14:style val="102"/>
+    </mc:Choice>
+    <mc:Fallback>
+      <c:style val="2"/>
+    </mc:Fallback>
+  </mc:AlternateContent>
+  <c:chart>
+    <c:title>
+      <c:overlay val="0"/>
+      <c:spPr>
+        <a:noFill/>
+        <a:ln>
+          <a:noFill/>
+        </a:ln>
+        <a:effectLst/>
+      </c:spPr>
+      <c:txPr>
+        <a:bodyPr rot="0" spcFirstLastPara="1" vertOverflow="ellipsis" vert="horz" wrap="square" anchor="ctr" anchorCtr="1"/>
+        <a:lstStyle/>
+        <a:p>
+          <a:pPr>
+            <a:defRPr sz="1400" b="0" i="0" u="none" strike="noStrike" kern="1200" spc="0" baseline="0">
+              <a:solidFill>
+                <a:schemeClr val="dk1"/>
+              </a:solidFill>
+              <a:latin typeface="+mn-lt"/>
+              <a:ea typeface="+mn-ea"/>
+              <a:cs typeface="+mn-cs"/>
+            </a:defRPr>
+          </a:pPr>
+          <a:endParaRPr lang="es-CO"/>
+        </a:p>
+      </c:txPr>
+    </c:title>
+    <c:autoTitleDeleted val="0"/>
+    <c:plotArea>
+      <c:layout/>
+      <c:lineChart>
+        <c:grouping val="standard"/>
+        <c:varyColors val="0"/>
+        <c:ser>
+          <c:idx val="0"/>
+          <c:order val="0"/>
+          <c:tx>
+            <c:strRef>
+              <c:f>Hoja1!$B$1</c:f>
+              <c:strCache>
+                <c:ptCount val="1"/>
+                <c:pt idx="0">
+                  <c:v>Tiempo de Ejecución</c:v>
+                </c:pt>
+              </c:strCache>
+            </c:strRef>
+          </c:tx>
+          <c:spPr>
+            <a:ln w="28575" cap="rnd">
+              <a:solidFill>
+                <a:schemeClr val="accent6"/>
+              </a:solidFill>
+              <a:round/>
+            </a:ln>
+            <a:effectLst/>
+          </c:spPr>
+          <c:marker>
+            <c:symbol val="circle"/>
+            <c:size val="5"/>
+            <c:spPr>
+              <a:solidFill>
+                <a:schemeClr val="accent6"/>
+              </a:solidFill>
+              <a:ln w="9525">
+                <a:solidFill>
+                  <a:schemeClr val="accent6"/>
+                </a:solidFill>
+              </a:ln>
+              <a:effectLst/>
+            </c:spPr>
+          </c:marker>
+          <c:cat>
+            <c:numRef>
+              <c:f>Hoja1!$A$2:$A$3</c:f>
+              <c:numCache>
+                <c:formatCode>General</c:formatCode>
+                <c:ptCount val="2"/>
+                <c:pt idx="0">
+                  <c:v>1000</c:v>
+                </c:pt>
+                <c:pt idx="1">
+                  <c:v>10000</c:v>
+                </c:pt>
+              </c:numCache>
+            </c:numRef>
+          </c:cat>
+          <c:val>
+            <c:numRef>
+              <c:f>Hoja1!$B$2:$B$3</c:f>
+              <c:numCache>
+                <c:formatCode>General</c:formatCode>
+                <c:ptCount val="2"/>
+                <c:pt idx="0">
+                  <c:v>61</c:v>
+                </c:pt>
+                <c:pt idx="1">
+                  <c:v>237274</c:v>
+                </c:pt>
+              </c:numCache>
+            </c:numRef>
+          </c:val>
+          <c:smooth val="0"/>
+          <c:extLst>
+            <c:ext xmlns:c16="http://schemas.microsoft.com/office/drawing/2014/chart" uri="{C3380CC4-5D6E-409C-BE32-E72D297353CC}">
+              <c16:uniqueId val="{00000000-3D61-4165-B384-20D2A22B6B9F}"/>
+            </c:ext>
+          </c:extLst>
+        </c:ser>
+        <c:dLbls>
+          <c:showLegendKey val="0"/>
+          <c:showVal val="0"/>
+          <c:showCatName val="0"/>
+          <c:showSerName val="0"/>
+          <c:showPercent val="0"/>
+          <c:showBubbleSize val="0"/>
+        </c:dLbls>
+        <c:marker val="1"/>
+        <c:smooth val="0"/>
+        <c:axId val="1268382047"/>
+        <c:axId val="1268383295"/>
+      </c:lineChart>
+      <c:catAx>
+        <c:axId val="1268382047"/>
+        <c:scaling>
+          <c:orientation val="minMax"/>
+        </c:scaling>
+        <c:delete val="0"/>
+        <c:axPos val="b"/>
+        <c:numFmt formatCode="General" sourceLinked="1"/>
+        <c:majorTickMark val="none"/>
+        <c:minorTickMark val="none"/>
+        <c:tickLblPos val="nextTo"/>
+        <c:spPr>
+          <a:noFill/>
+          <a:ln w="9525" cap="flat" cmpd="sng" algn="ctr">
+            <a:solidFill>
+              <a:schemeClr val="tx1">
+                <a:lumMod val="15000"/>
+                <a:lumOff val="85000"/>
+              </a:schemeClr>
+            </a:solidFill>
+            <a:round/>
+          </a:ln>
+          <a:effectLst/>
+        </c:spPr>
+        <c:txPr>
+          <a:bodyPr rot="-60000000" spcFirstLastPara="1" vertOverflow="ellipsis" vert="horz" wrap="square" anchor="ctr" anchorCtr="1"/>
+          <a:lstStyle/>
+          <a:p>
+            <a:pPr>
+              <a:defRPr sz="900" b="0" i="0" u="none" strike="noStrike" kern="1200" baseline="0">
+                <a:solidFill>
+                  <a:schemeClr val="dk1"/>
+                </a:solidFill>
+                <a:latin typeface="+mn-lt"/>
+                <a:ea typeface="+mn-ea"/>
+                <a:cs typeface="+mn-cs"/>
+              </a:defRPr>
+            </a:pPr>
+            <a:endParaRPr lang="es-CO"/>
+          </a:p>
+        </c:txPr>
+        <c:crossAx val="1268383295"/>
+        <c:crosses val="autoZero"/>
+        <c:auto val="1"/>
+        <c:lblAlgn val="ctr"/>
+        <c:lblOffset val="100"/>
+        <c:noMultiLvlLbl val="0"/>
+      </c:catAx>
+      <c:valAx>
+        <c:axId val="1268383295"/>
+        <c:scaling>
+          <c:orientation val="minMax"/>
+        </c:scaling>
+        <c:delete val="0"/>
+        <c:axPos val="l"/>
+        <c:majorGridlines>
+          <c:spPr>
+            <a:ln w="9525" cap="flat" cmpd="sng" algn="ctr">
+              <a:solidFill>
+                <a:schemeClr val="tx1">
+                  <a:lumMod val="15000"/>
+                  <a:lumOff val="85000"/>
+                </a:schemeClr>
+              </a:solidFill>
+              <a:round/>
+            </a:ln>
+            <a:effectLst/>
+          </c:spPr>
+        </c:majorGridlines>
+        <c:numFmt formatCode="General" sourceLinked="1"/>
+        <c:majorTickMark val="none"/>
+        <c:minorTickMark val="none"/>
+        <c:tickLblPos val="nextTo"/>
+        <c:spPr>
+          <a:noFill/>
+          <a:ln>
+            <a:noFill/>
+          </a:ln>
+          <a:effectLst/>
+        </c:spPr>
+        <c:txPr>
+          <a:bodyPr rot="-60000000" spcFirstLastPara="1" vertOverflow="ellipsis" vert="horz" wrap="square" anchor="ctr" anchorCtr="1"/>
+          <a:lstStyle/>
+          <a:p>
+            <a:pPr>
+              <a:defRPr sz="900" b="0" i="0" u="none" strike="noStrike" kern="1200" baseline="0">
+                <a:solidFill>
+                  <a:schemeClr val="dk1"/>
+                </a:solidFill>
+                <a:latin typeface="+mn-lt"/>
+                <a:ea typeface="+mn-ea"/>
+                <a:cs typeface="+mn-cs"/>
+              </a:defRPr>
+            </a:pPr>
+            <a:endParaRPr lang="es-CO"/>
+          </a:p>
+        </c:txPr>
+        <c:crossAx val="1268382047"/>
+        <c:crosses val="autoZero"/>
+        <c:crossBetween val="between"/>
+      </c:valAx>
+      <c:spPr>
+        <a:noFill/>
+        <a:ln>
+          <a:noFill/>
+        </a:ln>
+        <a:effectLst/>
+      </c:spPr>
+    </c:plotArea>
+    <c:legend>
+      <c:legendPos val="b"/>
+      <c:overlay val="0"/>
+      <c:spPr>
+        <a:noFill/>
+        <a:ln>
+          <a:noFill/>
+        </a:ln>
+        <a:effectLst/>
+      </c:spPr>
+      <c:txPr>
+        <a:bodyPr rot="0" spcFirstLastPara="1" vertOverflow="ellipsis" vert="horz" wrap="square" anchor="ctr" anchorCtr="1"/>
+        <a:lstStyle/>
+        <a:p>
+          <a:pPr>
+            <a:defRPr sz="900" b="0" i="0" u="none" strike="noStrike" kern="1200" baseline="0">
+              <a:solidFill>
+                <a:schemeClr val="dk1"/>
+              </a:solidFill>
+              <a:latin typeface="+mn-lt"/>
+              <a:ea typeface="+mn-ea"/>
+              <a:cs typeface="+mn-cs"/>
+            </a:defRPr>
+          </a:pPr>
+          <a:endParaRPr lang="es-CO"/>
+        </a:p>
+      </c:txPr>
+    </c:legend>
+    <c:plotVisOnly val="1"/>
+    <c:dispBlanksAs val="gap"/>
+    <c:extLst>
+      <c:ext xmlns:c16r3="http://schemas.microsoft.com/office/drawing/2017/03/chart" uri="{56B9EC1D-385E-4148-901F-78D8002777C0}">
+        <c16r3:dataDisplayOptions16>
+          <c16r3:dispNaAsBlank val="1"/>
+        </c16r3:dataDisplayOptions16>
+      </c:ext>
+    </c:extLst>
+    <c:showDLblsOverMax val="0"/>
+  </c:chart>
+  <c:spPr>
+    <a:solidFill>
+      <a:schemeClr val="lt1"/>
+    </a:solidFill>
+    <a:ln w="25400" cap="flat" cmpd="sng" algn="ctr">
+      <a:solidFill>
+        <a:schemeClr val="dk1"/>
+      </a:solidFill>
+      <a:prstDash val="solid"/>
+    </a:ln>
+    <a:effectLst/>
+  </c:spPr>
+  <c:txPr>
+    <a:bodyPr/>
+    <a:lstStyle/>
+    <a:p>
+      <a:pPr>
+        <a:defRPr>
+          <a:solidFill>
+            <a:schemeClr val="dk1"/>
+          </a:solidFill>
+          <a:latin typeface="+mn-lt"/>
+          <a:ea typeface="+mn-ea"/>
+          <a:cs typeface="+mn-cs"/>
+        </a:defRPr>
+      </a:pPr>
+      <a:endParaRPr lang="es-CO"/>
+    </a:p>
+  </c:txPr>
+  <c:externalData r:id="rId3">
+    <c:autoUpdate val="0"/>
+  </c:externalData>
+</c:chartSpace>
+</file>
+
+<file path=ppt/charts/colors1.xml><?xml version="1.0" encoding="utf-8"?>
+<cs:colorStyle xmlns:cs="http://schemas.microsoft.com/office/drawing/2012/chartStyle" xmlns:a="http://schemas.openxmlformats.org/drawingml/2006/main" meth="cycle" id="10">
+  <a:schemeClr val="accent1"/>
+  <a:schemeClr val="accent2"/>
+  <a:schemeClr val="accent3"/>
+  <a:schemeClr val="accent4"/>
+  <a:schemeClr val="accent5"/>
+  <a:schemeClr val="accent6"/>
+  <cs:variation/>
+  <cs:variation>
+    <a:lumMod val="60000"/>
+  </cs:variation>
+  <cs:variation>
+    <a:lumMod val="80000"/>
+    <a:lumOff val="20000"/>
+  </cs:variation>
+  <cs:variation>
+    <a:lumMod val="80000"/>
+  </cs:variation>
+  <cs:variation>
+    <a:lumMod val="60000"/>
+    <a:lumOff val="40000"/>
+  </cs:variation>
+  <cs:variation>
+    <a:lumMod val="50000"/>
+  </cs:variation>
+  <cs:variation>
+    <a:lumMod val="70000"/>
+    <a:lumOff val="30000"/>
+  </cs:variation>
+  <cs:variation>
+    <a:lumMod val="70000"/>
+  </cs:variation>
+  <cs:variation>
+    <a:lumMod val="50000"/>
+    <a:lumOff val="50000"/>
+  </cs:variation>
+</cs:colorStyle>
+</file>
+
+<file path=ppt/charts/colors2.xml><?xml version="1.0" encoding="utf-8"?>
+<cs:colorStyle xmlns:cs="http://schemas.microsoft.com/office/drawing/2012/chartStyle" xmlns:a="http://schemas.openxmlformats.org/drawingml/2006/main" meth="cycle" id="10">
+  <a:schemeClr val="accent1"/>
+  <a:schemeClr val="accent2"/>
+  <a:schemeClr val="accent3"/>
+  <a:schemeClr val="accent4"/>
+  <a:schemeClr val="accent5"/>
+  <a:schemeClr val="accent6"/>
+  <cs:variation/>
+  <cs:variation>
+    <a:lumMod val="60000"/>
+  </cs:variation>
+  <cs:variation>
+    <a:lumMod val="80000"/>
+    <a:lumOff val="20000"/>
+  </cs:variation>
+  <cs:variation>
+    <a:lumMod val="80000"/>
+  </cs:variation>
+  <cs:variation>
+    <a:lumMod val="60000"/>
+    <a:lumOff val="40000"/>
+  </cs:variation>
+  <cs:variation>
+    <a:lumMod val="50000"/>
+  </cs:variation>
+  <cs:variation>
+    <a:lumMod val="70000"/>
+    <a:lumOff val="30000"/>
+  </cs:variation>
+  <cs:variation>
+    <a:lumMod val="70000"/>
+  </cs:variation>
+  <cs:variation>
+    <a:lumMod val="50000"/>
+    <a:lumOff val="50000"/>
+  </cs:variation>
+</cs:colorStyle>
+</file>
+
+<file path=ppt/charts/colors3.xml><?xml version="1.0" encoding="utf-8"?>
+<cs:colorStyle xmlns:cs="http://schemas.microsoft.com/office/drawing/2012/chartStyle" xmlns:a="http://schemas.openxmlformats.org/drawingml/2006/main" meth="cycle" id="12">
+  <a:schemeClr val="accent2"/>
+  <a:schemeClr val="accent4"/>
+  <a:schemeClr val="accent6"/>
+  <cs:variation/>
+  <cs:variation>
+    <a:lumMod val="60000"/>
+  </cs:variation>
+  <cs:variation>
+    <a:lumMod val="80000"/>
+    <a:lumOff val="20000"/>
+  </cs:variation>
+  <cs:variation>
+    <a:lumMod val="80000"/>
+  </cs:variation>
+  <cs:variation>
+    <a:lumMod val="60000"/>
+    <a:lumOff val="40000"/>
+  </cs:variation>
+  <cs:variation>
+    <a:lumMod val="50000"/>
+  </cs:variation>
+  <cs:variation>
+    <a:lumMod val="70000"/>
+    <a:lumOff val="30000"/>
+  </cs:variation>
+  <cs:variation>
+    <a:lumMod val="70000"/>
+  </cs:variation>
+  <cs:variation>
+    <a:lumMod val="50000"/>
+    <a:lumOff val="50000"/>
+  </cs:variation>
+</cs:colorStyle>
+</file>
+
+<file path=ppt/charts/colors4.xml><?xml version="1.0" encoding="utf-8"?>
+<cs:colorStyle xmlns:cs="http://schemas.microsoft.com/office/drawing/2012/chartStyle" xmlns:a="http://schemas.openxmlformats.org/drawingml/2006/main" meth="cycle" id="12">
+  <a:schemeClr val="accent2"/>
+  <a:schemeClr val="accent4"/>
+  <a:schemeClr val="accent6"/>
+  <cs:variation/>
+  <cs:variation>
+    <a:lumMod val="60000"/>
+  </cs:variation>
+  <cs:variation>
+    <a:lumMod val="80000"/>
+    <a:lumOff val="20000"/>
+  </cs:variation>
+  <cs:variation>
+    <a:lumMod val="80000"/>
+  </cs:variation>
+  <cs:variation>
+    <a:lumMod val="60000"/>
+    <a:lumOff val="40000"/>
+  </cs:variation>
+  <cs:variation>
+    <a:lumMod val="50000"/>
+  </cs:variation>
+  <cs:variation>
+    <a:lumMod val="70000"/>
+    <a:lumOff val="30000"/>
+  </cs:variation>
+  <cs:variation>
+    <a:lumMod val="70000"/>
+  </cs:variation>
+  <cs:variation>
+    <a:lumMod val="50000"/>
+    <a:lumOff val="50000"/>
+  </cs:variation>
+</cs:colorStyle>
+</file>
+
+<file path=ppt/charts/colors5.xml><?xml version="1.0" encoding="utf-8"?>
+<cs:colorStyle xmlns:cs="http://schemas.microsoft.com/office/drawing/2012/chartStyle" xmlns:a="http://schemas.openxmlformats.org/drawingml/2006/main" meth="cycle" id="13">
+  <a:schemeClr val="accent6"/>
+  <a:schemeClr val="accent5"/>
+  <a:schemeClr val="accent4"/>
+  <cs:variation/>
+  <cs:variation>
+    <a:lumMod val="60000"/>
+  </cs:variation>
+  <cs:variation>
+    <a:lumMod val="80000"/>
+    <a:lumOff val="20000"/>
+  </cs:variation>
+  <cs:variation>
+    <a:lumMod val="80000"/>
+  </cs:variation>
+  <cs:variation>
+    <a:lumMod val="60000"/>
+    <a:lumOff val="40000"/>
+  </cs:variation>
+  <cs:variation>
+    <a:lumMod val="50000"/>
+  </cs:variation>
+  <cs:variation>
+    <a:lumMod val="70000"/>
+    <a:lumOff val="30000"/>
+  </cs:variation>
+  <cs:variation>
+    <a:lumMod val="70000"/>
+  </cs:variation>
+  <cs:variation>
+    <a:lumMod val="50000"/>
+    <a:lumOff val="50000"/>
+  </cs:variation>
+</cs:colorStyle>
+</file>
+
+<file path=ppt/charts/colors6.xml><?xml version="1.0" encoding="utf-8"?>
+<cs:colorStyle xmlns:cs="http://schemas.microsoft.com/office/drawing/2012/chartStyle" xmlns:a="http://schemas.openxmlformats.org/drawingml/2006/main" meth="cycle" id="13">
+  <a:schemeClr val="accent6"/>
+  <a:schemeClr val="accent5"/>
+  <a:schemeClr val="accent4"/>
+  <cs:variation/>
+  <cs:variation>
+    <a:lumMod val="60000"/>
+  </cs:variation>
+  <cs:variation>
+    <a:lumMod val="80000"/>
+    <a:lumOff val="20000"/>
+  </cs:variation>
+  <cs:variation>
+    <a:lumMod val="80000"/>
+  </cs:variation>
+  <cs:variation>
+    <a:lumMod val="60000"/>
+    <a:lumOff val="40000"/>
+  </cs:variation>
+  <cs:variation>
+    <a:lumMod val="50000"/>
+  </cs:variation>
+  <cs:variation>
+    <a:lumMod val="70000"/>
+    <a:lumOff val="30000"/>
+  </cs:variation>
+  <cs:variation>
+    <a:lumMod val="70000"/>
+  </cs:variation>
+  <cs:variation>
+    <a:lumMod val="50000"/>
+    <a:lumOff val="50000"/>
+  </cs:variation>
+</cs:colorStyle>
+</file>
+
+<file path=ppt/charts/style1.xml><?xml version="1.0" encoding="utf-8"?>
+<cs:chartStyle xmlns:cs="http://schemas.microsoft.com/office/drawing/2012/chartStyle" xmlns:a="http://schemas.openxmlformats.org/drawingml/2006/main" id="332">
+  <cs:axisTitle>
+    <cs:lnRef idx="0"/>
+    <cs:fillRef idx="0"/>
+    <cs:effectRef idx="0"/>
+    <cs:fontRef idx="minor">
+      <a:schemeClr val="tx1">
+        <a:lumMod val="65000"/>
+        <a:lumOff val="35000"/>
+      </a:schemeClr>
+    </cs:fontRef>
+    <cs:defRPr sz="1000" kern="1200"/>
+  </cs:axisTitle>
+  <cs:categoryAxis>
+    <cs:lnRef idx="0"/>
+    <cs:fillRef idx="0"/>
+    <cs:effectRef idx="0"/>
+    <cs:fontRef idx="minor">
+      <a:schemeClr val="tx1">
+        <a:lumMod val="65000"/>
+        <a:lumOff val="35000"/>
+      </a:schemeClr>
+    </cs:fontRef>
+    <cs:spPr>
+      <a:ln w="9525" cap="flat" cmpd="sng" algn="ctr">
+        <a:solidFill>
+          <a:schemeClr val="tx1">
+            <a:lumMod val="15000"/>
+            <a:lumOff val="85000"/>
+          </a:schemeClr>
+        </a:solidFill>
+        <a:round/>
+      </a:ln>
+    </cs:spPr>
+    <cs:defRPr sz="900" kern="1200"/>
+  </cs:categoryAxis>
+  <cs:chartArea mods="allowNoFillOverride allowNoLineOverride">
+    <cs:lnRef idx="0"/>
+    <cs:fillRef idx="0"/>
+    <cs:effectRef idx="0"/>
+    <cs:fontRef idx="minor">
+      <a:schemeClr val="tx1"/>
+    </cs:fontRef>
+    <cs:spPr>
+      <a:solidFill>
+        <a:schemeClr val="bg1"/>
+      </a:solidFill>
+      <a:ln w="9525" cap="flat" cmpd="sng" algn="ctr">
+        <a:solidFill>
+          <a:schemeClr val="tx1">
+            <a:lumMod val="15000"/>
+            <a:lumOff val="85000"/>
+          </a:schemeClr>
+        </a:solidFill>
+        <a:round/>
+      </a:ln>
+    </cs:spPr>
+    <cs:defRPr sz="1000" kern="1200"/>
+  </cs:chartArea>
+  <cs:dataLabel>
+    <cs:lnRef idx="0"/>
+    <cs:fillRef idx="0"/>
+    <cs:effectRef idx="0"/>
+    <cs:fontRef idx="minor">
+      <a:schemeClr val="tx1">
+        <a:lumMod val="75000"/>
+        <a:lumOff val="25000"/>
+      </a:schemeClr>
+    </cs:fontRef>
+    <cs:defRPr sz="900" kern="1200"/>
+  </cs:dataLabel>
+  <cs:dataLabelCallout>
+    <cs:lnRef idx="0"/>
+    <cs:fillRef idx="0"/>
+    <cs:effectRef idx="0"/>
+    <cs:fontRef idx="minor">
+      <a:schemeClr val="dk1">
+        <a:lumMod val="65000"/>
+        <a:lumOff val="35000"/>
+      </a:schemeClr>
+    </cs:fontRef>
+    <cs:spPr>
+      <a:solidFill>
+        <a:schemeClr val="lt1"/>
+      </a:solidFill>
+      <a:ln>
+        <a:solidFill>
+          <a:schemeClr val="dk1">
+            <a:lumMod val="25000"/>
+            <a:lumOff val="75000"/>
+          </a:schemeClr>
+        </a:solidFill>
+      </a:ln>
+    </cs:spPr>
+    <cs:defRPr sz="900" kern="1200"/>
+    <cs:bodyPr rot="0" spcFirstLastPara="1" vertOverflow="clip" horzOverflow="clip" vert="horz" wrap="square" lIns="36576" tIns="18288" rIns="36576" bIns="18288" anchor="ctr" anchorCtr="1">
+      <a:spAutoFit/>
+    </cs:bodyPr>
+  </cs:dataLabelCallout>
+  <cs:dataPoint>
+    <cs:lnRef idx="0"/>
+    <cs:fillRef idx="1">
+      <cs:styleClr val="auto"/>
+    </cs:fillRef>
+    <cs:effectRef idx="0"/>
+    <cs:fontRef idx="minor">
+      <a:schemeClr val="tx1"/>
+    </cs:fontRef>
+  </cs:dataPoint>
+  <cs:dataPoint3D>
+    <cs:lnRef idx="0"/>
+    <cs:fillRef idx="1">
+      <cs:styleClr val="auto"/>
+    </cs:fillRef>
+    <cs:effectRef idx="0"/>
+    <cs:fontRef idx="minor">
+      <a:schemeClr val="tx1"/>
+    </cs:fontRef>
+  </cs:dataPoint3D>
+  <cs:dataPointLine>
+    <cs:lnRef idx="0">
+      <cs:styleClr val="auto"/>
+    </cs:lnRef>
+    <cs:fillRef idx="1"/>
+    <cs:effectRef idx="0"/>
+    <cs:fontRef idx="minor">
+      <a:schemeClr val="tx1"/>
+    </cs:fontRef>
+    <cs:spPr>
+      <a:ln w="28575" cap="rnd">
+        <a:solidFill>
+          <a:schemeClr val="phClr"/>
+        </a:solidFill>
+        <a:round/>
+      </a:ln>
+    </cs:spPr>
+  </cs:dataPointLine>
+  <cs:dataPointMarker>
+    <cs:lnRef idx="0">
+      <cs:styleClr val="auto"/>
+    </cs:lnRef>
+    <cs:fillRef idx="1">
+      <cs:styleClr val="auto"/>
+    </cs:fillRef>
+    <cs:effectRef idx="0"/>
+    <cs:fontRef idx="minor">
+      <a:schemeClr val="tx1"/>
+    </cs:fontRef>
+    <cs:spPr>
+      <a:ln w="9525">
+        <a:solidFill>
+          <a:schemeClr val="phClr"/>
+        </a:solidFill>
+      </a:ln>
+    </cs:spPr>
+  </cs:dataPointMarker>
+  <cs:dataPointMarkerLayout symbol="circle" size="5"/>
+  <cs:dataPointWireframe>
+    <cs:lnRef idx="0">
+      <cs:styleClr val="auto"/>
+    </cs:lnRef>
+    <cs:fillRef idx="1"/>
+    <cs:effectRef idx="0"/>
+    <cs:fontRef idx="minor">
+      <a:schemeClr val="tx1"/>
+    </cs:fontRef>
+    <cs:spPr>
+      <a:ln w="9525" cap="rnd">
+        <a:solidFill>
+          <a:schemeClr val="phClr"/>
+        </a:solidFill>
+        <a:round/>
+      </a:ln>
+    </cs:spPr>
+  </cs:dataPointWireframe>
+  <cs:dataTable>
+    <cs:lnRef idx="0"/>
+    <cs:fillRef idx="0"/>
+    <cs:effectRef idx="0"/>
+    <cs:fontRef idx="minor">
+      <a:schemeClr val="tx1">
+        <a:lumMod val="65000"/>
+        <a:lumOff val="35000"/>
+      </a:schemeClr>
+    </cs:fontRef>
+    <cs:spPr>
+      <a:noFill/>
+      <a:ln w="9525" cap="flat" cmpd="sng" algn="ctr">
+        <a:solidFill>
+          <a:schemeClr val="tx1">
+            <a:lumMod val="15000"/>
+            <a:lumOff val="85000"/>
+          </a:schemeClr>
+        </a:solidFill>
+        <a:round/>
+      </a:ln>
+    </cs:spPr>
+    <cs:defRPr sz="900" kern="1200"/>
+  </cs:dataTable>
+  <cs:downBar>
+    <cs:lnRef idx="0"/>
+    <cs:fillRef idx="0"/>
+    <cs:effectRef idx="0"/>
+    <cs:fontRef idx="minor">
+      <a:schemeClr val="dk1"/>
+    </cs:fontRef>
+    <cs:spPr>
+      <a:solidFill>
+        <a:schemeClr val="dk1">
+          <a:lumMod val="65000"/>
+          <a:lumOff val="35000"/>
+        </a:schemeClr>
+      </a:solidFill>
+      <a:ln w="9525">
+        <a:solidFill>
+          <a:schemeClr val="tx1">
+            <a:lumMod val="65000"/>
+            <a:lumOff val="35000"/>
+          </a:schemeClr>
+        </a:solidFill>
+      </a:ln>
+    </cs:spPr>
+  </cs:downBar>
+  <cs:dropLine>
+    <cs:lnRef idx="0"/>
+    <cs:fillRef idx="0"/>
+    <cs:effectRef idx="0"/>
+    <cs:fontRef idx="minor">
+      <a:schemeClr val="tx1"/>
+    </cs:fontRef>
+    <cs:spPr>
+      <a:ln w="9525" cap="flat" cmpd="sng" algn="ctr">
+        <a:solidFill>
+          <a:schemeClr val="tx1">
+            <a:lumMod val="35000"/>
+            <a:lumOff val="65000"/>
+          </a:schemeClr>
+        </a:solidFill>
+        <a:round/>
+      </a:ln>
+    </cs:spPr>
+  </cs:dropLine>
+  <cs:errorBar>
+    <cs:lnRef idx="0"/>
+    <cs:fillRef idx="0"/>
+    <cs:effectRef idx="0"/>
+    <cs:fontRef idx="minor">
+      <a:schemeClr val="tx1"/>
+    </cs:fontRef>
+    <cs:spPr>
+      <a:ln w="9525" cap="flat" cmpd="sng" algn="ctr">
+        <a:solidFill>
+          <a:schemeClr val="tx1">
+            <a:lumMod val="65000"/>
+            <a:lumOff val="35000"/>
+          </a:schemeClr>
+        </a:solidFill>
+        <a:round/>
+      </a:ln>
+    </cs:spPr>
+  </cs:errorBar>
+  <cs:floor>
+    <cs:lnRef idx="0"/>
+    <cs:fillRef idx="0"/>
+    <cs:effectRef idx="0"/>
+    <cs:fontRef idx="minor">
+      <a:schemeClr val="tx1"/>
+    </cs:fontRef>
+    <cs:spPr>
+      <a:noFill/>
+      <a:ln>
+        <a:noFill/>
+      </a:ln>
+    </cs:spPr>
+  </cs:floor>
+  <cs:gridlineMajor>
+    <cs:lnRef idx="0"/>
+    <cs:fillRef idx="0"/>
+    <cs:effectRef idx="0"/>
+    <cs:fontRef idx="minor">
+      <a:schemeClr val="tx1"/>
+    </cs:fontRef>
+    <cs:spPr>
+      <a:ln w="9525" cap="flat" cmpd="sng" algn="ctr">
+        <a:solidFill>
+          <a:schemeClr val="tx1">
+            <a:lumMod val="15000"/>
+            <a:lumOff val="85000"/>
+          </a:schemeClr>
+        </a:solidFill>
+        <a:round/>
+      </a:ln>
+    </cs:spPr>
+  </cs:gridlineMajor>
+  <cs:gridlineMinor>
+    <cs:lnRef idx="0"/>
+    <cs:fillRef idx="0"/>
+    <cs:effectRef idx="0"/>
+    <cs:fontRef idx="minor">
+      <a:schemeClr val="tx1"/>
+    </cs:fontRef>
+    <cs:spPr>
+      <a:ln w="9525" cap="flat" cmpd="sng" algn="ctr">
+        <a:solidFill>
+          <a:schemeClr val="tx1">
+            <a:lumMod val="5000"/>
+            <a:lumOff val="95000"/>
+          </a:schemeClr>
+        </a:solidFill>
+        <a:round/>
+      </a:ln>
+    </cs:spPr>
+  </cs:gridlineMinor>
+  <cs:hiLoLine>
+    <cs:lnRef idx="0"/>
+    <cs:fillRef idx="0"/>
+    <cs:effectRef idx="0"/>
+    <cs:fontRef idx="minor">
+      <a:schemeClr val="tx1"/>
+    </cs:fontRef>
+    <cs:spPr>
+      <a:ln w="9525" cap="flat" cmpd="sng" algn="ctr">
+        <a:solidFill>
+          <a:schemeClr val="tx1">
+            <a:lumMod val="75000"/>
+            <a:lumOff val="25000"/>
+          </a:schemeClr>
+        </a:solidFill>
+        <a:round/>
+      </a:ln>
+    </cs:spPr>
+  </cs:hiLoLine>
+  <cs:leaderLine>
+    <cs:lnRef idx="0"/>
+    <cs:fillRef idx="0"/>
+    <cs:effectRef idx="0"/>
+    <cs:fontRef idx="minor">
+      <a:schemeClr val="tx1"/>
+    </cs:fontRef>
+    <cs:spPr>
+      <a:ln w="9525" cap="flat" cmpd="sng" algn="ctr">
+        <a:solidFill>
+          <a:schemeClr val="tx1">
+            <a:lumMod val="35000"/>
+            <a:lumOff val="65000"/>
+          </a:schemeClr>
+        </a:solidFill>
+        <a:round/>
+      </a:ln>
+    </cs:spPr>
+  </cs:leaderLine>
+  <cs:legend>
+    <cs:lnRef idx="0"/>
+    <cs:fillRef idx="0"/>
+    <cs:effectRef idx="0"/>
+    <cs:fontRef idx="minor">
+      <a:schemeClr val="tx1">
+        <a:lumMod val="65000"/>
+        <a:lumOff val="35000"/>
+      </a:schemeClr>
+    </cs:fontRef>
+    <cs:defRPr sz="900" kern="1200"/>
+  </cs:legend>
+  <cs:plotArea mods="allowNoFillOverride allowNoLineOverride">
+    <cs:lnRef idx="0"/>
+    <cs:fillRef idx="0"/>
+    <cs:effectRef idx="0"/>
+    <cs:fontRef idx="minor">
+      <a:schemeClr val="tx1"/>
+    </cs:fontRef>
+  </cs:plotArea>
+  <cs:plotArea3D mods="allowNoFillOverride allowNoLineOverride">
+    <cs:lnRef idx="0"/>
+    <cs:fillRef idx="0"/>
+    <cs:effectRef idx="0"/>
+    <cs:fontRef idx="minor">
+      <a:schemeClr val="tx1"/>
+    </cs:fontRef>
+  </cs:plotArea3D>
+  <cs:seriesAxis>
+    <cs:lnRef idx="0"/>
+    <cs:fillRef idx="0"/>
+    <cs:effectRef idx="0"/>
+    <cs:fontRef idx="minor">
+      <a:schemeClr val="tx1">
+        <a:lumMod val="65000"/>
+        <a:lumOff val="35000"/>
+      </a:schemeClr>
+    </cs:fontRef>
+    <cs:defRPr sz="900" kern="1200"/>
+  </cs:seriesAxis>
+  <cs:seriesLine>
+    <cs:lnRef idx="0"/>
+    <cs:fillRef idx="0"/>
+    <cs:effectRef idx="0"/>
+    <cs:fontRef idx="minor">
+      <a:schemeClr val="tx1"/>
+    </cs:fontRef>
+    <cs:spPr>
+      <a:ln w="9525" cap="flat" cmpd="sng" algn="ctr">
+        <a:solidFill>
+          <a:schemeClr val="tx1">
+            <a:lumMod val="35000"/>
+            <a:lumOff val="65000"/>
+          </a:schemeClr>
+        </a:solidFill>
+        <a:round/>
+      </a:ln>
+    </cs:spPr>
+  </cs:seriesLine>
+  <cs:title>
+    <cs:lnRef idx="0"/>
+    <cs:fillRef idx="0"/>
+    <cs:effectRef idx="0"/>
+    <cs:fontRef idx="minor">
+      <a:schemeClr val="tx1">
+        <a:lumMod val="65000"/>
+        <a:lumOff val="35000"/>
+      </a:schemeClr>
+    </cs:fontRef>
+    <cs:defRPr sz="1400" b="0" kern="1200" spc="0" baseline="0"/>
+  </cs:title>
+  <cs:trendline>
+    <cs:lnRef idx="0">
+      <cs:styleClr val="auto"/>
+    </cs:lnRef>
+    <cs:fillRef idx="0"/>
+    <cs:effectRef idx="0"/>
+    <cs:fontRef idx="minor">
+      <a:schemeClr val="tx1"/>
+    </cs:fontRef>
+    <cs:spPr>
+      <a:ln w="19050" cap="rnd">
+        <a:solidFill>
+          <a:schemeClr val="phClr"/>
+        </a:solidFill>
+        <a:prstDash val="sysDot"/>
+      </a:ln>
+    </cs:spPr>
+  </cs:trendline>
+  <cs:trendlineLabel>
+    <cs:lnRef idx="0"/>
+    <cs:fillRef idx="0"/>
+    <cs:effectRef idx="0"/>
+    <cs:fontRef idx="minor">
+      <a:schemeClr val="tx1">
+        <a:lumMod val="65000"/>
+        <a:lumOff val="35000"/>
+      </a:schemeClr>
+    </cs:fontRef>
+    <cs:defRPr sz="900" kern="1200"/>
+  </cs:trendlineLabel>
+  <cs:upBar>
+    <cs:lnRef idx="0"/>
+    <cs:fillRef idx="0"/>
+    <cs:effectRef idx="0"/>
+    <cs:fontRef idx="minor">
+      <a:schemeClr val="dk1"/>
+    </cs:fontRef>
+    <cs:spPr>
+      <a:solidFill>
+        <a:schemeClr val="lt1"/>
+      </a:solidFill>
+      <a:ln w="9525">
+        <a:solidFill>
+          <a:schemeClr val="tx1">
+            <a:lumMod val="15000"/>
+            <a:lumOff val="85000"/>
+          </a:schemeClr>
+        </a:solidFill>
+      </a:ln>
+    </cs:spPr>
+  </cs:upBar>
+  <cs:valueAxis>
+    <cs:lnRef idx="0"/>
+    <cs:fillRef idx="0"/>
+    <cs:effectRef idx="0"/>
+    <cs:fontRef idx="minor">
+      <a:schemeClr val="tx1">
+        <a:lumMod val="65000"/>
+        <a:lumOff val="35000"/>
+      </a:schemeClr>
+    </cs:fontRef>
+    <cs:defRPr sz="900" kern="1200"/>
+  </cs:valueAxis>
+  <cs:wall>
+    <cs:lnRef idx="0"/>
+    <cs:fillRef idx="0"/>
+    <cs:effectRef idx="0"/>
+    <cs:fontRef idx="minor">
+      <a:schemeClr val="tx1"/>
+    </cs:fontRef>
+    <cs:spPr>
+      <a:noFill/>
+      <a:ln>
+        <a:noFill/>
+      </a:ln>
+    </cs:spPr>
+  </cs:wall>
+</cs:chartStyle>
+</file>
+
+<file path=ppt/charts/style2.xml><?xml version="1.0" encoding="utf-8"?>
+<cs:chartStyle xmlns:cs="http://schemas.microsoft.com/office/drawing/2012/chartStyle" xmlns:a="http://schemas.openxmlformats.org/drawingml/2006/main" id="332">
+  <cs:axisTitle>
+    <cs:lnRef idx="0"/>
+    <cs:fillRef idx="0"/>
+    <cs:effectRef idx="0"/>
+    <cs:fontRef idx="minor">
+      <a:schemeClr val="tx1">
+        <a:lumMod val="65000"/>
+        <a:lumOff val="35000"/>
+      </a:schemeClr>
+    </cs:fontRef>
+    <cs:defRPr sz="1000" kern="1200"/>
+  </cs:axisTitle>
+  <cs:categoryAxis>
+    <cs:lnRef idx="0"/>
+    <cs:fillRef idx="0"/>
+    <cs:effectRef idx="0"/>
+    <cs:fontRef idx="minor">
+      <a:schemeClr val="tx1">
+        <a:lumMod val="65000"/>
+        <a:lumOff val="35000"/>
+      </a:schemeClr>
+    </cs:fontRef>
+    <cs:spPr>
+      <a:ln w="9525" cap="flat" cmpd="sng" algn="ctr">
+        <a:solidFill>
+          <a:schemeClr val="tx1">
+            <a:lumMod val="15000"/>
+            <a:lumOff val="85000"/>
+          </a:schemeClr>
+        </a:solidFill>
+        <a:round/>
+      </a:ln>
+    </cs:spPr>
+    <cs:defRPr sz="900" kern="1200"/>
+  </cs:categoryAxis>
+  <cs:chartArea mods="allowNoFillOverride allowNoLineOverride">
+    <cs:lnRef idx="0"/>
+    <cs:fillRef idx="0"/>
+    <cs:effectRef idx="0"/>
+    <cs:fontRef idx="minor">
+      <a:schemeClr val="tx1"/>
+    </cs:fontRef>
+    <cs:spPr>
+      <a:solidFill>
+        <a:schemeClr val="bg1"/>
+      </a:solidFill>
+      <a:ln w="9525" cap="flat" cmpd="sng" algn="ctr">
+        <a:solidFill>
+          <a:schemeClr val="tx1">
+            <a:lumMod val="15000"/>
+            <a:lumOff val="85000"/>
+          </a:schemeClr>
+        </a:solidFill>
+        <a:round/>
+      </a:ln>
+    </cs:spPr>
+    <cs:defRPr sz="1000" kern="1200"/>
+  </cs:chartArea>
+  <cs:dataLabel>
+    <cs:lnRef idx="0"/>
+    <cs:fillRef idx="0"/>
+    <cs:effectRef idx="0"/>
+    <cs:fontRef idx="minor">
+      <a:schemeClr val="tx1">
+        <a:lumMod val="75000"/>
+        <a:lumOff val="25000"/>
+      </a:schemeClr>
+    </cs:fontRef>
+    <cs:defRPr sz="900" kern="1200"/>
+  </cs:dataLabel>
+  <cs:dataLabelCallout>
+    <cs:lnRef idx="0"/>
+    <cs:fillRef idx="0"/>
+    <cs:effectRef idx="0"/>
+    <cs:fontRef idx="minor">
+      <a:schemeClr val="dk1">
+        <a:lumMod val="65000"/>
+        <a:lumOff val="35000"/>
+      </a:schemeClr>
+    </cs:fontRef>
+    <cs:spPr>
+      <a:solidFill>
+        <a:schemeClr val="lt1"/>
+      </a:solidFill>
+      <a:ln>
+        <a:solidFill>
+          <a:schemeClr val="dk1">
+            <a:lumMod val="25000"/>
+            <a:lumOff val="75000"/>
+          </a:schemeClr>
+        </a:solidFill>
+      </a:ln>
+    </cs:spPr>
+    <cs:defRPr sz="900" kern="1200"/>
+    <cs:bodyPr rot="0" spcFirstLastPara="1" vertOverflow="clip" horzOverflow="clip" vert="horz" wrap="square" lIns="36576" tIns="18288" rIns="36576" bIns="18288" anchor="ctr" anchorCtr="1">
+      <a:spAutoFit/>
+    </cs:bodyPr>
+  </cs:dataLabelCallout>
+  <cs:dataPoint>
+    <cs:lnRef idx="0"/>
+    <cs:fillRef idx="1">
+      <cs:styleClr val="auto"/>
+    </cs:fillRef>
+    <cs:effectRef idx="0"/>
+    <cs:fontRef idx="minor">
+      <a:schemeClr val="tx1"/>
+    </cs:fontRef>
+  </cs:dataPoint>
+  <cs:dataPoint3D>
+    <cs:lnRef idx="0"/>
+    <cs:fillRef idx="1">
+      <cs:styleClr val="auto"/>
+    </cs:fillRef>
+    <cs:effectRef idx="0"/>
+    <cs:fontRef idx="minor">
+      <a:schemeClr val="tx1"/>
+    </cs:fontRef>
+  </cs:dataPoint3D>
+  <cs:dataPointLine>
+    <cs:lnRef idx="0">
+      <cs:styleClr val="auto"/>
+    </cs:lnRef>
+    <cs:fillRef idx="1"/>
+    <cs:effectRef idx="0"/>
+    <cs:fontRef idx="minor">
+      <a:schemeClr val="tx1"/>
+    </cs:fontRef>
+    <cs:spPr>
+      <a:ln w="28575" cap="rnd">
+        <a:solidFill>
+          <a:schemeClr val="phClr"/>
+        </a:solidFill>
+        <a:round/>
+      </a:ln>
+    </cs:spPr>
+  </cs:dataPointLine>
+  <cs:dataPointMarker>
+    <cs:lnRef idx="0">
+      <cs:styleClr val="auto"/>
+    </cs:lnRef>
+    <cs:fillRef idx="1">
+      <cs:styleClr val="auto"/>
+    </cs:fillRef>
+    <cs:effectRef idx="0"/>
+    <cs:fontRef idx="minor">
+      <a:schemeClr val="tx1"/>
+    </cs:fontRef>
+    <cs:spPr>
+      <a:ln w="9525">
+        <a:solidFill>
+          <a:schemeClr val="phClr"/>
+        </a:solidFill>
+      </a:ln>
+    </cs:spPr>
+  </cs:dataPointMarker>
+  <cs:dataPointMarkerLayout symbol="circle" size="5"/>
+  <cs:dataPointWireframe>
+    <cs:lnRef idx="0">
+      <cs:styleClr val="auto"/>
+    </cs:lnRef>
+    <cs:fillRef idx="1"/>
+    <cs:effectRef idx="0"/>
+    <cs:fontRef idx="minor">
+      <a:schemeClr val="tx1"/>
+    </cs:fontRef>
+    <cs:spPr>
+      <a:ln w="9525" cap="rnd">
+        <a:solidFill>
+          <a:schemeClr val="phClr"/>
+        </a:solidFill>
+        <a:round/>
+      </a:ln>
+    </cs:spPr>
+  </cs:dataPointWireframe>
+  <cs:dataTable>
+    <cs:lnRef idx="0"/>
+    <cs:fillRef idx="0"/>
+    <cs:effectRef idx="0"/>
+    <cs:fontRef idx="minor">
+      <a:schemeClr val="tx1">
+        <a:lumMod val="65000"/>
+        <a:lumOff val="35000"/>
+      </a:schemeClr>
+    </cs:fontRef>
+    <cs:spPr>
+      <a:noFill/>
+      <a:ln w="9525" cap="flat" cmpd="sng" algn="ctr">
+        <a:solidFill>
+          <a:schemeClr val="tx1">
+            <a:lumMod val="15000"/>
+            <a:lumOff val="85000"/>
+          </a:schemeClr>
+        </a:solidFill>
+        <a:round/>
+      </a:ln>
+    </cs:spPr>
+    <cs:defRPr sz="900" kern="1200"/>
+  </cs:dataTable>
+  <cs:downBar>
+    <cs:lnRef idx="0"/>
+    <cs:fillRef idx="0"/>
+    <cs:effectRef idx="0"/>
+    <cs:fontRef idx="minor">
+      <a:schemeClr val="dk1"/>
+    </cs:fontRef>
+    <cs:spPr>
+      <a:solidFill>
+        <a:schemeClr val="dk1">
+          <a:lumMod val="65000"/>
+          <a:lumOff val="35000"/>
+        </a:schemeClr>
+      </a:solidFill>
+      <a:ln w="9525">
+        <a:solidFill>
+          <a:schemeClr val="tx1">
+            <a:lumMod val="65000"/>
+            <a:lumOff val="35000"/>
+          </a:schemeClr>
+        </a:solidFill>
+      </a:ln>
+    </cs:spPr>
+  </cs:downBar>
+  <cs:dropLine>
+    <cs:lnRef idx="0"/>
+    <cs:fillRef idx="0"/>
+    <cs:effectRef idx="0"/>
+    <cs:fontRef idx="minor">
+      <a:schemeClr val="tx1"/>
+    </cs:fontRef>
+    <cs:spPr>
+      <a:ln w="9525" cap="flat" cmpd="sng" algn="ctr">
+        <a:solidFill>
+          <a:schemeClr val="tx1">
+            <a:lumMod val="35000"/>
+            <a:lumOff val="65000"/>
+          </a:schemeClr>
+        </a:solidFill>
+        <a:round/>
+      </a:ln>
+    </cs:spPr>
+  </cs:dropLine>
+  <cs:errorBar>
+    <cs:lnRef idx="0"/>
+    <cs:fillRef idx="0"/>
+    <cs:effectRef idx="0"/>
+    <cs:fontRef idx="minor">
+      <a:schemeClr val="tx1"/>
+    </cs:fontRef>
+    <cs:spPr>
+      <a:ln w="9525" cap="flat" cmpd="sng" algn="ctr">
+        <a:solidFill>
+          <a:schemeClr val="tx1">
+            <a:lumMod val="65000"/>
+            <a:lumOff val="35000"/>
+          </a:schemeClr>
+        </a:solidFill>
+        <a:round/>
+      </a:ln>
+    </cs:spPr>
+  </cs:errorBar>
+  <cs:floor>
+    <cs:lnRef idx="0"/>
+    <cs:fillRef idx="0"/>
+    <cs:effectRef idx="0"/>
+    <cs:fontRef idx="minor">
+      <a:schemeClr val="tx1"/>
+    </cs:fontRef>
+    <cs:spPr>
+      <a:noFill/>
+      <a:ln>
+        <a:noFill/>
+      </a:ln>
+    </cs:spPr>
+  </cs:floor>
+  <cs:gridlineMajor>
+    <cs:lnRef idx="0"/>
+    <cs:fillRef idx="0"/>
+    <cs:effectRef idx="0"/>
+    <cs:fontRef idx="minor">
+      <a:schemeClr val="tx1"/>
+    </cs:fontRef>
+    <cs:spPr>
+      <a:ln w="9525" cap="flat" cmpd="sng" algn="ctr">
+        <a:solidFill>
+          <a:schemeClr val="tx1">
+            <a:lumMod val="15000"/>
+            <a:lumOff val="85000"/>
+          </a:schemeClr>
+        </a:solidFill>
+        <a:round/>
+      </a:ln>
+    </cs:spPr>
+  </cs:gridlineMajor>
+  <cs:gridlineMinor>
+    <cs:lnRef idx="0"/>
+    <cs:fillRef idx="0"/>
+    <cs:effectRef idx="0"/>
+    <cs:fontRef idx="minor">
+      <a:schemeClr val="tx1"/>
+    </cs:fontRef>
+    <cs:spPr>
+      <a:ln w="9525" cap="flat" cmpd="sng" algn="ctr">
+        <a:solidFill>
+          <a:schemeClr val="tx1">
+            <a:lumMod val="5000"/>
+            <a:lumOff val="95000"/>
+          </a:schemeClr>
+        </a:solidFill>
+        <a:round/>
+      </a:ln>
+    </cs:spPr>
+  </cs:gridlineMinor>
+  <cs:hiLoLine>
+    <cs:lnRef idx="0"/>
+    <cs:fillRef idx="0"/>
+    <cs:effectRef idx="0"/>
+    <cs:fontRef idx="minor">
+      <a:schemeClr val="tx1"/>
+    </cs:fontRef>
+    <cs:spPr>
+      <a:ln w="9525" cap="flat" cmpd="sng" algn="ctr">
+        <a:solidFill>
+          <a:schemeClr val="tx1">
+            <a:lumMod val="75000"/>
+            <a:lumOff val="25000"/>
+          </a:schemeClr>
+        </a:solidFill>
+        <a:round/>
+      </a:ln>
+    </cs:spPr>
+  </cs:hiLoLine>
+  <cs:leaderLine>
+    <cs:lnRef idx="0"/>
+    <cs:fillRef idx="0"/>
+    <cs:effectRef idx="0"/>
+    <cs:fontRef idx="minor">
+      <a:schemeClr val="tx1"/>
+    </cs:fontRef>
+    <cs:spPr>
+      <a:ln w="9525" cap="flat" cmpd="sng" algn="ctr">
+        <a:solidFill>
+          <a:schemeClr val="tx1">
+            <a:lumMod val="35000"/>
+            <a:lumOff val="65000"/>
+          </a:schemeClr>
+        </a:solidFill>
+        <a:round/>
+      </a:ln>
+    </cs:spPr>
+  </cs:leaderLine>
+  <cs:legend>
+    <cs:lnRef idx="0"/>
+    <cs:fillRef idx="0"/>
+    <cs:effectRef idx="0"/>
+    <cs:fontRef idx="minor">
+      <a:schemeClr val="tx1">
+        <a:lumMod val="65000"/>
+        <a:lumOff val="35000"/>
+      </a:schemeClr>
+    </cs:fontRef>
+    <cs:defRPr sz="900" kern="1200"/>
+  </cs:legend>
+  <cs:plotArea mods="allowNoFillOverride allowNoLineOverride">
+    <cs:lnRef idx="0"/>
+    <cs:fillRef idx="0"/>
+    <cs:effectRef idx="0"/>
+    <cs:fontRef idx="minor">
+      <a:schemeClr val="tx1"/>
+    </cs:fontRef>
+  </cs:plotArea>
+  <cs:plotArea3D mods="allowNoFillOverride allowNoLineOverride">
+    <cs:lnRef idx="0"/>
+    <cs:fillRef idx="0"/>
+    <cs:effectRef idx="0"/>
+    <cs:fontRef idx="minor">
+      <a:schemeClr val="tx1"/>
+    </cs:fontRef>
+  </cs:plotArea3D>
+  <cs:seriesAxis>
+    <cs:lnRef idx="0"/>
+    <cs:fillRef idx="0"/>
+    <cs:effectRef idx="0"/>
+    <cs:fontRef idx="minor">
+      <a:schemeClr val="tx1">
+        <a:lumMod val="65000"/>
+        <a:lumOff val="35000"/>
+      </a:schemeClr>
+    </cs:fontRef>
+    <cs:defRPr sz="900" kern="1200"/>
+  </cs:seriesAxis>
+  <cs:seriesLine>
+    <cs:lnRef idx="0"/>
+    <cs:fillRef idx="0"/>
+    <cs:effectRef idx="0"/>
+    <cs:fontRef idx="minor">
+      <a:schemeClr val="tx1"/>
+    </cs:fontRef>
+    <cs:spPr>
+      <a:ln w="9525" cap="flat" cmpd="sng" algn="ctr">
+        <a:solidFill>
+          <a:schemeClr val="tx1">
+            <a:lumMod val="35000"/>
+            <a:lumOff val="65000"/>
+          </a:schemeClr>
+        </a:solidFill>
+        <a:round/>
+      </a:ln>
+    </cs:spPr>
+  </cs:seriesLine>
+  <cs:title>
+    <cs:lnRef idx="0"/>
+    <cs:fillRef idx="0"/>
+    <cs:effectRef idx="0"/>
+    <cs:fontRef idx="minor">
+      <a:schemeClr val="tx1">
+        <a:lumMod val="65000"/>
+        <a:lumOff val="35000"/>
+      </a:schemeClr>
+    </cs:fontRef>
+    <cs:defRPr sz="1400" b="0" kern="1200" spc="0" baseline="0"/>
+  </cs:title>
+  <cs:trendline>
+    <cs:lnRef idx="0">
+      <cs:styleClr val="auto"/>
+    </cs:lnRef>
+    <cs:fillRef idx="0"/>
+    <cs:effectRef idx="0"/>
+    <cs:fontRef idx="minor">
+      <a:schemeClr val="tx1"/>
+    </cs:fontRef>
+    <cs:spPr>
+      <a:ln w="19050" cap="rnd">
+        <a:solidFill>
+          <a:schemeClr val="phClr"/>
+        </a:solidFill>
+        <a:prstDash val="sysDot"/>
+      </a:ln>
+    </cs:spPr>
+  </cs:trendline>
+  <cs:trendlineLabel>
+    <cs:lnRef idx="0"/>
+    <cs:fillRef idx="0"/>
+    <cs:effectRef idx="0"/>
+    <cs:fontRef idx="minor">
+      <a:schemeClr val="tx1">
+        <a:lumMod val="65000"/>
+        <a:lumOff val="35000"/>
+      </a:schemeClr>
+    </cs:fontRef>
+    <cs:defRPr sz="900" kern="1200"/>
+  </cs:trendlineLabel>
+  <cs:upBar>
+    <cs:lnRef idx="0"/>
+    <cs:fillRef idx="0"/>
+    <cs:effectRef idx="0"/>
+    <cs:fontRef idx="minor">
+      <a:schemeClr val="dk1"/>
+    </cs:fontRef>
+    <cs:spPr>
+      <a:solidFill>
+        <a:schemeClr val="lt1"/>
+      </a:solidFill>
+      <a:ln w="9525">
+        <a:solidFill>
+          <a:schemeClr val="tx1">
+            <a:lumMod val="15000"/>
+            <a:lumOff val="85000"/>
+          </a:schemeClr>
+        </a:solidFill>
+      </a:ln>
+    </cs:spPr>
+  </cs:upBar>
+  <cs:valueAxis>
+    <cs:lnRef idx="0"/>
+    <cs:fillRef idx="0"/>
+    <cs:effectRef idx="0"/>
+    <cs:fontRef idx="minor">
+      <a:schemeClr val="tx1">
+        <a:lumMod val="65000"/>
+        <a:lumOff val="35000"/>
+      </a:schemeClr>
+    </cs:fontRef>
+    <cs:defRPr sz="900" kern="1200"/>
+  </cs:valueAxis>
+  <cs:wall>
+    <cs:lnRef idx="0"/>
+    <cs:fillRef idx="0"/>
+    <cs:effectRef idx="0"/>
+    <cs:fontRef idx="minor">
+      <a:schemeClr val="tx1"/>
+    </cs:fontRef>
+    <cs:spPr>
+      <a:noFill/>
+      <a:ln>
+        <a:noFill/>
+      </a:ln>
+    </cs:spPr>
+  </cs:wall>
+</cs:chartStyle>
+</file>
+
+<file path=ppt/charts/style3.xml><?xml version="1.0" encoding="utf-8"?>
+<cs:chartStyle xmlns:cs="http://schemas.microsoft.com/office/drawing/2012/chartStyle" xmlns:a="http://schemas.openxmlformats.org/drawingml/2006/main" id="332">
+  <cs:axisTitle>
+    <cs:lnRef idx="0"/>
+    <cs:fillRef idx="0"/>
+    <cs:effectRef idx="0"/>
+    <cs:fontRef idx="minor">
+      <a:schemeClr val="tx1">
+        <a:lumMod val="65000"/>
+        <a:lumOff val="35000"/>
+      </a:schemeClr>
+    </cs:fontRef>
+    <cs:defRPr sz="1000" kern="1200"/>
+  </cs:axisTitle>
+  <cs:categoryAxis>
+    <cs:lnRef idx="0"/>
+    <cs:fillRef idx="0"/>
+    <cs:effectRef idx="0"/>
+    <cs:fontRef idx="minor">
+      <a:schemeClr val="tx1">
+        <a:lumMod val="65000"/>
+        <a:lumOff val="35000"/>
+      </a:schemeClr>
+    </cs:fontRef>
+    <cs:spPr>
+      <a:ln w="9525" cap="flat" cmpd="sng" algn="ctr">
+        <a:solidFill>
+          <a:schemeClr val="tx1">
+            <a:lumMod val="15000"/>
+            <a:lumOff val="85000"/>
+          </a:schemeClr>
+        </a:solidFill>
+        <a:round/>
+      </a:ln>
+    </cs:spPr>
+    <cs:defRPr sz="900" kern="1200"/>
+  </cs:categoryAxis>
+  <cs:chartArea mods="allowNoFillOverride allowNoLineOverride">
+    <cs:lnRef idx="0"/>
+    <cs:fillRef idx="0"/>
+    <cs:effectRef idx="0"/>
+    <cs:fontRef idx="minor">
+      <a:schemeClr val="tx1"/>
+    </cs:fontRef>
+    <cs:spPr>
+      <a:solidFill>
+        <a:schemeClr val="bg1"/>
+      </a:solidFill>
+      <a:ln w="9525" cap="flat" cmpd="sng" algn="ctr">
+        <a:solidFill>
+          <a:schemeClr val="tx1">
+            <a:lumMod val="15000"/>
+            <a:lumOff val="85000"/>
+          </a:schemeClr>
+        </a:solidFill>
+        <a:round/>
+      </a:ln>
+    </cs:spPr>
+    <cs:defRPr sz="1000" kern="1200"/>
+  </cs:chartArea>
+  <cs:dataLabel>
+    <cs:lnRef idx="0"/>
+    <cs:fillRef idx="0"/>
+    <cs:effectRef idx="0"/>
+    <cs:fontRef idx="minor">
+      <a:schemeClr val="tx1">
+        <a:lumMod val="75000"/>
+        <a:lumOff val="25000"/>
+      </a:schemeClr>
+    </cs:fontRef>
+    <cs:defRPr sz="900" kern="1200"/>
+  </cs:dataLabel>
+  <cs:dataLabelCallout>
+    <cs:lnRef idx="0"/>
+    <cs:fillRef idx="0"/>
+    <cs:effectRef idx="0"/>
+    <cs:fontRef idx="minor">
+      <a:schemeClr val="dk1">
+        <a:lumMod val="65000"/>
+        <a:lumOff val="35000"/>
+      </a:schemeClr>
+    </cs:fontRef>
+    <cs:spPr>
+      <a:solidFill>
+        <a:schemeClr val="lt1"/>
+      </a:solidFill>
+      <a:ln>
+        <a:solidFill>
+          <a:schemeClr val="dk1">
+            <a:lumMod val="25000"/>
+            <a:lumOff val="75000"/>
+          </a:schemeClr>
+        </a:solidFill>
+      </a:ln>
+    </cs:spPr>
+    <cs:defRPr sz="900" kern="1200"/>
+    <cs:bodyPr rot="0" spcFirstLastPara="1" vertOverflow="clip" horzOverflow="clip" vert="horz" wrap="square" lIns="36576" tIns="18288" rIns="36576" bIns="18288" anchor="ctr" anchorCtr="1">
+      <a:spAutoFit/>
+    </cs:bodyPr>
+  </cs:dataLabelCallout>
+  <cs:dataPoint>
+    <cs:lnRef idx="0"/>
+    <cs:fillRef idx="1">
+      <cs:styleClr val="auto"/>
+    </cs:fillRef>
+    <cs:effectRef idx="0"/>
+    <cs:fontRef idx="minor">
+      <a:schemeClr val="tx1"/>
+    </cs:fontRef>
+  </cs:dataPoint>
+  <cs:dataPoint3D>
+    <cs:lnRef idx="0"/>
+    <cs:fillRef idx="1">
+      <cs:styleClr val="auto"/>
+    </cs:fillRef>
+    <cs:effectRef idx="0"/>
+    <cs:fontRef idx="minor">
+      <a:schemeClr val="tx1"/>
+    </cs:fontRef>
+  </cs:dataPoint3D>
+  <cs:dataPointLine>
+    <cs:lnRef idx="0">
+      <cs:styleClr val="auto"/>
+    </cs:lnRef>
+    <cs:fillRef idx="1"/>
+    <cs:effectRef idx="0"/>
+    <cs:fontRef idx="minor">
+      <a:schemeClr val="tx1"/>
+    </cs:fontRef>
+    <cs:spPr>
+      <a:ln w="28575" cap="rnd">
+        <a:solidFill>
+          <a:schemeClr val="phClr"/>
+        </a:solidFill>
+        <a:round/>
+      </a:ln>
+    </cs:spPr>
+  </cs:dataPointLine>
+  <cs:dataPointMarker>
+    <cs:lnRef idx="0">
+      <cs:styleClr val="auto"/>
+    </cs:lnRef>
+    <cs:fillRef idx="1">
+      <cs:styleClr val="auto"/>
+    </cs:fillRef>
+    <cs:effectRef idx="0"/>
+    <cs:fontRef idx="minor">
+      <a:schemeClr val="tx1"/>
+    </cs:fontRef>
+    <cs:spPr>
+      <a:ln w="9525">
+        <a:solidFill>
+          <a:schemeClr val="phClr"/>
+        </a:solidFill>
+      </a:ln>
+    </cs:spPr>
+  </cs:dataPointMarker>
+  <cs:dataPointMarkerLayout symbol="circle" size="5"/>
+  <cs:dataPointWireframe>
+    <cs:lnRef idx="0">
+      <cs:styleClr val="auto"/>
+    </cs:lnRef>
+    <cs:fillRef idx="1"/>
+    <cs:effectRef idx="0"/>
+    <cs:fontRef idx="minor">
+      <a:schemeClr val="tx1"/>
+    </cs:fontRef>
+    <cs:spPr>
+      <a:ln w="9525" cap="rnd">
+        <a:solidFill>
+          <a:schemeClr val="phClr"/>
+        </a:solidFill>
+        <a:round/>
+      </a:ln>
+    </cs:spPr>
+  </cs:dataPointWireframe>
+  <cs:dataTable>
+    <cs:lnRef idx="0"/>
+    <cs:fillRef idx="0"/>
+    <cs:effectRef idx="0"/>
+    <cs:fontRef idx="minor">
+      <a:schemeClr val="tx1">
+        <a:lumMod val="65000"/>
+        <a:lumOff val="35000"/>
+      </a:schemeClr>
+    </cs:fontRef>
+    <cs:spPr>
+      <a:noFill/>
+      <a:ln w="9525" cap="flat" cmpd="sng" algn="ctr">
+        <a:solidFill>
+          <a:schemeClr val="tx1">
+            <a:lumMod val="15000"/>
+            <a:lumOff val="85000"/>
+          </a:schemeClr>
+        </a:solidFill>
+        <a:round/>
+      </a:ln>
+    </cs:spPr>
+    <cs:defRPr sz="900" kern="1200"/>
+  </cs:dataTable>
+  <cs:downBar>
+    <cs:lnRef idx="0"/>
+    <cs:fillRef idx="0"/>
+    <cs:effectRef idx="0"/>
+    <cs:fontRef idx="minor">
+      <a:schemeClr val="dk1"/>
+    </cs:fontRef>
+    <cs:spPr>
+      <a:solidFill>
+        <a:schemeClr val="dk1">
+          <a:lumMod val="65000"/>
+          <a:lumOff val="35000"/>
+        </a:schemeClr>
+      </a:solidFill>
+      <a:ln w="9525">
+        <a:solidFill>
+          <a:schemeClr val="tx1">
+            <a:lumMod val="65000"/>
+            <a:lumOff val="35000"/>
+          </a:schemeClr>
+        </a:solidFill>
+      </a:ln>
+    </cs:spPr>
+  </cs:downBar>
+  <cs:dropLine>
+    <cs:lnRef idx="0"/>
+    <cs:fillRef idx="0"/>
+    <cs:effectRef idx="0"/>
+    <cs:fontRef idx="minor">
+      <a:schemeClr val="tx1"/>
+    </cs:fontRef>
+    <cs:spPr>
+      <a:ln w="9525" cap="flat" cmpd="sng" algn="ctr">
+        <a:solidFill>
+          <a:schemeClr val="tx1">
+            <a:lumMod val="35000"/>
+            <a:lumOff val="65000"/>
+          </a:schemeClr>
+        </a:solidFill>
+        <a:round/>
+      </a:ln>
+    </cs:spPr>
+  </cs:dropLine>
+  <cs:errorBar>
+    <cs:lnRef idx="0"/>
+    <cs:fillRef idx="0"/>
+    <cs:effectRef idx="0"/>
+    <cs:fontRef idx="minor">
+      <a:schemeClr val="tx1"/>
+    </cs:fontRef>
+    <cs:spPr>
+      <a:ln w="9525" cap="flat" cmpd="sng" algn="ctr">
+        <a:solidFill>
+          <a:schemeClr val="tx1">
+            <a:lumMod val="65000"/>
+            <a:lumOff val="35000"/>
+          </a:schemeClr>
+        </a:solidFill>
+        <a:round/>
+      </a:ln>
+    </cs:spPr>
+  </cs:errorBar>
+  <cs:floor>
+    <cs:lnRef idx="0"/>
+    <cs:fillRef idx="0"/>
+    <cs:effectRef idx="0"/>
+    <cs:fontRef idx="minor">
+      <a:schemeClr val="tx1"/>
+    </cs:fontRef>
+    <cs:spPr>
+      <a:noFill/>
+      <a:ln>
+        <a:noFill/>
+      </a:ln>
+    </cs:spPr>
+  </cs:floor>
+  <cs:gridlineMajor>
+    <cs:lnRef idx="0"/>
+    <cs:fillRef idx="0"/>
+    <cs:effectRef idx="0"/>
+    <cs:fontRef idx="minor">
+      <a:schemeClr val="tx1"/>
+    </cs:fontRef>
+    <cs:spPr>
+      <a:ln w="9525" cap="flat" cmpd="sng" algn="ctr">
+        <a:solidFill>
+          <a:schemeClr val="tx1">
+            <a:lumMod val="15000"/>
+            <a:lumOff val="85000"/>
+          </a:schemeClr>
+        </a:solidFill>
+        <a:round/>
+      </a:ln>
+    </cs:spPr>
+  </cs:gridlineMajor>
+  <cs:gridlineMinor>
+    <cs:lnRef idx="0"/>
+    <cs:fillRef idx="0"/>
+    <cs:effectRef idx="0"/>
+    <cs:fontRef idx="minor">
+      <a:schemeClr val="tx1"/>
+    </cs:fontRef>
+    <cs:spPr>
+      <a:ln w="9525" cap="flat" cmpd="sng" algn="ctr">
+        <a:solidFill>
+          <a:schemeClr val="tx1">
+            <a:lumMod val="5000"/>
+            <a:lumOff val="95000"/>
+          </a:schemeClr>
+        </a:solidFill>
+        <a:round/>
+      </a:ln>
+    </cs:spPr>
+  </cs:gridlineMinor>
+  <cs:hiLoLine>
+    <cs:lnRef idx="0"/>
+    <cs:fillRef idx="0"/>
+    <cs:effectRef idx="0"/>
+    <cs:fontRef idx="minor">
+      <a:schemeClr val="tx1"/>
+    </cs:fontRef>
+    <cs:spPr>
+      <a:ln w="9525" cap="flat" cmpd="sng" algn="ctr">
+        <a:solidFill>
+          <a:schemeClr val="tx1">
+            <a:lumMod val="75000"/>
+            <a:lumOff val="25000"/>
+          </a:schemeClr>
+        </a:solidFill>
+        <a:round/>
+      </a:ln>
+    </cs:spPr>
+  </cs:hiLoLine>
+  <cs:leaderLine>
+    <cs:lnRef idx="0"/>
+    <cs:fillRef idx="0"/>
+    <cs:effectRef idx="0"/>
+    <cs:fontRef idx="minor">
+      <a:schemeClr val="tx1"/>
+    </cs:fontRef>
+    <cs:spPr>
+      <a:ln w="9525" cap="flat" cmpd="sng" algn="ctr">
+        <a:solidFill>
+          <a:schemeClr val="tx1">
+            <a:lumMod val="35000"/>
+            <a:lumOff val="65000"/>
+          </a:schemeClr>
+        </a:solidFill>
+        <a:round/>
+      </a:ln>
+    </cs:spPr>
+  </cs:leaderLine>
+  <cs:legend>
+    <cs:lnRef idx="0"/>
+    <cs:fillRef idx="0"/>
+    <cs:effectRef idx="0"/>
+    <cs:fontRef idx="minor">
+      <a:schemeClr val="tx1">
+        <a:lumMod val="65000"/>
+        <a:lumOff val="35000"/>
+      </a:schemeClr>
+    </cs:fontRef>
+    <cs:defRPr sz="900" kern="1200"/>
+  </cs:legend>
+  <cs:plotArea mods="allowNoFillOverride allowNoLineOverride">
+    <cs:lnRef idx="0"/>
+    <cs:fillRef idx="0"/>
+    <cs:effectRef idx="0"/>
+    <cs:fontRef idx="minor">
+      <a:schemeClr val="tx1"/>
+    </cs:fontRef>
+  </cs:plotArea>
+  <cs:plotArea3D mods="allowNoFillOverride allowNoLineOverride">
+    <cs:lnRef idx="0"/>
+    <cs:fillRef idx="0"/>
+    <cs:effectRef idx="0"/>
+    <cs:fontRef idx="minor">
+      <a:schemeClr val="tx1"/>
+    </cs:fontRef>
+  </cs:plotArea3D>
+  <cs:seriesAxis>
+    <cs:lnRef idx="0"/>
+    <cs:fillRef idx="0"/>
+    <cs:effectRef idx="0"/>
+    <cs:fontRef idx="minor">
+      <a:schemeClr val="tx1">
+        <a:lumMod val="65000"/>
+        <a:lumOff val="35000"/>
+      </a:schemeClr>
+    </cs:fontRef>
+    <cs:defRPr sz="900" kern="1200"/>
+  </cs:seriesAxis>
+  <cs:seriesLine>
+    <cs:lnRef idx="0"/>
+    <cs:fillRef idx="0"/>
+    <cs:effectRef idx="0"/>
+    <cs:fontRef idx="minor">
+      <a:schemeClr val="tx1"/>
+    </cs:fontRef>
+    <cs:spPr>
+      <a:ln w="9525" cap="flat" cmpd="sng" algn="ctr">
+        <a:solidFill>
+          <a:schemeClr val="tx1">
+            <a:lumMod val="35000"/>
+            <a:lumOff val="65000"/>
+          </a:schemeClr>
+        </a:solidFill>
+        <a:round/>
+      </a:ln>
+    </cs:spPr>
+  </cs:seriesLine>
+  <cs:title>
+    <cs:lnRef idx="0"/>
+    <cs:fillRef idx="0"/>
+    <cs:effectRef idx="0"/>
+    <cs:fontRef idx="minor">
+      <a:schemeClr val="tx1">
+        <a:lumMod val="65000"/>
+        <a:lumOff val="35000"/>
+      </a:schemeClr>
+    </cs:fontRef>
+    <cs:defRPr sz="1400" b="0" kern="1200" spc="0" baseline="0"/>
+  </cs:title>
+  <cs:trendline>
+    <cs:lnRef idx="0">
+      <cs:styleClr val="auto"/>
+    </cs:lnRef>
+    <cs:fillRef idx="0"/>
+    <cs:effectRef idx="0"/>
+    <cs:fontRef idx="minor">
+      <a:schemeClr val="tx1"/>
+    </cs:fontRef>
+    <cs:spPr>
+      <a:ln w="19050" cap="rnd">
+        <a:solidFill>
+          <a:schemeClr val="phClr"/>
+        </a:solidFill>
+        <a:prstDash val="sysDot"/>
+      </a:ln>
+    </cs:spPr>
+  </cs:trendline>
+  <cs:trendlineLabel>
+    <cs:lnRef idx="0"/>
+    <cs:fillRef idx="0"/>
+    <cs:effectRef idx="0"/>
+    <cs:fontRef idx="minor">
+      <a:schemeClr val="tx1">
+        <a:lumMod val="65000"/>
+        <a:lumOff val="35000"/>
+      </a:schemeClr>
+    </cs:fontRef>
+    <cs:defRPr sz="900" kern="1200"/>
+  </cs:trendlineLabel>
+  <cs:upBar>
+    <cs:lnRef idx="0"/>
+    <cs:fillRef idx="0"/>
+    <cs:effectRef idx="0"/>
+    <cs:fontRef idx="minor">
+      <a:schemeClr val="dk1"/>
+    </cs:fontRef>
+    <cs:spPr>
+      <a:solidFill>
+        <a:schemeClr val="lt1"/>
+      </a:solidFill>
+      <a:ln w="9525">
+        <a:solidFill>
+          <a:schemeClr val="tx1">
+            <a:lumMod val="15000"/>
+            <a:lumOff val="85000"/>
+          </a:schemeClr>
+        </a:solidFill>
+      </a:ln>
+    </cs:spPr>
+  </cs:upBar>
+  <cs:valueAxis>
+    <cs:lnRef idx="0"/>
+    <cs:fillRef idx="0"/>
+    <cs:effectRef idx="0"/>
+    <cs:fontRef idx="minor">
+      <a:schemeClr val="tx1">
+        <a:lumMod val="65000"/>
+        <a:lumOff val="35000"/>
+      </a:schemeClr>
+    </cs:fontRef>
+    <cs:defRPr sz="900" kern="1200"/>
+  </cs:valueAxis>
+  <cs:wall>
+    <cs:lnRef idx="0"/>
+    <cs:fillRef idx="0"/>
+    <cs:effectRef idx="0"/>
+    <cs:fontRef idx="minor">
+      <a:schemeClr val="tx1"/>
+    </cs:fontRef>
+    <cs:spPr>
+      <a:noFill/>
+      <a:ln>
+        <a:noFill/>
+      </a:ln>
+    </cs:spPr>
+  </cs:wall>
+</cs:chartStyle>
+</file>
+
+<file path=ppt/charts/style4.xml><?xml version="1.0" encoding="utf-8"?>
+<cs:chartStyle xmlns:cs="http://schemas.microsoft.com/office/drawing/2012/chartStyle" xmlns:a="http://schemas.openxmlformats.org/drawingml/2006/main" id="332">
+  <cs:axisTitle>
+    <cs:lnRef idx="0"/>
+    <cs:fillRef idx="0"/>
+    <cs:effectRef idx="0"/>
+    <cs:fontRef idx="minor">
+      <a:schemeClr val="tx1">
+        <a:lumMod val="65000"/>
+        <a:lumOff val="35000"/>
+      </a:schemeClr>
+    </cs:fontRef>
+    <cs:defRPr sz="1000" kern="1200"/>
+  </cs:axisTitle>
+  <cs:categoryAxis>
+    <cs:lnRef idx="0"/>
+    <cs:fillRef idx="0"/>
+    <cs:effectRef idx="0"/>
+    <cs:fontRef idx="minor">
+      <a:schemeClr val="tx1">
+        <a:lumMod val="65000"/>
+        <a:lumOff val="35000"/>
+      </a:schemeClr>
+    </cs:fontRef>
+    <cs:spPr>
+      <a:ln w="9525" cap="flat" cmpd="sng" algn="ctr">
+        <a:solidFill>
+          <a:schemeClr val="tx1">
+            <a:lumMod val="15000"/>
+            <a:lumOff val="85000"/>
+          </a:schemeClr>
+        </a:solidFill>
+        <a:round/>
+      </a:ln>
+    </cs:spPr>
+    <cs:defRPr sz="900" kern="1200"/>
+  </cs:categoryAxis>
+  <cs:chartArea mods="allowNoFillOverride allowNoLineOverride">
+    <cs:lnRef idx="0"/>
+    <cs:fillRef idx="0"/>
+    <cs:effectRef idx="0"/>
+    <cs:fontRef idx="minor">
+      <a:schemeClr val="tx1"/>
+    </cs:fontRef>
+    <cs:spPr>
+      <a:solidFill>
+        <a:schemeClr val="bg1"/>
+      </a:solidFill>
+      <a:ln w="9525" cap="flat" cmpd="sng" algn="ctr">
+        <a:solidFill>
+          <a:schemeClr val="tx1">
+            <a:lumMod val="15000"/>
+            <a:lumOff val="85000"/>
+          </a:schemeClr>
+        </a:solidFill>
+        <a:round/>
+      </a:ln>
+    </cs:spPr>
+    <cs:defRPr sz="1000" kern="1200"/>
+  </cs:chartArea>
+  <cs:dataLabel>
+    <cs:lnRef idx="0"/>
+    <cs:fillRef idx="0"/>
+    <cs:effectRef idx="0"/>
+    <cs:fontRef idx="minor">
+      <a:schemeClr val="tx1">
+        <a:lumMod val="75000"/>
+        <a:lumOff val="25000"/>
+      </a:schemeClr>
+    </cs:fontRef>
+    <cs:defRPr sz="900" kern="1200"/>
+  </cs:dataLabel>
+  <cs:dataLabelCallout>
+    <cs:lnRef idx="0"/>
+    <cs:fillRef idx="0"/>
+    <cs:effectRef idx="0"/>
+    <cs:fontRef idx="minor">
+      <a:schemeClr val="dk1">
+        <a:lumMod val="65000"/>
+        <a:lumOff val="35000"/>
+      </a:schemeClr>
+    </cs:fontRef>
+    <cs:spPr>
+      <a:solidFill>
+        <a:schemeClr val="lt1"/>
+      </a:solidFill>
+      <a:ln>
+        <a:solidFill>
+          <a:schemeClr val="dk1">
+            <a:lumMod val="25000"/>
+            <a:lumOff val="75000"/>
+          </a:schemeClr>
+        </a:solidFill>
+      </a:ln>
+    </cs:spPr>
+    <cs:defRPr sz="900" kern="1200"/>
+    <cs:bodyPr rot="0" spcFirstLastPara="1" vertOverflow="clip" horzOverflow="clip" vert="horz" wrap="square" lIns="36576" tIns="18288" rIns="36576" bIns="18288" anchor="ctr" anchorCtr="1">
+      <a:spAutoFit/>
+    </cs:bodyPr>
+  </cs:dataLabelCallout>
+  <cs:dataPoint>
+    <cs:lnRef idx="0"/>
+    <cs:fillRef idx="1">
+      <cs:styleClr val="auto"/>
+    </cs:fillRef>
+    <cs:effectRef idx="0"/>
+    <cs:fontRef idx="minor">
+      <a:schemeClr val="tx1"/>
+    </cs:fontRef>
+  </cs:dataPoint>
+  <cs:dataPoint3D>
+    <cs:lnRef idx="0"/>
+    <cs:fillRef idx="1">
+      <cs:styleClr val="auto"/>
+    </cs:fillRef>
+    <cs:effectRef idx="0"/>
+    <cs:fontRef idx="minor">
+      <a:schemeClr val="tx1"/>
+    </cs:fontRef>
+  </cs:dataPoint3D>
+  <cs:dataPointLine>
+    <cs:lnRef idx="0">
+      <cs:styleClr val="auto"/>
+    </cs:lnRef>
+    <cs:fillRef idx="1"/>
+    <cs:effectRef idx="0"/>
+    <cs:fontRef idx="minor">
+      <a:schemeClr val="tx1"/>
+    </cs:fontRef>
+    <cs:spPr>
+      <a:ln w="28575" cap="rnd">
+        <a:solidFill>
+          <a:schemeClr val="phClr"/>
+        </a:solidFill>
+        <a:round/>
+      </a:ln>
+    </cs:spPr>
+  </cs:dataPointLine>
+  <cs:dataPointMarker>
+    <cs:lnRef idx="0">
+      <cs:styleClr val="auto"/>
+    </cs:lnRef>
+    <cs:fillRef idx="1">
+      <cs:styleClr val="auto"/>
+    </cs:fillRef>
+    <cs:effectRef idx="0"/>
+    <cs:fontRef idx="minor">
+      <a:schemeClr val="tx1"/>
+    </cs:fontRef>
+    <cs:spPr>
+      <a:ln w="9525">
+        <a:solidFill>
+          <a:schemeClr val="phClr"/>
+        </a:solidFill>
+      </a:ln>
+    </cs:spPr>
+  </cs:dataPointMarker>
+  <cs:dataPointMarkerLayout symbol="circle" size="5"/>
+  <cs:dataPointWireframe>
+    <cs:lnRef idx="0">
+      <cs:styleClr val="auto"/>
+    </cs:lnRef>
+    <cs:fillRef idx="1"/>
+    <cs:effectRef idx="0"/>
+    <cs:fontRef idx="minor">
+      <a:schemeClr val="tx1"/>
+    </cs:fontRef>
+    <cs:spPr>
+      <a:ln w="9525" cap="rnd">
+        <a:solidFill>
+          <a:schemeClr val="phClr"/>
+        </a:solidFill>
+        <a:round/>
+      </a:ln>
+    </cs:spPr>
+  </cs:dataPointWireframe>
+  <cs:dataTable>
+    <cs:lnRef idx="0"/>
+    <cs:fillRef idx="0"/>
+    <cs:effectRef idx="0"/>
+    <cs:fontRef idx="minor">
+      <a:schemeClr val="tx1">
+        <a:lumMod val="65000"/>
+        <a:lumOff val="35000"/>
+      </a:schemeClr>
+    </cs:fontRef>
+    <cs:spPr>
+      <a:noFill/>
+      <a:ln w="9525" cap="flat" cmpd="sng" algn="ctr">
+        <a:solidFill>
+          <a:schemeClr val="tx1">
+            <a:lumMod val="15000"/>
+            <a:lumOff val="85000"/>
+          </a:schemeClr>
+        </a:solidFill>
+        <a:round/>
+      </a:ln>
+    </cs:spPr>
+    <cs:defRPr sz="900" kern="1200"/>
+  </cs:dataTable>
+  <cs:downBar>
+    <cs:lnRef idx="0"/>
+    <cs:fillRef idx="0"/>
+    <cs:effectRef idx="0"/>
+    <cs:fontRef idx="minor">
+      <a:schemeClr val="dk1"/>
+    </cs:fontRef>
+    <cs:spPr>
+      <a:solidFill>
+        <a:schemeClr val="dk1">
+          <a:lumMod val="65000"/>
+          <a:lumOff val="35000"/>
+        </a:schemeClr>
+      </a:solidFill>
+      <a:ln w="9525">
+        <a:solidFill>
+          <a:schemeClr val="tx1">
+            <a:lumMod val="65000"/>
+            <a:lumOff val="35000"/>
+          </a:schemeClr>
+        </a:solidFill>
+      </a:ln>
+    </cs:spPr>
+  </cs:downBar>
+  <cs:dropLine>
+    <cs:lnRef idx="0"/>
+    <cs:fillRef idx="0"/>
+    <cs:effectRef idx="0"/>
+    <cs:fontRef idx="minor">
+      <a:schemeClr val="tx1"/>
+    </cs:fontRef>
+    <cs:spPr>
+      <a:ln w="9525" cap="flat" cmpd="sng" algn="ctr">
+        <a:solidFill>
+          <a:schemeClr val="tx1">
+            <a:lumMod val="35000"/>
+            <a:lumOff val="65000"/>
+          </a:schemeClr>
+        </a:solidFill>
+        <a:round/>
+      </a:ln>
+    </cs:spPr>
+  </cs:dropLine>
+  <cs:errorBar>
+    <cs:lnRef idx="0"/>
+    <cs:fillRef idx="0"/>
+    <cs:effectRef idx="0"/>
+    <cs:fontRef idx="minor">
+      <a:schemeClr val="tx1"/>
+    </cs:fontRef>
+    <cs:spPr>
+      <a:ln w="9525" cap="flat" cmpd="sng" algn="ctr">
+        <a:solidFill>
+          <a:schemeClr val="tx1">
+            <a:lumMod val="65000"/>
+            <a:lumOff val="35000"/>
+          </a:schemeClr>
+        </a:solidFill>
+        <a:round/>
+      </a:ln>
+    </cs:spPr>
+  </cs:errorBar>
+  <cs:floor>
+    <cs:lnRef idx="0"/>
+    <cs:fillRef idx="0"/>
+    <cs:effectRef idx="0"/>
+    <cs:fontRef idx="minor">
+      <a:schemeClr val="tx1"/>
+    </cs:fontRef>
+    <cs:spPr>
+      <a:noFill/>
+      <a:ln>
+        <a:noFill/>
+      </a:ln>
+    </cs:spPr>
+  </cs:floor>
+  <cs:gridlineMajor>
+    <cs:lnRef idx="0"/>
+    <cs:fillRef idx="0"/>
+    <cs:effectRef idx="0"/>
+    <cs:fontRef idx="minor">
+      <a:schemeClr val="tx1"/>
+    </cs:fontRef>
+    <cs:spPr>
+      <a:ln w="9525" cap="flat" cmpd="sng" algn="ctr">
+        <a:solidFill>
+          <a:schemeClr val="tx1">
+            <a:lumMod val="15000"/>
+            <a:lumOff val="85000"/>
+          </a:schemeClr>
+        </a:solidFill>
+        <a:round/>
+      </a:ln>
+    </cs:spPr>
+  </cs:gridlineMajor>
+  <cs:gridlineMinor>
+    <cs:lnRef idx="0"/>
+    <cs:fillRef idx="0"/>
+    <cs:effectRef idx="0"/>
+    <cs:fontRef idx="minor">
+      <a:schemeClr val="tx1"/>
+    </cs:fontRef>
+    <cs:spPr>
+      <a:ln w="9525" cap="flat" cmpd="sng" algn="ctr">
+        <a:solidFill>
+          <a:schemeClr val="tx1">
+            <a:lumMod val="5000"/>
+            <a:lumOff val="95000"/>
+          </a:schemeClr>
+        </a:solidFill>
+        <a:round/>
+      </a:ln>
+    </cs:spPr>
+  </cs:gridlineMinor>
+  <cs:hiLoLine>
+    <cs:lnRef idx="0"/>
+    <cs:fillRef idx="0"/>
+    <cs:effectRef idx="0"/>
+    <cs:fontRef idx="minor">
+      <a:schemeClr val="tx1"/>
+    </cs:fontRef>
+    <cs:spPr>
+      <a:ln w="9525" cap="flat" cmpd="sng" algn="ctr">
+        <a:solidFill>
+          <a:schemeClr val="tx1">
+            <a:lumMod val="75000"/>
+            <a:lumOff val="25000"/>
+          </a:schemeClr>
+        </a:solidFill>
+        <a:round/>
+      </a:ln>
+    </cs:spPr>
+  </cs:hiLoLine>
+  <cs:leaderLine>
+    <cs:lnRef idx="0"/>
+    <cs:fillRef idx="0"/>
+    <cs:effectRef idx="0"/>
+    <cs:fontRef idx="minor">
+      <a:schemeClr val="tx1"/>
+    </cs:fontRef>
+    <cs:spPr>
+      <a:ln w="9525" cap="flat" cmpd="sng" algn="ctr">
+        <a:solidFill>
+          <a:schemeClr val="tx1">
+            <a:lumMod val="35000"/>
+            <a:lumOff val="65000"/>
+          </a:schemeClr>
+        </a:solidFill>
+        <a:round/>
+      </a:ln>
+    </cs:spPr>
+  </cs:leaderLine>
+  <cs:legend>
+    <cs:lnRef idx="0"/>
+    <cs:fillRef idx="0"/>
+    <cs:effectRef idx="0"/>
+    <cs:fontRef idx="minor">
+      <a:schemeClr val="tx1">
+        <a:lumMod val="65000"/>
+        <a:lumOff val="35000"/>
+      </a:schemeClr>
+    </cs:fontRef>
+    <cs:defRPr sz="900" kern="1200"/>
+  </cs:legend>
+  <cs:plotArea mods="allowNoFillOverride allowNoLineOverride">
+    <cs:lnRef idx="0"/>
+    <cs:fillRef idx="0"/>
+    <cs:effectRef idx="0"/>
+    <cs:fontRef idx="minor">
+      <a:schemeClr val="tx1"/>
+    </cs:fontRef>
+  </cs:plotArea>
+  <cs:plotArea3D mods="allowNoFillOverride allowNoLineOverride">
+    <cs:lnRef idx="0"/>
+    <cs:fillRef idx="0"/>
+    <cs:effectRef idx="0"/>
+    <cs:fontRef idx="minor">
+      <a:schemeClr val="tx1"/>
+    </cs:fontRef>
+  </cs:plotArea3D>
+  <cs:seriesAxis>
+    <cs:lnRef idx="0"/>
+    <cs:fillRef idx="0"/>
+    <cs:effectRef idx="0"/>
+    <cs:fontRef idx="minor">
+      <a:schemeClr val="tx1">
+        <a:lumMod val="65000"/>
+        <a:lumOff val="35000"/>
+      </a:schemeClr>
+    </cs:fontRef>
+    <cs:defRPr sz="900" kern="1200"/>
+  </cs:seriesAxis>
+  <cs:seriesLine>
+    <cs:lnRef idx="0"/>
+    <cs:fillRef idx="0"/>
+    <cs:effectRef idx="0"/>
+    <cs:fontRef idx="minor">
+      <a:schemeClr val="tx1"/>
+    </cs:fontRef>
+    <cs:spPr>
+      <a:ln w="9525" cap="flat" cmpd="sng" algn="ctr">
+        <a:solidFill>
+          <a:schemeClr val="tx1">
+            <a:lumMod val="35000"/>
+            <a:lumOff val="65000"/>
+          </a:schemeClr>
+        </a:solidFill>
+        <a:round/>
+      </a:ln>
+    </cs:spPr>
+  </cs:seriesLine>
+  <cs:title>
+    <cs:lnRef idx="0"/>
+    <cs:fillRef idx="0"/>
+    <cs:effectRef idx="0"/>
+    <cs:fontRef idx="minor">
+      <a:schemeClr val="tx1">
+        <a:lumMod val="65000"/>
+        <a:lumOff val="35000"/>
+      </a:schemeClr>
+    </cs:fontRef>
+    <cs:defRPr sz="1400" b="0" kern="1200" spc="0" baseline="0"/>
+  </cs:title>
+  <cs:trendline>
+    <cs:lnRef idx="0">
+      <cs:styleClr val="auto"/>
+    </cs:lnRef>
+    <cs:fillRef idx="0"/>
+    <cs:effectRef idx="0"/>
+    <cs:fontRef idx="minor">
+      <a:schemeClr val="tx1"/>
+    </cs:fontRef>
+    <cs:spPr>
+      <a:ln w="19050" cap="rnd">
+        <a:solidFill>
+          <a:schemeClr val="phClr"/>
+        </a:solidFill>
+        <a:prstDash val="sysDot"/>
+      </a:ln>
+    </cs:spPr>
+  </cs:trendline>
+  <cs:trendlineLabel>
+    <cs:lnRef idx="0"/>
+    <cs:fillRef idx="0"/>
+    <cs:effectRef idx="0"/>
+    <cs:fontRef idx="minor">
+      <a:schemeClr val="tx1">
+        <a:lumMod val="65000"/>
+        <a:lumOff val="35000"/>
+      </a:schemeClr>
+    </cs:fontRef>
+    <cs:defRPr sz="900" kern="1200"/>
+  </cs:trendlineLabel>
+  <cs:upBar>
+    <cs:lnRef idx="0"/>
+    <cs:fillRef idx="0"/>
+    <cs:effectRef idx="0"/>
+    <cs:fontRef idx="minor">
+      <a:schemeClr val="dk1"/>
+    </cs:fontRef>
+    <cs:spPr>
+      <a:solidFill>
+        <a:schemeClr val="lt1"/>
+      </a:solidFill>
+      <a:ln w="9525">
+        <a:solidFill>
+          <a:schemeClr val="tx1">
+            <a:lumMod val="15000"/>
+            <a:lumOff val="85000"/>
+          </a:schemeClr>
+        </a:solidFill>
+      </a:ln>
+    </cs:spPr>
+  </cs:upBar>
+  <cs:valueAxis>
+    <cs:lnRef idx="0"/>
+    <cs:fillRef idx="0"/>
+    <cs:effectRef idx="0"/>
+    <cs:fontRef idx="minor">
+      <a:schemeClr val="tx1">
+        <a:lumMod val="65000"/>
+        <a:lumOff val="35000"/>
+      </a:schemeClr>
+    </cs:fontRef>
+    <cs:defRPr sz="900" kern="1200"/>
+  </cs:valueAxis>
+  <cs:wall>
+    <cs:lnRef idx="0"/>
+    <cs:fillRef idx="0"/>
+    <cs:effectRef idx="0"/>
+    <cs:fontRef idx="minor">
+      <a:schemeClr val="tx1"/>
+    </cs:fontRef>
+    <cs:spPr>
+      <a:noFill/>
+      <a:ln>
+        <a:noFill/>
+      </a:ln>
+    </cs:spPr>
+  </cs:wall>
+</cs:chartStyle>
+</file>
+
+<file path=ppt/charts/style5.xml><?xml version="1.0" encoding="utf-8"?>
+<cs:chartStyle xmlns:cs="http://schemas.microsoft.com/office/drawing/2012/chartStyle" xmlns:a="http://schemas.openxmlformats.org/drawingml/2006/main" id="332">
+  <cs:axisTitle>
+    <cs:lnRef idx="0"/>
+    <cs:fillRef idx="0"/>
+    <cs:effectRef idx="0"/>
+    <cs:fontRef idx="minor">
+      <a:schemeClr val="tx1">
+        <a:lumMod val="65000"/>
+        <a:lumOff val="35000"/>
+      </a:schemeClr>
+    </cs:fontRef>
+    <cs:defRPr sz="1000" kern="1200"/>
+  </cs:axisTitle>
+  <cs:categoryAxis>
+    <cs:lnRef idx="0"/>
+    <cs:fillRef idx="0"/>
+    <cs:effectRef idx="0"/>
+    <cs:fontRef idx="minor">
+      <a:schemeClr val="tx1">
+        <a:lumMod val="65000"/>
+        <a:lumOff val="35000"/>
+      </a:schemeClr>
+    </cs:fontRef>
+    <cs:spPr>
+      <a:ln w="9525" cap="flat" cmpd="sng" algn="ctr">
+        <a:solidFill>
+          <a:schemeClr val="tx1">
+            <a:lumMod val="15000"/>
+            <a:lumOff val="85000"/>
+          </a:schemeClr>
+        </a:solidFill>
+        <a:round/>
+      </a:ln>
+    </cs:spPr>
+    <cs:defRPr sz="900" kern="1200"/>
+  </cs:categoryAxis>
+  <cs:chartArea mods="allowNoFillOverride allowNoLineOverride">
+    <cs:lnRef idx="0"/>
+    <cs:fillRef idx="0"/>
+    <cs:effectRef idx="0"/>
+    <cs:fontRef idx="minor">
+      <a:schemeClr val="tx1"/>
+    </cs:fontRef>
+    <cs:spPr>
+      <a:solidFill>
+        <a:schemeClr val="bg1"/>
+      </a:solidFill>
+      <a:ln w="9525" cap="flat" cmpd="sng" algn="ctr">
+        <a:solidFill>
+          <a:schemeClr val="tx1">
+            <a:lumMod val="15000"/>
+            <a:lumOff val="85000"/>
+          </a:schemeClr>
+        </a:solidFill>
+        <a:round/>
+      </a:ln>
+    </cs:spPr>
+    <cs:defRPr sz="1000" kern="1200"/>
+  </cs:chartArea>
+  <cs:dataLabel>
+    <cs:lnRef idx="0"/>
+    <cs:fillRef idx="0"/>
+    <cs:effectRef idx="0"/>
+    <cs:fontRef idx="minor">
+      <a:schemeClr val="tx1">
+        <a:lumMod val="75000"/>
+        <a:lumOff val="25000"/>
+      </a:schemeClr>
+    </cs:fontRef>
+    <cs:defRPr sz="900" kern="1200"/>
+  </cs:dataLabel>
+  <cs:dataLabelCallout>
+    <cs:lnRef idx="0"/>
+    <cs:fillRef idx="0"/>
+    <cs:effectRef idx="0"/>
+    <cs:fontRef idx="minor">
+      <a:schemeClr val="dk1">
+        <a:lumMod val="65000"/>
+        <a:lumOff val="35000"/>
+      </a:schemeClr>
+    </cs:fontRef>
+    <cs:spPr>
+      <a:solidFill>
+        <a:schemeClr val="lt1"/>
+      </a:solidFill>
+      <a:ln>
+        <a:solidFill>
+          <a:schemeClr val="dk1">
+            <a:lumMod val="25000"/>
+            <a:lumOff val="75000"/>
+          </a:schemeClr>
+        </a:solidFill>
+      </a:ln>
+    </cs:spPr>
+    <cs:defRPr sz="900" kern="1200"/>
+    <cs:bodyPr rot="0" spcFirstLastPara="1" vertOverflow="clip" horzOverflow="clip" vert="horz" wrap="square" lIns="36576" tIns="18288" rIns="36576" bIns="18288" anchor="ctr" anchorCtr="1">
+      <a:spAutoFit/>
+    </cs:bodyPr>
+  </cs:dataLabelCallout>
+  <cs:dataPoint>
+    <cs:lnRef idx="0"/>
+    <cs:fillRef idx="1">
+      <cs:styleClr val="auto"/>
+    </cs:fillRef>
+    <cs:effectRef idx="0"/>
+    <cs:fontRef idx="minor">
+      <a:schemeClr val="tx1"/>
+    </cs:fontRef>
+  </cs:dataPoint>
+  <cs:dataPoint3D>
+    <cs:lnRef idx="0"/>
+    <cs:fillRef idx="1">
+      <cs:styleClr val="auto"/>
+    </cs:fillRef>
+    <cs:effectRef idx="0"/>
+    <cs:fontRef idx="minor">
+      <a:schemeClr val="tx1"/>
+    </cs:fontRef>
+  </cs:dataPoint3D>
+  <cs:dataPointLine>
+    <cs:lnRef idx="0">
+      <cs:styleClr val="auto"/>
+    </cs:lnRef>
+    <cs:fillRef idx="1"/>
+    <cs:effectRef idx="0"/>
+    <cs:fontRef idx="minor">
+      <a:schemeClr val="tx1"/>
+    </cs:fontRef>
+    <cs:spPr>
+      <a:ln w="28575" cap="rnd">
+        <a:solidFill>
+          <a:schemeClr val="phClr"/>
+        </a:solidFill>
+        <a:round/>
+      </a:ln>
+    </cs:spPr>
+  </cs:dataPointLine>
+  <cs:dataPointMarker>
+    <cs:lnRef idx="0">
+      <cs:styleClr val="auto"/>
+    </cs:lnRef>
+    <cs:fillRef idx="1">
+      <cs:styleClr val="auto"/>
+    </cs:fillRef>
+    <cs:effectRef idx="0"/>
+    <cs:fontRef idx="minor">
+      <a:schemeClr val="tx1"/>
+    </cs:fontRef>
+    <cs:spPr>
+      <a:ln w="9525">
+        <a:solidFill>
+          <a:schemeClr val="phClr"/>
+        </a:solidFill>
+      </a:ln>
+    </cs:spPr>
+  </cs:dataPointMarker>
+  <cs:dataPointMarkerLayout symbol="circle" size="5"/>
+  <cs:dataPointWireframe>
+    <cs:lnRef idx="0">
+      <cs:styleClr val="auto"/>
+    </cs:lnRef>
+    <cs:fillRef idx="1"/>
+    <cs:effectRef idx="0"/>
+    <cs:fontRef idx="minor">
+      <a:schemeClr val="tx1"/>
+    </cs:fontRef>
+    <cs:spPr>
+      <a:ln w="9525" cap="rnd">
+        <a:solidFill>
+          <a:schemeClr val="phClr"/>
+        </a:solidFill>
+        <a:round/>
+      </a:ln>
+    </cs:spPr>
+  </cs:dataPointWireframe>
+  <cs:dataTable>
+    <cs:lnRef idx="0"/>
+    <cs:fillRef idx="0"/>
+    <cs:effectRef idx="0"/>
+    <cs:fontRef idx="minor">
+      <a:schemeClr val="tx1">
+        <a:lumMod val="65000"/>
+        <a:lumOff val="35000"/>
+      </a:schemeClr>
+    </cs:fontRef>
+    <cs:spPr>
+      <a:noFill/>
+      <a:ln w="9525" cap="flat" cmpd="sng" algn="ctr">
+        <a:solidFill>
+          <a:schemeClr val="tx1">
+            <a:lumMod val="15000"/>
+            <a:lumOff val="85000"/>
+          </a:schemeClr>
+        </a:solidFill>
+        <a:round/>
+      </a:ln>
+    </cs:spPr>
+    <cs:defRPr sz="900" kern="1200"/>
+  </cs:dataTable>
+  <cs:downBar>
+    <cs:lnRef idx="0"/>
+    <cs:fillRef idx="0"/>
+    <cs:effectRef idx="0"/>
+    <cs:fontRef idx="minor">
+      <a:schemeClr val="dk1"/>
+    </cs:fontRef>
+    <cs:spPr>
+      <a:solidFill>
+        <a:schemeClr val="dk1">
+          <a:lumMod val="65000"/>
+          <a:lumOff val="35000"/>
+        </a:schemeClr>
+      </a:solidFill>
+      <a:ln w="9525">
+        <a:solidFill>
+          <a:schemeClr val="tx1">
+            <a:lumMod val="65000"/>
+            <a:lumOff val="35000"/>
+          </a:schemeClr>
+        </a:solidFill>
+      </a:ln>
+    </cs:spPr>
+  </cs:downBar>
+  <cs:dropLine>
+    <cs:lnRef idx="0"/>
+    <cs:fillRef idx="0"/>
+    <cs:effectRef idx="0"/>
+    <cs:fontRef idx="minor">
+      <a:schemeClr val="tx1"/>
+    </cs:fontRef>
+    <cs:spPr>
+      <a:ln w="9525" cap="flat" cmpd="sng" algn="ctr">
+        <a:solidFill>
+          <a:schemeClr val="tx1">
+            <a:lumMod val="35000"/>
+            <a:lumOff val="65000"/>
+          </a:schemeClr>
+        </a:solidFill>
+        <a:round/>
+      </a:ln>
+    </cs:spPr>
+  </cs:dropLine>
+  <cs:errorBar>
+    <cs:lnRef idx="0"/>
+    <cs:fillRef idx="0"/>
+    <cs:effectRef idx="0"/>
+    <cs:fontRef idx="minor">
+      <a:schemeClr val="tx1"/>
+    </cs:fontRef>
+    <cs:spPr>
+      <a:ln w="9525" cap="flat" cmpd="sng" algn="ctr">
+        <a:solidFill>
+          <a:schemeClr val="tx1">
+            <a:lumMod val="65000"/>
+            <a:lumOff val="35000"/>
+          </a:schemeClr>
+        </a:solidFill>
+        <a:round/>
+      </a:ln>
+    </cs:spPr>
+  </cs:errorBar>
+  <cs:floor>
+    <cs:lnRef idx="0"/>
+    <cs:fillRef idx="0"/>
+    <cs:effectRef idx="0"/>
+    <cs:fontRef idx="minor">
+      <a:schemeClr val="tx1"/>
+    </cs:fontRef>
+    <cs:spPr>
+      <a:noFill/>
+      <a:ln>
+        <a:noFill/>
+      </a:ln>
+    </cs:spPr>
+  </cs:floor>
+  <cs:gridlineMajor>
+    <cs:lnRef idx="0"/>
+    <cs:fillRef idx="0"/>
+    <cs:effectRef idx="0"/>
+    <cs:fontRef idx="minor">
+      <a:schemeClr val="tx1"/>
+    </cs:fontRef>
+    <cs:spPr>
+      <a:ln w="9525" cap="flat" cmpd="sng" algn="ctr">
+        <a:solidFill>
+          <a:schemeClr val="tx1">
+            <a:lumMod val="15000"/>
+            <a:lumOff val="85000"/>
+          </a:schemeClr>
+        </a:solidFill>
+        <a:round/>
+      </a:ln>
+    </cs:spPr>
+  </cs:gridlineMajor>
+  <cs:gridlineMinor>
+    <cs:lnRef idx="0"/>
+    <cs:fillRef idx="0"/>
+    <cs:effectRef idx="0"/>
+    <cs:fontRef idx="minor">
+      <a:schemeClr val="tx1"/>
+    </cs:fontRef>
+    <cs:spPr>
+      <a:ln w="9525" cap="flat" cmpd="sng" algn="ctr">
+        <a:solidFill>
+          <a:schemeClr val="tx1">
+            <a:lumMod val="5000"/>
+            <a:lumOff val="95000"/>
+          </a:schemeClr>
+        </a:solidFill>
+        <a:round/>
+      </a:ln>
+    </cs:spPr>
+  </cs:gridlineMinor>
+  <cs:hiLoLine>
+    <cs:lnRef idx="0"/>
+    <cs:fillRef idx="0"/>
+    <cs:effectRef idx="0"/>
+    <cs:fontRef idx="minor">
+      <a:schemeClr val="tx1"/>
+    </cs:fontRef>
+    <cs:spPr>
+      <a:ln w="9525" cap="flat" cmpd="sng" algn="ctr">
+        <a:solidFill>
+          <a:schemeClr val="tx1">
+            <a:lumMod val="75000"/>
+            <a:lumOff val="25000"/>
+          </a:schemeClr>
+        </a:solidFill>
+        <a:round/>
+      </a:ln>
+    </cs:spPr>
+  </cs:hiLoLine>
+  <cs:leaderLine>
+    <cs:lnRef idx="0"/>
+    <cs:fillRef idx="0"/>
+    <cs:effectRef idx="0"/>
+    <cs:fontRef idx="minor">
+      <a:schemeClr val="tx1"/>
+    </cs:fontRef>
+    <cs:spPr>
+      <a:ln w="9525" cap="flat" cmpd="sng" algn="ctr">
+        <a:solidFill>
+          <a:schemeClr val="tx1">
+            <a:lumMod val="35000"/>
+            <a:lumOff val="65000"/>
+          </a:schemeClr>
+        </a:solidFill>
+        <a:round/>
+      </a:ln>
+    </cs:spPr>
+  </cs:leaderLine>
+  <cs:legend>
+    <cs:lnRef idx="0"/>
+    <cs:fillRef idx="0"/>
+    <cs:effectRef idx="0"/>
+    <cs:fontRef idx="minor">
+      <a:schemeClr val="tx1">
+        <a:lumMod val="65000"/>
+        <a:lumOff val="35000"/>
+      </a:schemeClr>
+    </cs:fontRef>
+    <cs:defRPr sz="900" kern="1200"/>
+  </cs:legend>
+  <cs:plotArea mods="allowNoFillOverride allowNoLineOverride">
+    <cs:lnRef idx="0"/>
+    <cs:fillRef idx="0"/>
+    <cs:effectRef idx="0"/>
+    <cs:fontRef idx="minor">
+      <a:schemeClr val="tx1"/>
+    </cs:fontRef>
+  </cs:plotArea>
+  <cs:plotArea3D mods="allowNoFillOverride allowNoLineOverride">
+    <cs:lnRef idx="0"/>
+    <cs:fillRef idx="0"/>
+    <cs:effectRef idx="0"/>
+    <cs:fontRef idx="minor">
+      <a:schemeClr val="tx1"/>
+    </cs:fontRef>
+  </cs:plotArea3D>
+  <cs:seriesAxis>
+    <cs:lnRef idx="0"/>
+    <cs:fillRef idx="0"/>
+    <cs:effectRef idx="0"/>
+    <cs:fontRef idx="minor">
+      <a:schemeClr val="tx1">
+        <a:lumMod val="65000"/>
+        <a:lumOff val="35000"/>
+      </a:schemeClr>
+    </cs:fontRef>
+    <cs:defRPr sz="900" kern="1200"/>
+  </cs:seriesAxis>
+  <cs:seriesLine>
+    <cs:lnRef idx="0"/>
+    <cs:fillRef idx="0"/>
+    <cs:effectRef idx="0"/>
+    <cs:fontRef idx="minor">
+      <a:schemeClr val="tx1"/>
+    </cs:fontRef>
+    <cs:spPr>
+      <a:ln w="9525" cap="flat" cmpd="sng" algn="ctr">
+        <a:solidFill>
+          <a:schemeClr val="tx1">
+            <a:lumMod val="35000"/>
+            <a:lumOff val="65000"/>
+          </a:schemeClr>
+        </a:solidFill>
+        <a:round/>
+      </a:ln>
+    </cs:spPr>
+  </cs:seriesLine>
+  <cs:title>
+    <cs:lnRef idx="0"/>
+    <cs:fillRef idx="0"/>
+    <cs:effectRef idx="0"/>
+    <cs:fontRef idx="minor">
+      <a:schemeClr val="tx1">
+        <a:lumMod val="65000"/>
+        <a:lumOff val="35000"/>
+      </a:schemeClr>
+    </cs:fontRef>
+    <cs:defRPr sz="1400" b="0" kern="1200" spc="0" baseline="0"/>
+  </cs:title>
+  <cs:trendline>
+    <cs:lnRef idx="0">
+      <cs:styleClr val="auto"/>
+    </cs:lnRef>
+    <cs:fillRef idx="0"/>
+    <cs:effectRef idx="0"/>
+    <cs:fontRef idx="minor">
+      <a:schemeClr val="tx1"/>
+    </cs:fontRef>
+    <cs:spPr>
+      <a:ln w="19050" cap="rnd">
+        <a:solidFill>
+          <a:schemeClr val="phClr"/>
+        </a:solidFill>
+        <a:prstDash val="sysDot"/>
+      </a:ln>
+    </cs:spPr>
+  </cs:trendline>
+  <cs:trendlineLabel>
+    <cs:lnRef idx="0"/>
+    <cs:fillRef idx="0"/>
+    <cs:effectRef idx="0"/>
+    <cs:fontRef idx="minor">
+      <a:schemeClr val="tx1">
+        <a:lumMod val="65000"/>
+        <a:lumOff val="35000"/>
+      </a:schemeClr>
+    </cs:fontRef>
+    <cs:defRPr sz="900" kern="1200"/>
+  </cs:trendlineLabel>
+  <cs:upBar>
+    <cs:lnRef idx="0"/>
+    <cs:fillRef idx="0"/>
+    <cs:effectRef idx="0"/>
+    <cs:fontRef idx="minor">
+      <a:schemeClr val="dk1"/>
+    </cs:fontRef>
+    <cs:spPr>
+      <a:solidFill>
+        <a:schemeClr val="lt1"/>
+      </a:solidFill>
+      <a:ln w="9525">
+        <a:solidFill>
+          <a:schemeClr val="tx1">
+            <a:lumMod val="15000"/>
+            <a:lumOff val="85000"/>
+          </a:schemeClr>
+        </a:solidFill>
+      </a:ln>
+    </cs:spPr>
+  </cs:upBar>
+  <cs:valueAxis>
+    <cs:lnRef idx="0"/>
+    <cs:fillRef idx="0"/>
+    <cs:effectRef idx="0"/>
+    <cs:fontRef idx="minor">
+      <a:schemeClr val="tx1">
+        <a:lumMod val="65000"/>
+        <a:lumOff val="35000"/>
+      </a:schemeClr>
+    </cs:fontRef>
+    <cs:defRPr sz="900" kern="1200"/>
+  </cs:valueAxis>
+  <cs:wall>
+    <cs:lnRef idx="0"/>
+    <cs:fillRef idx="0"/>
+    <cs:effectRef idx="0"/>
+    <cs:fontRef idx="minor">
+      <a:schemeClr val="tx1"/>
+    </cs:fontRef>
+    <cs:spPr>
+      <a:noFill/>
+      <a:ln>
+        <a:noFill/>
+      </a:ln>
+    </cs:spPr>
+  </cs:wall>
+</cs:chartStyle>
+</file>
+
+<file path=ppt/charts/style6.xml><?xml version="1.0" encoding="utf-8"?>
+<cs:chartStyle xmlns:cs="http://schemas.microsoft.com/office/drawing/2012/chartStyle" xmlns:a="http://schemas.openxmlformats.org/drawingml/2006/main" id="332">
+  <cs:axisTitle>
+    <cs:lnRef idx="0"/>
+    <cs:fillRef idx="0"/>
+    <cs:effectRef idx="0"/>
+    <cs:fontRef idx="minor">
+      <a:schemeClr val="tx1">
+        <a:lumMod val="65000"/>
+        <a:lumOff val="35000"/>
+      </a:schemeClr>
+    </cs:fontRef>
+    <cs:defRPr sz="1000" kern="1200"/>
+  </cs:axisTitle>
+  <cs:categoryAxis>
+    <cs:lnRef idx="0"/>
+    <cs:fillRef idx="0"/>
+    <cs:effectRef idx="0"/>
+    <cs:fontRef idx="minor">
+      <a:schemeClr val="tx1">
+        <a:lumMod val="65000"/>
+        <a:lumOff val="35000"/>
+      </a:schemeClr>
+    </cs:fontRef>
+    <cs:spPr>
+      <a:ln w="9525" cap="flat" cmpd="sng" algn="ctr">
+        <a:solidFill>
+          <a:schemeClr val="tx1">
+            <a:lumMod val="15000"/>
+            <a:lumOff val="85000"/>
+          </a:schemeClr>
+        </a:solidFill>
+        <a:round/>
+      </a:ln>
+    </cs:spPr>
+    <cs:defRPr sz="900" kern="1200"/>
+  </cs:categoryAxis>
+  <cs:chartArea mods="allowNoFillOverride allowNoLineOverride">
+    <cs:lnRef idx="0"/>
+    <cs:fillRef idx="0"/>
+    <cs:effectRef idx="0"/>
+    <cs:fontRef idx="minor">
+      <a:schemeClr val="tx1"/>
+    </cs:fontRef>
+    <cs:spPr>
+      <a:solidFill>
+        <a:schemeClr val="bg1"/>
+      </a:solidFill>
+      <a:ln w="9525" cap="flat" cmpd="sng" algn="ctr">
+        <a:solidFill>
+          <a:schemeClr val="tx1">
+            <a:lumMod val="15000"/>
+            <a:lumOff val="85000"/>
+          </a:schemeClr>
+        </a:solidFill>
+        <a:round/>
+      </a:ln>
+    </cs:spPr>
+    <cs:defRPr sz="1000" kern="1200"/>
+  </cs:chartArea>
+  <cs:dataLabel>
+    <cs:lnRef idx="0"/>
+    <cs:fillRef idx="0"/>
+    <cs:effectRef idx="0"/>
+    <cs:fontRef idx="minor">
+      <a:schemeClr val="tx1">
+        <a:lumMod val="75000"/>
+        <a:lumOff val="25000"/>
+      </a:schemeClr>
+    </cs:fontRef>
+    <cs:defRPr sz="900" kern="1200"/>
+  </cs:dataLabel>
+  <cs:dataLabelCallout>
+    <cs:lnRef idx="0"/>
+    <cs:fillRef idx="0"/>
+    <cs:effectRef idx="0"/>
+    <cs:fontRef idx="minor">
+      <a:schemeClr val="dk1">
+        <a:lumMod val="65000"/>
+        <a:lumOff val="35000"/>
+      </a:schemeClr>
+    </cs:fontRef>
+    <cs:spPr>
+      <a:solidFill>
+        <a:schemeClr val="lt1"/>
+      </a:solidFill>
+      <a:ln>
+        <a:solidFill>
+          <a:schemeClr val="dk1">
+            <a:lumMod val="25000"/>
+            <a:lumOff val="75000"/>
+          </a:schemeClr>
+        </a:solidFill>
+      </a:ln>
+    </cs:spPr>
+    <cs:defRPr sz="900" kern="1200"/>
+    <cs:bodyPr rot="0" spcFirstLastPara="1" vertOverflow="clip" horzOverflow="clip" vert="horz" wrap="square" lIns="36576" tIns="18288" rIns="36576" bIns="18288" anchor="ctr" anchorCtr="1">
+      <a:spAutoFit/>
+    </cs:bodyPr>
+  </cs:dataLabelCallout>
+  <cs:dataPoint>
+    <cs:lnRef idx="0"/>
+    <cs:fillRef idx="1">
+      <cs:styleClr val="auto"/>
+    </cs:fillRef>
+    <cs:effectRef idx="0"/>
+    <cs:fontRef idx="minor">
+      <a:schemeClr val="tx1"/>
+    </cs:fontRef>
+  </cs:dataPoint>
+  <cs:dataPoint3D>
+    <cs:lnRef idx="0"/>
+    <cs:fillRef idx="1">
+      <cs:styleClr val="auto"/>
+    </cs:fillRef>
+    <cs:effectRef idx="0"/>
+    <cs:fontRef idx="minor">
+      <a:schemeClr val="tx1"/>
+    </cs:fontRef>
+  </cs:dataPoint3D>
+  <cs:dataPointLine>
+    <cs:lnRef idx="0">
+      <cs:styleClr val="auto"/>
+    </cs:lnRef>
+    <cs:fillRef idx="1"/>
+    <cs:effectRef idx="0"/>
+    <cs:fontRef idx="minor">
+      <a:schemeClr val="tx1"/>
+    </cs:fontRef>
+    <cs:spPr>
+      <a:ln w="28575" cap="rnd">
+        <a:solidFill>
+          <a:schemeClr val="phClr"/>
+        </a:solidFill>
+        <a:round/>
+      </a:ln>
+    </cs:spPr>
+  </cs:dataPointLine>
+  <cs:dataPointMarker>
+    <cs:lnRef idx="0">
+      <cs:styleClr val="auto"/>
+    </cs:lnRef>
+    <cs:fillRef idx="1">
+      <cs:styleClr val="auto"/>
+    </cs:fillRef>
+    <cs:effectRef idx="0"/>
+    <cs:fontRef idx="minor">
+      <a:schemeClr val="tx1"/>
+    </cs:fontRef>
+    <cs:spPr>
+      <a:ln w="9525">
+        <a:solidFill>
+          <a:schemeClr val="phClr"/>
+        </a:solidFill>
+      </a:ln>
+    </cs:spPr>
+  </cs:dataPointMarker>
+  <cs:dataPointMarkerLayout symbol="circle" size="5"/>
+  <cs:dataPointWireframe>
+    <cs:lnRef idx="0">
+      <cs:styleClr val="auto"/>
+    </cs:lnRef>
+    <cs:fillRef idx="1"/>
+    <cs:effectRef idx="0"/>
+    <cs:fontRef idx="minor">
+      <a:schemeClr val="tx1"/>
+    </cs:fontRef>
+    <cs:spPr>
+      <a:ln w="9525" cap="rnd">
+        <a:solidFill>
+          <a:schemeClr val="phClr"/>
+        </a:solidFill>
+        <a:round/>
+      </a:ln>
+    </cs:spPr>
+  </cs:dataPointWireframe>
+  <cs:dataTable>
+    <cs:lnRef idx="0"/>
+    <cs:fillRef idx="0"/>
+    <cs:effectRef idx="0"/>
+    <cs:fontRef idx="minor">
+      <a:schemeClr val="tx1">
+        <a:lumMod val="65000"/>
+        <a:lumOff val="35000"/>
+      </a:schemeClr>
+    </cs:fontRef>
+    <cs:spPr>
+      <a:noFill/>
+      <a:ln w="9525" cap="flat" cmpd="sng" algn="ctr">
+        <a:solidFill>
+          <a:schemeClr val="tx1">
+            <a:lumMod val="15000"/>
+            <a:lumOff val="85000"/>
+          </a:schemeClr>
+        </a:solidFill>
+        <a:round/>
+      </a:ln>
+    </cs:spPr>
+    <cs:defRPr sz="900" kern="1200"/>
+  </cs:dataTable>
+  <cs:downBar>
+    <cs:lnRef idx="0"/>
+    <cs:fillRef idx="0"/>
+    <cs:effectRef idx="0"/>
+    <cs:fontRef idx="minor">
+      <a:schemeClr val="dk1"/>
+    </cs:fontRef>
+    <cs:spPr>
+      <a:solidFill>
+        <a:schemeClr val="dk1">
+          <a:lumMod val="65000"/>
+          <a:lumOff val="35000"/>
+        </a:schemeClr>
+      </a:solidFill>
+      <a:ln w="9525">
+        <a:solidFill>
+          <a:schemeClr val="tx1">
+            <a:lumMod val="65000"/>
+            <a:lumOff val="35000"/>
+          </a:schemeClr>
+        </a:solidFill>
+      </a:ln>
+    </cs:spPr>
+  </cs:downBar>
+  <cs:dropLine>
+    <cs:lnRef idx="0"/>
+    <cs:fillRef idx="0"/>
+    <cs:effectRef idx="0"/>
+    <cs:fontRef idx="minor">
+      <a:schemeClr val="tx1"/>
+    </cs:fontRef>
+    <cs:spPr>
+      <a:ln w="9525" cap="flat" cmpd="sng" algn="ctr">
+        <a:solidFill>
+          <a:schemeClr val="tx1">
+            <a:lumMod val="35000"/>
+            <a:lumOff val="65000"/>
+          </a:schemeClr>
+        </a:solidFill>
+        <a:round/>
+      </a:ln>
+    </cs:spPr>
+  </cs:dropLine>
+  <cs:errorBar>
+    <cs:lnRef idx="0"/>
+    <cs:fillRef idx="0"/>
+    <cs:effectRef idx="0"/>
+    <cs:fontRef idx="minor">
+      <a:schemeClr val="tx1"/>
+    </cs:fontRef>
+    <cs:spPr>
+      <a:ln w="9525" cap="flat" cmpd="sng" algn="ctr">
+        <a:solidFill>
+          <a:schemeClr val="tx1">
+            <a:lumMod val="65000"/>
+            <a:lumOff val="35000"/>
+          </a:schemeClr>
+        </a:solidFill>
+        <a:round/>
+      </a:ln>
+    </cs:spPr>
+  </cs:errorBar>
+  <cs:floor>
+    <cs:lnRef idx="0"/>
+    <cs:fillRef idx="0"/>
+    <cs:effectRef idx="0"/>
+    <cs:fontRef idx="minor">
+      <a:schemeClr val="tx1"/>
+    </cs:fontRef>
+    <cs:spPr>
+      <a:noFill/>
+      <a:ln>
+        <a:noFill/>
+      </a:ln>
+    </cs:spPr>
+  </cs:floor>
+  <cs:gridlineMajor>
+    <cs:lnRef idx="0"/>
+    <cs:fillRef idx="0"/>
+    <cs:effectRef idx="0"/>
+    <cs:fontRef idx="minor">
+      <a:schemeClr val="tx1"/>
+    </cs:fontRef>
+    <cs:spPr>
+      <a:ln w="9525" cap="flat" cmpd="sng" algn="ctr">
+        <a:solidFill>
+          <a:schemeClr val="tx1">
+            <a:lumMod val="15000"/>
+            <a:lumOff val="85000"/>
+          </a:schemeClr>
+        </a:solidFill>
+        <a:round/>
+      </a:ln>
+    </cs:spPr>
+  </cs:gridlineMajor>
+  <cs:gridlineMinor>
+    <cs:lnRef idx="0"/>
+    <cs:fillRef idx="0"/>
+    <cs:effectRef idx="0"/>
+    <cs:fontRef idx="minor">
+      <a:schemeClr val="tx1"/>
+    </cs:fontRef>
+    <cs:spPr>
+      <a:ln w="9525" cap="flat" cmpd="sng" algn="ctr">
+        <a:solidFill>
+          <a:schemeClr val="tx1">
+            <a:lumMod val="5000"/>
+            <a:lumOff val="95000"/>
+          </a:schemeClr>
+        </a:solidFill>
+        <a:round/>
+      </a:ln>
+    </cs:spPr>
+  </cs:gridlineMinor>
+  <cs:hiLoLine>
+    <cs:lnRef idx="0"/>
+    <cs:fillRef idx="0"/>
+    <cs:effectRef idx="0"/>
+    <cs:fontRef idx="minor">
+      <a:schemeClr val="tx1"/>
+    </cs:fontRef>
+    <cs:spPr>
+      <a:ln w="9525" cap="flat" cmpd="sng" algn="ctr">
+        <a:solidFill>
+          <a:schemeClr val="tx1">
+            <a:lumMod val="75000"/>
+            <a:lumOff val="25000"/>
+          </a:schemeClr>
+        </a:solidFill>
+        <a:round/>
+      </a:ln>
+    </cs:spPr>
+  </cs:hiLoLine>
+  <cs:leaderLine>
+    <cs:lnRef idx="0"/>
+    <cs:fillRef idx="0"/>
+    <cs:effectRef idx="0"/>
+    <cs:fontRef idx="minor">
+      <a:schemeClr val="tx1"/>
+    </cs:fontRef>
+    <cs:spPr>
+      <a:ln w="9525" cap="flat" cmpd="sng" algn="ctr">
+        <a:solidFill>
+          <a:schemeClr val="tx1">
+            <a:lumMod val="35000"/>
+            <a:lumOff val="65000"/>
+          </a:schemeClr>
+        </a:solidFill>
+        <a:round/>
+      </a:ln>
+    </cs:spPr>
+  </cs:leaderLine>
+  <cs:legend>
+    <cs:lnRef idx="0"/>
+    <cs:fillRef idx="0"/>
+    <cs:effectRef idx="0"/>
+    <cs:fontRef idx="minor">
+      <a:schemeClr val="tx1">
+        <a:lumMod val="65000"/>
+        <a:lumOff val="35000"/>
+      </a:schemeClr>
+    </cs:fontRef>
+    <cs:defRPr sz="900" kern="1200"/>
+  </cs:legend>
+  <cs:plotArea mods="allowNoFillOverride allowNoLineOverride">
+    <cs:lnRef idx="0"/>
+    <cs:fillRef idx="0"/>
+    <cs:effectRef idx="0"/>
+    <cs:fontRef idx="minor">
+      <a:schemeClr val="tx1"/>
+    </cs:fontRef>
+  </cs:plotArea>
+  <cs:plotArea3D mods="allowNoFillOverride allowNoLineOverride">
+    <cs:lnRef idx="0"/>
+    <cs:fillRef idx="0"/>
+    <cs:effectRef idx="0"/>
+    <cs:fontRef idx="minor">
+      <a:schemeClr val="tx1"/>
+    </cs:fontRef>
+  </cs:plotArea3D>
+  <cs:seriesAxis>
+    <cs:lnRef idx="0"/>
+    <cs:fillRef idx="0"/>
+    <cs:effectRef idx="0"/>
+    <cs:fontRef idx="minor">
+      <a:schemeClr val="tx1">
+        <a:lumMod val="65000"/>
+        <a:lumOff val="35000"/>
+      </a:schemeClr>
+    </cs:fontRef>
+    <cs:defRPr sz="900" kern="1200"/>
+  </cs:seriesAxis>
+  <cs:seriesLine>
+    <cs:lnRef idx="0"/>
+    <cs:fillRef idx="0"/>
+    <cs:effectRef idx="0"/>
+    <cs:fontRef idx="minor">
+      <a:schemeClr val="tx1"/>
+    </cs:fontRef>
+    <cs:spPr>
+      <a:ln w="9525" cap="flat" cmpd="sng" algn="ctr">
+        <a:solidFill>
+          <a:schemeClr val="tx1">
+            <a:lumMod val="35000"/>
+            <a:lumOff val="65000"/>
+          </a:schemeClr>
+        </a:solidFill>
+        <a:round/>
+      </a:ln>
+    </cs:spPr>
+  </cs:seriesLine>
+  <cs:title>
+    <cs:lnRef idx="0"/>
+    <cs:fillRef idx="0"/>
+    <cs:effectRef idx="0"/>
+    <cs:fontRef idx="minor">
+      <a:schemeClr val="tx1">
+        <a:lumMod val="65000"/>
+        <a:lumOff val="35000"/>
+      </a:schemeClr>
+    </cs:fontRef>
+    <cs:defRPr sz="1400" b="0" kern="1200" spc="0" baseline="0"/>
+  </cs:title>
+  <cs:trendline>
+    <cs:lnRef idx="0">
+      <cs:styleClr val="auto"/>
+    </cs:lnRef>
+    <cs:fillRef idx="0"/>
+    <cs:effectRef idx="0"/>
+    <cs:fontRef idx="minor">
+      <a:schemeClr val="tx1"/>
+    </cs:fontRef>
+    <cs:spPr>
+      <a:ln w="19050" cap="rnd">
+        <a:solidFill>
+          <a:schemeClr val="phClr"/>
+        </a:solidFill>
+        <a:prstDash val="sysDot"/>
+      </a:ln>
+    </cs:spPr>
+  </cs:trendline>
+  <cs:trendlineLabel>
+    <cs:lnRef idx="0"/>
+    <cs:fillRef idx="0"/>
+    <cs:effectRef idx="0"/>
+    <cs:fontRef idx="minor">
+      <a:schemeClr val="tx1">
+        <a:lumMod val="65000"/>
+        <a:lumOff val="35000"/>
+      </a:schemeClr>
+    </cs:fontRef>
+    <cs:defRPr sz="900" kern="1200"/>
+  </cs:trendlineLabel>
+  <cs:upBar>
+    <cs:lnRef idx="0"/>
+    <cs:fillRef idx="0"/>
+    <cs:effectRef idx="0"/>
+    <cs:fontRef idx="minor">
+      <a:schemeClr val="dk1"/>
+    </cs:fontRef>
+    <cs:spPr>
+      <a:solidFill>
+        <a:schemeClr val="lt1"/>
+      </a:solidFill>
+      <a:ln w="9525">
+        <a:solidFill>
+          <a:schemeClr val="tx1">
+            <a:lumMod val="15000"/>
+            <a:lumOff val="85000"/>
+          </a:schemeClr>
+        </a:solidFill>
+      </a:ln>
+    </cs:spPr>
+  </cs:upBar>
+  <cs:valueAxis>
+    <cs:lnRef idx="0"/>
+    <cs:fillRef idx="0"/>
+    <cs:effectRef idx="0"/>
+    <cs:fontRef idx="minor">
+      <a:schemeClr val="tx1">
+        <a:lumMod val="65000"/>
+        <a:lumOff val="35000"/>
+      </a:schemeClr>
+    </cs:fontRef>
+    <cs:defRPr sz="900" kern="1200"/>
+  </cs:valueAxis>
+  <cs:wall>
+    <cs:lnRef idx="0"/>
+    <cs:fillRef idx="0"/>
+    <cs:effectRef idx="0"/>
+    <cs:fontRef idx="minor">
+      <a:schemeClr val="tx1"/>
+    </cs:fontRef>
+    <cs:spPr>
+      <a:noFill/>
+      <a:ln>
+        <a:noFill/>
+      </a:ln>
+    </cs:spPr>
+  </cs:wall>
+</cs:chartStyle>
+</file>
+
 <file path=ppt/notesMasters/notesMaster1.xml><?xml version="1.0" encoding="utf-8"?>
 <p:notesMaster xmlns:a="http://schemas.openxmlformats.org/drawingml/2006/main" xmlns:r="http://schemas.openxmlformats.org/officeDocument/2006/relationships" xmlns:p="http://schemas.openxmlformats.org/presentationml/2006/main">
   <p:cSld>
@@ -214,7 +5453,7 @@
             <a:fld id="{51294498-86A4-4FB3-B857-52C76705F4AC}" type="datetimeFigureOut">
               <a:rPr lang="es-CO" smtClean="0"/>
               <a:pPr/>
-              <a:t>20/07/2021</a:t>
+              <a:t>21/07/2021</a:t>
             </a:fld>
             <a:endParaRPr lang="es-CO"/>
           </a:p>
@@ -1142,7 +6381,7 @@
                   <a:spcPct val="0"/>
                 </a:spcAft>
               </a:pPr>
-              <a:t>6</a:t>
+              <a:t>9</a:t>
             </a:fld>
             <a:endParaRPr lang="es-CO">
               <a:cs typeface="Arial" charset="0"/>
@@ -1345,7 +6584,7 @@
             <a:fld id="{D0C34E27-73A6-4DC7-A6F8-418FCC4E1301}" type="datetimeFigureOut">
               <a:rPr lang="es-CO" smtClean="0"/>
               <a:pPr/>
-              <a:t>20/07/2021</a:t>
+              <a:t>21/07/2021</a:t>
             </a:fld>
             <a:endParaRPr lang="es-CO"/>
           </a:p>
@@ -1517,7 +6756,7 @@
             <a:fld id="{D0C34E27-73A6-4DC7-A6F8-418FCC4E1301}" type="datetimeFigureOut">
               <a:rPr lang="es-CO" smtClean="0"/>
               <a:pPr/>
-              <a:t>20/07/2021</a:t>
+              <a:t>21/07/2021</a:t>
             </a:fld>
             <a:endParaRPr lang="es-CO"/>
           </a:p>
@@ -1699,7 +6938,7 @@
             <a:fld id="{D0C34E27-73A6-4DC7-A6F8-418FCC4E1301}" type="datetimeFigureOut">
               <a:rPr lang="es-CO" smtClean="0"/>
               <a:pPr/>
-              <a:t>20/07/2021</a:t>
+              <a:t>21/07/2021</a:t>
             </a:fld>
             <a:endParaRPr lang="es-CO"/>
           </a:p>
@@ -1871,7 +7110,7 @@
             <a:fld id="{D0C34E27-73A6-4DC7-A6F8-418FCC4E1301}" type="datetimeFigureOut">
               <a:rPr lang="es-CO" smtClean="0"/>
               <a:pPr/>
-              <a:t>20/07/2021</a:t>
+              <a:t>21/07/2021</a:t>
             </a:fld>
             <a:endParaRPr lang="es-CO"/>
           </a:p>
@@ -2119,7 +7358,7 @@
             <a:fld id="{D0C34E27-73A6-4DC7-A6F8-418FCC4E1301}" type="datetimeFigureOut">
               <a:rPr lang="es-CO" smtClean="0"/>
               <a:pPr/>
-              <a:t>20/07/2021</a:t>
+              <a:t>21/07/2021</a:t>
             </a:fld>
             <a:endParaRPr lang="es-CO"/>
           </a:p>
@@ -2409,7 +7648,7 @@
             <a:fld id="{D0C34E27-73A6-4DC7-A6F8-418FCC4E1301}" type="datetimeFigureOut">
               <a:rPr lang="es-CO" smtClean="0"/>
               <a:pPr/>
-              <a:t>20/07/2021</a:t>
+              <a:t>21/07/2021</a:t>
             </a:fld>
             <a:endParaRPr lang="es-CO"/>
           </a:p>
@@ -2833,7 +8072,7 @@
             <a:fld id="{D0C34E27-73A6-4DC7-A6F8-418FCC4E1301}" type="datetimeFigureOut">
               <a:rPr lang="es-CO" smtClean="0"/>
               <a:pPr/>
-              <a:t>20/07/2021</a:t>
+              <a:t>21/07/2021</a:t>
             </a:fld>
             <a:endParaRPr lang="es-CO"/>
           </a:p>
@@ -2953,7 +8192,7 @@
             <a:fld id="{D0C34E27-73A6-4DC7-A6F8-418FCC4E1301}" type="datetimeFigureOut">
               <a:rPr lang="es-CO" smtClean="0"/>
               <a:pPr/>
-              <a:t>20/07/2021</a:t>
+              <a:t>21/07/2021</a:t>
             </a:fld>
             <a:endParaRPr lang="es-CO"/>
           </a:p>
@@ -3050,7 +8289,7 @@
             <a:fld id="{D0C34E27-73A6-4DC7-A6F8-418FCC4E1301}" type="datetimeFigureOut">
               <a:rPr lang="es-CO" smtClean="0"/>
               <a:pPr/>
-              <a:t>20/07/2021</a:t>
+              <a:t>21/07/2021</a:t>
             </a:fld>
             <a:endParaRPr lang="es-CO"/>
           </a:p>
@@ -3329,7 +8568,7 @@
             <a:fld id="{D0C34E27-73A6-4DC7-A6F8-418FCC4E1301}" type="datetimeFigureOut">
               <a:rPr lang="es-CO" smtClean="0"/>
               <a:pPr/>
-              <a:t>20/07/2021</a:t>
+              <a:t>21/07/2021</a:t>
             </a:fld>
             <a:endParaRPr lang="es-CO"/>
           </a:p>
@@ -3584,7 +8823,7 @@
             <a:fld id="{D0C34E27-73A6-4DC7-A6F8-418FCC4E1301}" type="datetimeFigureOut">
               <a:rPr lang="es-CO" smtClean="0"/>
               <a:pPr/>
-              <a:t>20/07/2021</a:t>
+              <a:t>21/07/2021</a:t>
             </a:fld>
             <a:endParaRPr lang="es-CO"/>
           </a:p>
@@ -3799,7 +9038,7 @@
             <a:fld id="{D0C34E27-73A6-4DC7-A6F8-418FCC4E1301}" type="datetimeFigureOut">
               <a:rPr lang="es-CO" smtClean="0"/>
               <a:pPr/>
-              <a:t>20/07/2021</a:t>
+              <a:t>21/07/2021</a:t>
             </a:fld>
             <a:endParaRPr lang="es-CO"/>
           </a:p>
@@ -5289,7 +10528,7 @@
         </p:nvSpPr>
         <p:spPr bwMode="auto">
           <a:xfrm>
-            <a:off x="677737" y="1398588"/>
+            <a:off x="683568" y="1398588"/>
             <a:ext cx="7638679" cy="774700"/>
           </a:xfrm>
           <a:prstGeom prst="rect">
@@ -5309,8 +10548,10 @@
           <a:p>
             <a:pPr algn="just"/>
             <a:r>
-              <a:rPr lang="es-CO" sz="2400" b="1" dirty="0"/>
-              <a:t>Pruebas y análisis comparativo del uso de las nuevas estructuras de datos implementadas</a:t>
+              <a:rPr lang="es-MX" sz="2200" b="1" dirty="0">
+                <a:latin typeface="Albertus" pitchFamily="34" charset="0"/>
+              </a:rPr>
+              <a:t>Análisis Comparativo</a:t>
             </a:r>
             <a:endParaRPr lang="es-CO" sz="2200" b="1" dirty="0">
               <a:latin typeface="Albertus" pitchFamily="34" charset="0"/>
@@ -5348,6 +10589,581 @@
           </a:prstGeom>
         </p:spPr>
       </p:pic>
+      <p:sp>
+        <p:nvSpPr>
+          <p:cNvPr id="7" name="Marcador de contenido 2">
+            <a:extLst>
+              <a:ext uri="{FF2B5EF4-FFF2-40B4-BE49-F238E27FC236}">
+                <a16:creationId xmlns:a16="http://schemas.microsoft.com/office/drawing/2014/main" id="{2650CEB2-1BC1-4401-B3B5-282E0F34C075}"/>
+              </a:ext>
+            </a:extLst>
+          </p:cNvPr>
+          <p:cNvSpPr txBox="1">
+            <a:spLocks/>
+          </p:cNvSpPr>
+          <p:nvPr/>
+        </p:nvSpPr>
+        <p:spPr>
+          <a:xfrm>
+            <a:off x="1473442" y="2286001"/>
+            <a:ext cx="2779452" cy="689257"/>
+          </a:xfrm>
+          <a:prstGeom prst="rect">
+            <a:avLst/>
+          </a:prstGeom>
+        </p:spPr>
+        <p:txBody>
+          <a:bodyPr vert="horz" lIns="91440" tIns="45720" rIns="91440" bIns="45720" rtlCol="0">
+            <a:normAutofit/>
+          </a:bodyPr>
+          <a:lstStyle>
+            <a:lvl1pPr marL="342900" indent="-342900" algn="l" defTabSz="914400" rtl="0" eaLnBrk="1" latinLnBrk="0" hangingPunct="1">
+              <a:spcBef>
+                <a:spcPct val="20000"/>
+              </a:spcBef>
+              <a:buFont typeface="Arial" pitchFamily="34" charset="0"/>
+              <a:buChar char="•"/>
+              <a:defRPr sz="3200" kern="1200">
+                <a:solidFill>
+                  <a:schemeClr val="tx1"/>
+                </a:solidFill>
+                <a:latin typeface="+mn-lt"/>
+                <a:ea typeface="+mn-ea"/>
+                <a:cs typeface="+mn-cs"/>
+              </a:defRPr>
+            </a:lvl1pPr>
+            <a:lvl2pPr marL="742950" indent="-285750" algn="l" defTabSz="914400" rtl="0" eaLnBrk="1" latinLnBrk="0" hangingPunct="1">
+              <a:spcBef>
+                <a:spcPct val="20000"/>
+              </a:spcBef>
+              <a:buFont typeface="Arial" pitchFamily="34" charset="0"/>
+              <a:buChar char="–"/>
+              <a:defRPr sz="2800" kern="1200">
+                <a:solidFill>
+                  <a:schemeClr val="tx1"/>
+                </a:solidFill>
+                <a:latin typeface="+mn-lt"/>
+                <a:ea typeface="+mn-ea"/>
+                <a:cs typeface="+mn-cs"/>
+              </a:defRPr>
+            </a:lvl2pPr>
+            <a:lvl3pPr marL="1143000" indent="-228600" algn="l" defTabSz="914400" rtl="0" eaLnBrk="1" latinLnBrk="0" hangingPunct="1">
+              <a:spcBef>
+                <a:spcPct val="20000"/>
+              </a:spcBef>
+              <a:buFont typeface="Arial" pitchFamily="34" charset="0"/>
+              <a:buChar char="•"/>
+              <a:defRPr sz="2400" kern="1200">
+                <a:solidFill>
+                  <a:schemeClr val="tx1"/>
+                </a:solidFill>
+                <a:latin typeface="+mn-lt"/>
+                <a:ea typeface="+mn-ea"/>
+                <a:cs typeface="+mn-cs"/>
+              </a:defRPr>
+            </a:lvl3pPr>
+            <a:lvl4pPr marL="1600200" indent="-228600" algn="l" defTabSz="914400" rtl="0" eaLnBrk="1" latinLnBrk="0" hangingPunct="1">
+              <a:spcBef>
+                <a:spcPct val="20000"/>
+              </a:spcBef>
+              <a:buFont typeface="Arial" pitchFamily="34" charset="0"/>
+              <a:buChar char="–"/>
+              <a:defRPr sz="2000" kern="1200">
+                <a:solidFill>
+                  <a:schemeClr val="tx1"/>
+                </a:solidFill>
+                <a:latin typeface="+mn-lt"/>
+                <a:ea typeface="+mn-ea"/>
+                <a:cs typeface="+mn-cs"/>
+              </a:defRPr>
+            </a:lvl4pPr>
+            <a:lvl5pPr marL="2057400" indent="-228600" algn="l" defTabSz="914400" rtl="0" eaLnBrk="1" latinLnBrk="0" hangingPunct="1">
+              <a:spcBef>
+                <a:spcPct val="20000"/>
+              </a:spcBef>
+              <a:buFont typeface="Arial" pitchFamily="34" charset="0"/>
+              <a:buChar char="»"/>
+              <a:defRPr sz="2000" kern="1200">
+                <a:solidFill>
+                  <a:schemeClr val="tx1"/>
+                </a:solidFill>
+                <a:latin typeface="+mn-lt"/>
+                <a:ea typeface="+mn-ea"/>
+                <a:cs typeface="+mn-cs"/>
+              </a:defRPr>
+            </a:lvl5pPr>
+            <a:lvl6pPr marL="2514600" indent="-228600" algn="l" defTabSz="914400" rtl="0" eaLnBrk="1" latinLnBrk="0" hangingPunct="1">
+              <a:spcBef>
+                <a:spcPct val="20000"/>
+              </a:spcBef>
+              <a:buFont typeface="Arial" pitchFamily="34" charset="0"/>
+              <a:buChar char="•"/>
+              <a:defRPr sz="2000" kern="1200">
+                <a:solidFill>
+                  <a:schemeClr val="tx1"/>
+                </a:solidFill>
+                <a:latin typeface="+mn-lt"/>
+                <a:ea typeface="+mn-ea"/>
+                <a:cs typeface="+mn-cs"/>
+              </a:defRPr>
+            </a:lvl6pPr>
+            <a:lvl7pPr marL="2971800" indent="-228600" algn="l" defTabSz="914400" rtl="0" eaLnBrk="1" latinLnBrk="0" hangingPunct="1">
+              <a:spcBef>
+                <a:spcPct val="20000"/>
+              </a:spcBef>
+              <a:buFont typeface="Arial" pitchFamily="34" charset="0"/>
+              <a:buChar char="•"/>
+              <a:defRPr sz="2000" kern="1200">
+                <a:solidFill>
+                  <a:schemeClr val="tx1"/>
+                </a:solidFill>
+                <a:latin typeface="+mn-lt"/>
+                <a:ea typeface="+mn-ea"/>
+                <a:cs typeface="+mn-cs"/>
+              </a:defRPr>
+            </a:lvl7pPr>
+            <a:lvl8pPr marL="3429000" indent="-228600" algn="l" defTabSz="914400" rtl="0" eaLnBrk="1" latinLnBrk="0" hangingPunct="1">
+              <a:spcBef>
+                <a:spcPct val="20000"/>
+              </a:spcBef>
+              <a:buFont typeface="Arial" pitchFamily="34" charset="0"/>
+              <a:buChar char="•"/>
+              <a:defRPr sz="2000" kern="1200">
+                <a:solidFill>
+                  <a:schemeClr val="tx1"/>
+                </a:solidFill>
+                <a:latin typeface="+mn-lt"/>
+                <a:ea typeface="+mn-ea"/>
+                <a:cs typeface="+mn-cs"/>
+              </a:defRPr>
+            </a:lvl8pPr>
+            <a:lvl9pPr marL="3886200" indent="-228600" algn="l" defTabSz="914400" rtl="0" eaLnBrk="1" latinLnBrk="0" hangingPunct="1">
+              <a:spcBef>
+                <a:spcPct val="20000"/>
+              </a:spcBef>
+              <a:buFont typeface="Arial" pitchFamily="34" charset="0"/>
+              <a:buChar char="•"/>
+              <a:defRPr sz="2000" kern="1200">
+                <a:solidFill>
+                  <a:schemeClr val="tx1"/>
+                </a:solidFill>
+                <a:latin typeface="+mn-lt"/>
+                <a:ea typeface="+mn-ea"/>
+                <a:cs typeface="+mn-cs"/>
+              </a:defRPr>
+            </a:lvl9pPr>
+          </a:lstStyle>
+          <a:p>
+            <a:r>
+              <a:rPr lang="es-MX" sz="1800" dirty="0"/>
+              <a:t>Lineal</a:t>
+            </a:r>
+            <a:endParaRPr lang="es-CO" sz="1800" dirty="0"/>
+          </a:p>
+        </p:txBody>
+      </p:sp>
+      <p:sp>
+        <p:nvSpPr>
+          <p:cNvPr id="8" name="Marcador de contenido 2">
+            <a:extLst>
+              <a:ext uri="{FF2B5EF4-FFF2-40B4-BE49-F238E27FC236}">
+                <a16:creationId xmlns:a16="http://schemas.microsoft.com/office/drawing/2014/main" id="{3FBA1786-F03B-4215-8075-399BEC4BEDFF}"/>
+              </a:ext>
+            </a:extLst>
+          </p:cNvPr>
+          <p:cNvSpPr txBox="1">
+            <a:spLocks/>
+          </p:cNvSpPr>
+          <p:nvPr/>
+        </p:nvSpPr>
+        <p:spPr>
+          <a:xfrm>
+            <a:off x="5806432" y="2349969"/>
+            <a:ext cx="2779452" cy="689257"/>
+          </a:xfrm>
+          <a:prstGeom prst="rect">
+            <a:avLst/>
+          </a:prstGeom>
+        </p:spPr>
+        <p:txBody>
+          <a:bodyPr vert="horz" lIns="91440" tIns="45720" rIns="91440" bIns="45720" rtlCol="0">
+            <a:normAutofit/>
+          </a:bodyPr>
+          <a:lstStyle>
+            <a:lvl1pPr marL="342900" indent="-342900" algn="l" defTabSz="914400" rtl="0" eaLnBrk="1" latinLnBrk="0" hangingPunct="1">
+              <a:spcBef>
+                <a:spcPct val="20000"/>
+              </a:spcBef>
+              <a:buFont typeface="Arial" pitchFamily="34" charset="0"/>
+              <a:buChar char="•"/>
+              <a:defRPr sz="3200" kern="1200">
+                <a:solidFill>
+                  <a:schemeClr val="tx1"/>
+                </a:solidFill>
+                <a:latin typeface="+mn-lt"/>
+                <a:ea typeface="+mn-ea"/>
+                <a:cs typeface="+mn-cs"/>
+              </a:defRPr>
+            </a:lvl1pPr>
+            <a:lvl2pPr marL="742950" indent="-285750" algn="l" defTabSz="914400" rtl="0" eaLnBrk="1" latinLnBrk="0" hangingPunct="1">
+              <a:spcBef>
+                <a:spcPct val="20000"/>
+              </a:spcBef>
+              <a:buFont typeface="Arial" pitchFamily="34" charset="0"/>
+              <a:buChar char="–"/>
+              <a:defRPr sz="2800" kern="1200">
+                <a:solidFill>
+                  <a:schemeClr val="tx1"/>
+                </a:solidFill>
+                <a:latin typeface="+mn-lt"/>
+                <a:ea typeface="+mn-ea"/>
+                <a:cs typeface="+mn-cs"/>
+              </a:defRPr>
+            </a:lvl2pPr>
+            <a:lvl3pPr marL="1143000" indent="-228600" algn="l" defTabSz="914400" rtl="0" eaLnBrk="1" latinLnBrk="0" hangingPunct="1">
+              <a:spcBef>
+                <a:spcPct val="20000"/>
+              </a:spcBef>
+              <a:buFont typeface="Arial" pitchFamily="34" charset="0"/>
+              <a:buChar char="•"/>
+              <a:defRPr sz="2400" kern="1200">
+                <a:solidFill>
+                  <a:schemeClr val="tx1"/>
+                </a:solidFill>
+                <a:latin typeface="+mn-lt"/>
+                <a:ea typeface="+mn-ea"/>
+                <a:cs typeface="+mn-cs"/>
+              </a:defRPr>
+            </a:lvl3pPr>
+            <a:lvl4pPr marL="1600200" indent="-228600" algn="l" defTabSz="914400" rtl="0" eaLnBrk="1" latinLnBrk="0" hangingPunct="1">
+              <a:spcBef>
+                <a:spcPct val="20000"/>
+              </a:spcBef>
+              <a:buFont typeface="Arial" pitchFamily="34" charset="0"/>
+              <a:buChar char="–"/>
+              <a:defRPr sz="2000" kern="1200">
+                <a:solidFill>
+                  <a:schemeClr val="tx1"/>
+                </a:solidFill>
+                <a:latin typeface="+mn-lt"/>
+                <a:ea typeface="+mn-ea"/>
+                <a:cs typeface="+mn-cs"/>
+              </a:defRPr>
+            </a:lvl4pPr>
+            <a:lvl5pPr marL="2057400" indent="-228600" algn="l" defTabSz="914400" rtl="0" eaLnBrk="1" latinLnBrk="0" hangingPunct="1">
+              <a:spcBef>
+                <a:spcPct val="20000"/>
+              </a:spcBef>
+              <a:buFont typeface="Arial" pitchFamily="34" charset="0"/>
+              <a:buChar char="»"/>
+              <a:defRPr sz="2000" kern="1200">
+                <a:solidFill>
+                  <a:schemeClr val="tx1"/>
+                </a:solidFill>
+                <a:latin typeface="+mn-lt"/>
+                <a:ea typeface="+mn-ea"/>
+                <a:cs typeface="+mn-cs"/>
+              </a:defRPr>
+            </a:lvl5pPr>
+            <a:lvl6pPr marL="2514600" indent="-228600" algn="l" defTabSz="914400" rtl="0" eaLnBrk="1" latinLnBrk="0" hangingPunct="1">
+              <a:spcBef>
+                <a:spcPct val="20000"/>
+              </a:spcBef>
+              <a:buFont typeface="Arial" pitchFamily="34" charset="0"/>
+              <a:buChar char="•"/>
+              <a:defRPr sz="2000" kern="1200">
+                <a:solidFill>
+                  <a:schemeClr val="tx1"/>
+                </a:solidFill>
+                <a:latin typeface="+mn-lt"/>
+                <a:ea typeface="+mn-ea"/>
+                <a:cs typeface="+mn-cs"/>
+              </a:defRPr>
+            </a:lvl6pPr>
+            <a:lvl7pPr marL="2971800" indent="-228600" algn="l" defTabSz="914400" rtl="0" eaLnBrk="1" latinLnBrk="0" hangingPunct="1">
+              <a:spcBef>
+                <a:spcPct val="20000"/>
+              </a:spcBef>
+              <a:buFont typeface="Arial" pitchFamily="34" charset="0"/>
+              <a:buChar char="•"/>
+              <a:defRPr sz="2000" kern="1200">
+                <a:solidFill>
+                  <a:schemeClr val="tx1"/>
+                </a:solidFill>
+                <a:latin typeface="+mn-lt"/>
+                <a:ea typeface="+mn-ea"/>
+                <a:cs typeface="+mn-cs"/>
+              </a:defRPr>
+            </a:lvl7pPr>
+            <a:lvl8pPr marL="3429000" indent="-228600" algn="l" defTabSz="914400" rtl="0" eaLnBrk="1" latinLnBrk="0" hangingPunct="1">
+              <a:spcBef>
+                <a:spcPct val="20000"/>
+              </a:spcBef>
+              <a:buFont typeface="Arial" pitchFamily="34" charset="0"/>
+              <a:buChar char="•"/>
+              <a:defRPr sz="2000" kern="1200">
+                <a:solidFill>
+                  <a:schemeClr val="tx1"/>
+                </a:solidFill>
+                <a:latin typeface="+mn-lt"/>
+                <a:ea typeface="+mn-ea"/>
+                <a:cs typeface="+mn-cs"/>
+              </a:defRPr>
+            </a:lvl8pPr>
+            <a:lvl9pPr marL="3886200" indent="-228600" algn="l" defTabSz="914400" rtl="0" eaLnBrk="1" latinLnBrk="0" hangingPunct="1">
+              <a:spcBef>
+                <a:spcPct val="20000"/>
+              </a:spcBef>
+              <a:buFont typeface="Arial" pitchFamily="34" charset="0"/>
+              <a:buChar char="•"/>
+              <a:defRPr sz="2000" kern="1200">
+                <a:solidFill>
+                  <a:schemeClr val="tx1"/>
+                </a:solidFill>
+                <a:latin typeface="+mn-lt"/>
+                <a:ea typeface="+mn-ea"/>
+                <a:cs typeface="+mn-cs"/>
+              </a:defRPr>
+            </a:lvl9pPr>
+          </a:lstStyle>
+          <a:p>
+            <a:r>
+              <a:rPr lang="es-MX" sz="1800" dirty="0"/>
+              <a:t>No Lineal</a:t>
+            </a:r>
+            <a:endParaRPr lang="es-CO" sz="1800" dirty="0"/>
+          </a:p>
+        </p:txBody>
+      </p:sp>
+      <p:graphicFrame>
+        <p:nvGraphicFramePr>
+          <p:cNvPr id="11" name="Gráfico 10">
+            <a:extLst>
+              <a:ext uri="{FF2B5EF4-FFF2-40B4-BE49-F238E27FC236}">
+                <a16:creationId xmlns:a16="http://schemas.microsoft.com/office/drawing/2014/main" id="{56A1337B-82EA-4EB0-B9B6-865FC6AD8AA1}"/>
+              </a:ext>
+            </a:extLst>
+          </p:cNvPr>
+          <p:cNvGraphicFramePr/>
+          <p:nvPr>
+            <p:extLst>
+              <p:ext uri="{D42A27DB-BD31-4B8C-83A1-F6EECF244321}">
+                <p14:modId xmlns:p14="http://schemas.microsoft.com/office/powerpoint/2010/main" val="2872695076"/>
+              </p:ext>
+            </p:extLst>
+          </p:nvPr>
+        </p:nvGraphicFramePr>
+        <p:xfrm>
+          <a:off x="429496" y="2852935"/>
+          <a:ext cx="3494432" cy="2664297"/>
+        </p:xfrm>
+        <a:graphic>
+          <a:graphicData uri="http://schemas.openxmlformats.org/drawingml/2006/chart">
+            <c:chart xmlns:c="http://schemas.openxmlformats.org/drawingml/2006/chart" xmlns:r="http://schemas.openxmlformats.org/officeDocument/2006/relationships" r:id="rId6"/>
+          </a:graphicData>
+        </a:graphic>
+      </p:graphicFrame>
+      <p:sp>
+        <p:nvSpPr>
+          <p:cNvPr id="15" name="Marcador de contenido 2">
+            <a:extLst>
+              <a:ext uri="{FF2B5EF4-FFF2-40B4-BE49-F238E27FC236}">
+                <a16:creationId xmlns:a16="http://schemas.microsoft.com/office/drawing/2014/main" id="{99BEDBB7-3FA2-42CC-8FF1-0ABFFA9CDF1E}"/>
+              </a:ext>
+            </a:extLst>
+          </p:cNvPr>
+          <p:cNvSpPr txBox="1">
+            <a:spLocks/>
+          </p:cNvSpPr>
+          <p:nvPr/>
+        </p:nvSpPr>
+        <p:spPr>
+          <a:xfrm>
+            <a:off x="3639937" y="1823854"/>
+            <a:ext cx="2779452" cy="689257"/>
+          </a:xfrm>
+          <a:prstGeom prst="rect">
+            <a:avLst/>
+          </a:prstGeom>
+        </p:spPr>
+        <p:txBody>
+          <a:bodyPr vert="horz" lIns="91440" tIns="45720" rIns="91440" bIns="45720" rtlCol="0">
+            <a:normAutofit/>
+          </a:bodyPr>
+          <a:lstStyle>
+            <a:lvl1pPr marL="342900" indent="-342900" algn="l" defTabSz="914400" rtl="0" eaLnBrk="1" latinLnBrk="0" hangingPunct="1">
+              <a:spcBef>
+                <a:spcPct val="20000"/>
+              </a:spcBef>
+              <a:buFont typeface="Arial" pitchFamily="34" charset="0"/>
+              <a:buChar char="•"/>
+              <a:defRPr sz="3200" kern="1200">
+                <a:solidFill>
+                  <a:schemeClr val="tx1"/>
+                </a:solidFill>
+                <a:latin typeface="+mn-lt"/>
+                <a:ea typeface="+mn-ea"/>
+                <a:cs typeface="+mn-cs"/>
+              </a:defRPr>
+            </a:lvl1pPr>
+            <a:lvl2pPr marL="742950" indent="-285750" algn="l" defTabSz="914400" rtl="0" eaLnBrk="1" latinLnBrk="0" hangingPunct="1">
+              <a:spcBef>
+                <a:spcPct val="20000"/>
+              </a:spcBef>
+              <a:buFont typeface="Arial" pitchFamily="34" charset="0"/>
+              <a:buChar char="–"/>
+              <a:defRPr sz="2800" kern="1200">
+                <a:solidFill>
+                  <a:schemeClr val="tx1"/>
+                </a:solidFill>
+                <a:latin typeface="+mn-lt"/>
+                <a:ea typeface="+mn-ea"/>
+                <a:cs typeface="+mn-cs"/>
+              </a:defRPr>
+            </a:lvl2pPr>
+            <a:lvl3pPr marL="1143000" indent="-228600" algn="l" defTabSz="914400" rtl="0" eaLnBrk="1" latinLnBrk="0" hangingPunct="1">
+              <a:spcBef>
+                <a:spcPct val="20000"/>
+              </a:spcBef>
+              <a:buFont typeface="Arial" pitchFamily="34" charset="0"/>
+              <a:buChar char="•"/>
+              <a:defRPr sz="2400" kern="1200">
+                <a:solidFill>
+                  <a:schemeClr val="tx1"/>
+                </a:solidFill>
+                <a:latin typeface="+mn-lt"/>
+                <a:ea typeface="+mn-ea"/>
+                <a:cs typeface="+mn-cs"/>
+              </a:defRPr>
+            </a:lvl3pPr>
+            <a:lvl4pPr marL="1600200" indent="-228600" algn="l" defTabSz="914400" rtl="0" eaLnBrk="1" latinLnBrk="0" hangingPunct="1">
+              <a:spcBef>
+                <a:spcPct val="20000"/>
+              </a:spcBef>
+              <a:buFont typeface="Arial" pitchFamily="34" charset="0"/>
+              <a:buChar char="–"/>
+              <a:defRPr sz="2000" kern="1200">
+                <a:solidFill>
+                  <a:schemeClr val="tx1"/>
+                </a:solidFill>
+                <a:latin typeface="+mn-lt"/>
+                <a:ea typeface="+mn-ea"/>
+                <a:cs typeface="+mn-cs"/>
+              </a:defRPr>
+            </a:lvl4pPr>
+            <a:lvl5pPr marL="2057400" indent="-228600" algn="l" defTabSz="914400" rtl="0" eaLnBrk="1" latinLnBrk="0" hangingPunct="1">
+              <a:spcBef>
+                <a:spcPct val="20000"/>
+              </a:spcBef>
+              <a:buFont typeface="Arial" pitchFamily="34" charset="0"/>
+              <a:buChar char="»"/>
+              <a:defRPr sz="2000" kern="1200">
+                <a:solidFill>
+                  <a:schemeClr val="tx1"/>
+                </a:solidFill>
+                <a:latin typeface="+mn-lt"/>
+                <a:ea typeface="+mn-ea"/>
+                <a:cs typeface="+mn-cs"/>
+              </a:defRPr>
+            </a:lvl5pPr>
+            <a:lvl6pPr marL="2514600" indent="-228600" algn="l" defTabSz="914400" rtl="0" eaLnBrk="1" latinLnBrk="0" hangingPunct="1">
+              <a:spcBef>
+                <a:spcPct val="20000"/>
+              </a:spcBef>
+              <a:buFont typeface="Arial" pitchFamily="34" charset="0"/>
+              <a:buChar char="•"/>
+              <a:defRPr sz="2000" kern="1200">
+                <a:solidFill>
+                  <a:schemeClr val="tx1"/>
+                </a:solidFill>
+                <a:latin typeface="+mn-lt"/>
+                <a:ea typeface="+mn-ea"/>
+                <a:cs typeface="+mn-cs"/>
+              </a:defRPr>
+            </a:lvl6pPr>
+            <a:lvl7pPr marL="2971800" indent="-228600" algn="l" defTabSz="914400" rtl="0" eaLnBrk="1" latinLnBrk="0" hangingPunct="1">
+              <a:spcBef>
+                <a:spcPct val="20000"/>
+              </a:spcBef>
+              <a:buFont typeface="Arial" pitchFamily="34" charset="0"/>
+              <a:buChar char="•"/>
+              <a:defRPr sz="2000" kern="1200">
+                <a:solidFill>
+                  <a:schemeClr val="tx1"/>
+                </a:solidFill>
+                <a:latin typeface="+mn-lt"/>
+                <a:ea typeface="+mn-ea"/>
+                <a:cs typeface="+mn-cs"/>
+              </a:defRPr>
+            </a:lvl7pPr>
+            <a:lvl8pPr marL="3429000" indent="-228600" algn="l" defTabSz="914400" rtl="0" eaLnBrk="1" latinLnBrk="0" hangingPunct="1">
+              <a:spcBef>
+                <a:spcPct val="20000"/>
+              </a:spcBef>
+              <a:buFont typeface="Arial" pitchFamily="34" charset="0"/>
+              <a:buChar char="•"/>
+              <a:defRPr sz="2000" kern="1200">
+                <a:solidFill>
+                  <a:schemeClr val="tx1"/>
+                </a:solidFill>
+                <a:latin typeface="+mn-lt"/>
+                <a:ea typeface="+mn-ea"/>
+                <a:cs typeface="+mn-cs"/>
+              </a:defRPr>
+            </a:lvl8pPr>
+            <a:lvl9pPr marL="3886200" indent="-228600" algn="l" defTabSz="914400" rtl="0" eaLnBrk="1" latinLnBrk="0" hangingPunct="1">
+              <a:spcBef>
+                <a:spcPct val="20000"/>
+              </a:spcBef>
+              <a:buFont typeface="Arial" pitchFamily="34" charset="0"/>
+              <a:buChar char="•"/>
+              <a:defRPr sz="2000" kern="1200">
+                <a:solidFill>
+                  <a:schemeClr val="tx1"/>
+                </a:solidFill>
+                <a:latin typeface="+mn-lt"/>
+                <a:ea typeface="+mn-ea"/>
+                <a:cs typeface="+mn-cs"/>
+              </a:defRPr>
+            </a:lvl9pPr>
+          </a:lstStyle>
+          <a:p>
+            <a:r>
+              <a:rPr lang="es-MX" sz="1800" dirty="0"/>
+              <a:t>Agregar</a:t>
+            </a:r>
+            <a:endParaRPr lang="es-CO" sz="1800" dirty="0"/>
+          </a:p>
+        </p:txBody>
+      </p:sp>
+      <p:graphicFrame>
+        <p:nvGraphicFramePr>
+          <p:cNvPr id="16" name="Gráfico 15">
+            <a:extLst>
+              <a:ext uri="{FF2B5EF4-FFF2-40B4-BE49-F238E27FC236}">
+                <a16:creationId xmlns:a16="http://schemas.microsoft.com/office/drawing/2014/main" id="{1DC62096-B9DC-4EA2-8BE2-3C8CFA1A7A25}"/>
+              </a:ext>
+            </a:extLst>
+          </p:cNvPr>
+          <p:cNvGraphicFramePr/>
+          <p:nvPr>
+            <p:extLst>
+              <p:ext uri="{D42A27DB-BD31-4B8C-83A1-F6EECF244321}">
+                <p14:modId xmlns:p14="http://schemas.microsoft.com/office/powerpoint/2010/main" val="3352647530"/>
+              </p:ext>
+            </p:extLst>
+          </p:nvPr>
+        </p:nvGraphicFramePr>
+        <p:xfrm>
+          <a:off x="4716016" y="2852935"/>
+          <a:ext cx="3898836" cy="2695382"/>
+        </p:xfrm>
+        <a:graphic>
+          <a:graphicData uri="http://schemas.openxmlformats.org/drawingml/2006/chart">
+            <c:chart xmlns:c="http://schemas.openxmlformats.org/drawingml/2006/chart" xmlns:r="http://schemas.openxmlformats.org/officeDocument/2006/relationships" r:id="rId7"/>
+          </a:graphicData>
+        </a:graphic>
+      </p:graphicFrame>
     </p:spTree>
     <p:extLst>
       <p:ext uri="{BB962C8B-B14F-4D97-AF65-F5344CB8AC3E}">
@@ -5362,6 +11178,1640 @@
 </file>
 
 <file path=ppt/slides/slide6.xml><?xml version="1.0" encoding="utf-8"?>
+<p:sld xmlns:a="http://schemas.openxmlformats.org/drawingml/2006/main" xmlns:r="http://schemas.openxmlformats.org/officeDocument/2006/relationships" xmlns:p="http://schemas.openxmlformats.org/presentationml/2006/main">
+  <p:cSld>
+    <p:spTree>
+      <p:nvGrpSpPr>
+        <p:cNvPr id="1" name=""/>
+        <p:cNvGrpSpPr/>
+        <p:nvPr/>
+      </p:nvGrpSpPr>
+      <p:grpSpPr>
+        <a:xfrm>
+          <a:off x="0" y="0"/>
+          <a:ext cx="0" cy="0"/>
+          <a:chOff x="0" y="0"/>
+          <a:chExt cx="0" cy="0"/>
+        </a:xfrm>
+      </p:grpSpPr>
+      <p:sp>
+        <p:nvSpPr>
+          <p:cNvPr id="4" name="Marcador de contenido 2">
+            <a:extLst>
+              <a:ext uri="{FF2B5EF4-FFF2-40B4-BE49-F238E27FC236}">
+                <a16:creationId xmlns:a16="http://schemas.microsoft.com/office/drawing/2014/main" id="{175A1EA9-0889-4A2F-8C17-622FD294DA5B}"/>
+              </a:ext>
+            </a:extLst>
+          </p:cNvPr>
+          <p:cNvSpPr txBox="1">
+            <a:spLocks/>
+          </p:cNvSpPr>
+          <p:nvPr/>
+        </p:nvSpPr>
+        <p:spPr>
+          <a:xfrm>
+            <a:off x="3779912" y="836712"/>
+            <a:ext cx="2779452" cy="689257"/>
+          </a:xfrm>
+          <a:prstGeom prst="rect">
+            <a:avLst/>
+          </a:prstGeom>
+        </p:spPr>
+        <p:txBody>
+          <a:bodyPr vert="horz" lIns="91440" tIns="45720" rIns="91440" bIns="45720" rtlCol="0">
+            <a:normAutofit/>
+          </a:bodyPr>
+          <a:lstStyle>
+            <a:lvl1pPr marL="342900" indent="-342900" algn="l" defTabSz="914400" rtl="0" eaLnBrk="1" latinLnBrk="0" hangingPunct="1">
+              <a:spcBef>
+                <a:spcPct val="20000"/>
+              </a:spcBef>
+              <a:buFont typeface="Arial" pitchFamily="34" charset="0"/>
+              <a:buChar char="•"/>
+              <a:defRPr sz="3200" kern="1200">
+                <a:solidFill>
+                  <a:schemeClr val="tx1"/>
+                </a:solidFill>
+                <a:latin typeface="+mn-lt"/>
+                <a:ea typeface="+mn-ea"/>
+                <a:cs typeface="+mn-cs"/>
+              </a:defRPr>
+            </a:lvl1pPr>
+            <a:lvl2pPr marL="742950" indent="-285750" algn="l" defTabSz="914400" rtl="0" eaLnBrk="1" latinLnBrk="0" hangingPunct="1">
+              <a:spcBef>
+                <a:spcPct val="20000"/>
+              </a:spcBef>
+              <a:buFont typeface="Arial" pitchFamily="34" charset="0"/>
+              <a:buChar char="–"/>
+              <a:defRPr sz="2800" kern="1200">
+                <a:solidFill>
+                  <a:schemeClr val="tx1"/>
+                </a:solidFill>
+                <a:latin typeface="+mn-lt"/>
+                <a:ea typeface="+mn-ea"/>
+                <a:cs typeface="+mn-cs"/>
+              </a:defRPr>
+            </a:lvl2pPr>
+            <a:lvl3pPr marL="1143000" indent="-228600" algn="l" defTabSz="914400" rtl="0" eaLnBrk="1" latinLnBrk="0" hangingPunct="1">
+              <a:spcBef>
+                <a:spcPct val="20000"/>
+              </a:spcBef>
+              <a:buFont typeface="Arial" pitchFamily="34" charset="0"/>
+              <a:buChar char="•"/>
+              <a:defRPr sz="2400" kern="1200">
+                <a:solidFill>
+                  <a:schemeClr val="tx1"/>
+                </a:solidFill>
+                <a:latin typeface="+mn-lt"/>
+                <a:ea typeface="+mn-ea"/>
+                <a:cs typeface="+mn-cs"/>
+              </a:defRPr>
+            </a:lvl3pPr>
+            <a:lvl4pPr marL="1600200" indent="-228600" algn="l" defTabSz="914400" rtl="0" eaLnBrk="1" latinLnBrk="0" hangingPunct="1">
+              <a:spcBef>
+                <a:spcPct val="20000"/>
+              </a:spcBef>
+              <a:buFont typeface="Arial" pitchFamily="34" charset="0"/>
+              <a:buChar char="–"/>
+              <a:defRPr sz="2000" kern="1200">
+                <a:solidFill>
+                  <a:schemeClr val="tx1"/>
+                </a:solidFill>
+                <a:latin typeface="+mn-lt"/>
+                <a:ea typeface="+mn-ea"/>
+                <a:cs typeface="+mn-cs"/>
+              </a:defRPr>
+            </a:lvl4pPr>
+            <a:lvl5pPr marL="2057400" indent="-228600" algn="l" defTabSz="914400" rtl="0" eaLnBrk="1" latinLnBrk="0" hangingPunct="1">
+              <a:spcBef>
+                <a:spcPct val="20000"/>
+              </a:spcBef>
+              <a:buFont typeface="Arial" pitchFamily="34" charset="0"/>
+              <a:buChar char="»"/>
+              <a:defRPr sz="2000" kern="1200">
+                <a:solidFill>
+                  <a:schemeClr val="tx1"/>
+                </a:solidFill>
+                <a:latin typeface="+mn-lt"/>
+                <a:ea typeface="+mn-ea"/>
+                <a:cs typeface="+mn-cs"/>
+              </a:defRPr>
+            </a:lvl5pPr>
+            <a:lvl6pPr marL="2514600" indent="-228600" algn="l" defTabSz="914400" rtl="0" eaLnBrk="1" latinLnBrk="0" hangingPunct="1">
+              <a:spcBef>
+                <a:spcPct val="20000"/>
+              </a:spcBef>
+              <a:buFont typeface="Arial" pitchFamily="34" charset="0"/>
+              <a:buChar char="•"/>
+              <a:defRPr sz="2000" kern="1200">
+                <a:solidFill>
+                  <a:schemeClr val="tx1"/>
+                </a:solidFill>
+                <a:latin typeface="+mn-lt"/>
+                <a:ea typeface="+mn-ea"/>
+                <a:cs typeface="+mn-cs"/>
+              </a:defRPr>
+            </a:lvl6pPr>
+            <a:lvl7pPr marL="2971800" indent="-228600" algn="l" defTabSz="914400" rtl="0" eaLnBrk="1" latinLnBrk="0" hangingPunct="1">
+              <a:spcBef>
+                <a:spcPct val="20000"/>
+              </a:spcBef>
+              <a:buFont typeface="Arial" pitchFamily="34" charset="0"/>
+              <a:buChar char="•"/>
+              <a:defRPr sz="2000" kern="1200">
+                <a:solidFill>
+                  <a:schemeClr val="tx1"/>
+                </a:solidFill>
+                <a:latin typeface="+mn-lt"/>
+                <a:ea typeface="+mn-ea"/>
+                <a:cs typeface="+mn-cs"/>
+              </a:defRPr>
+            </a:lvl7pPr>
+            <a:lvl8pPr marL="3429000" indent="-228600" algn="l" defTabSz="914400" rtl="0" eaLnBrk="1" latinLnBrk="0" hangingPunct="1">
+              <a:spcBef>
+                <a:spcPct val="20000"/>
+              </a:spcBef>
+              <a:buFont typeface="Arial" pitchFamily="34" charset="0"/>
+              <a:buChar char="•"/>
+              <a:defRPr sz="2000" kern="1200">
+                <a:solidFill>
+                  <a:schemeClr val="tx1"/>
+                </a:solidFill>
+                <a:latin typeface="+mn-lt"/>
+                <a:ea typeface="+mn-ea"/>
+                <a:cs typeface="+mn-cs"/>
+              </a:defRPr>
+            </a:lvl8pPr>
+            <a:lvl9pPr marL="3886200" indent="-228600" algn="l" defTabSz="914400" rtl="0" eaLnBrk="1" latinLnBrk="0" hangingPunct="1">
+              <a:spcBef>
+                <a:spcPct val="20000"/>
+              </a:spcBef>
+              <a:buFont typeface="Arial" pitchFamily="34" charset="0"/>
+              <a:buChar char="•"/>
+              <a:defRPr sz="2000" kern="1200">
+                <a:solidFill>
+                  <a:schemeClr val="tx1"/>
+                </a:solidFill>
+                <a:latin typeface="+mn-lt"/>
+                <a:ea typeface="+mn-ea"/>
+                <a:cs typeface="+mn-cs"/>
+              </a:defRPr>
+            </a:lvl9pPr>
+          </a:lstStyle>
+          <a:p>
+            <a:r>
+              <a:rPr lang="es-MX" sz="1800" dirty="0"/>
+              <a:t>Eliminar</a:t>
+            </a:r>
+            <a:endParaRPr lang="es-CO" sz="1800" dirty="0"/>
+          </a:p>
+        </p:txBody>
+      </p:sp>
+      <p:graphicFrame>
+        <p:nvGraphicFramePr>
+          <p:cNvPr id="5" name="Gráfico 4">
+            <a:extLst>
+              <a:ext uri="{FF2B5EF4-FFF2-40B4-BE49-F238E27FC236}">
+                <a16:creationId xmlns:a16="http://schemas.microsoft.com/office/drawing/2014/main" id="{4E488708-A02E-4EF6-B848-99D2B13C6AD5}"/>
+              </a:ext>
+            </a:extLst>
+          </p:cNvPr>
+          <p:cNvGraphicFramePr/>
+          <p:nvPr>
+            <p:extLst>
+              <p:ext uri="{D42A27DB-BD31-4B8C-83A1-F6EECF244321}">
+                <p14:modId xmlns:p14="http://schemas.microsoft.com/office/powerpoint/2010/main" val="3026100953"/>
+              </p:ext>
+            </p:extLst>
+          </p:nvPr>
+        </p:nvGraphicFramePr>
+        <p:xfrm>
+          <a:off x="251520" y="1865264"/>
+          <a:ext cx="3744416" cy="3075904"/>
+        </p:xfrm>
+        <a:graphic>
+          <a:graphicData uri="http://schemas.openxmlformats.org/drawingml/2006/chart">
+            <c:chart xmlns:c="http://schemas.openxmlformats.org/drawingml/2006/chart" xmlns:r="http://schemas.openxmlformats.org/officeDocument/2006/relationships" r:id="rId2"/>
+          </a:graphicData>
+        </a:graphic>
+      </p:graphicFrame>
+      <p:graphicFrame>
+        <p:nvGraphicFramePr>
+          <p:cNvPr id="6" name="Gráfico 5">
+            <a:extLst>
+              <a:ext uri="{FF2B5EF4-FFF2-40B4-BE49-F238E27FC236}">
+                <a16:creationId xmlns:a16="http://schemas.microsoft.com/office/drawing/2014/main" id="{822EB25A-DBCB-4263-9832-9F14A26A2478}"/>
+              </a:ext>
+            </a:extLst>
+          </p:cNvPr>
+          <p:cNvGraphicFramePr/>
+          <p:nvPr>
+            <p:extLst>
+              <p:ext uri="{D42A27DB-BD31-4B8C-83A1-F6EECF244321}">
+                <p14:modId xmlns:p14="http://schemas.microsoft.com/office/powerpoint/2010/main" val="3903575867"/>
+              </p:ext>
+            </p:extLst>
+          </p:nvPr>
+        </p:nvGraphicFramePr>
+        <p:xfrm>
+          <a:off x="5148064" y="1865264"/>
+          <a:ext cx="3744416" cy="3075904"/>
+        </p:xfrm>
+        <a:graphic>
+          <a:graphicData uri="http://schemas.openxmlformats.org/drawingml/2006/chart">
+            <c:chart xmlns:c="http://schemas.openxmlformats.org/drawingml/2006/chart" xmlns:r="http://schemas.openxmlformats.org/officeDocument/2006/relationships" r:id="rId3"/>
+          </a:graphicData>
+        </a:graphic>
+      </p:graphicFrame>
+      <p:sp>
+        <p:nvSpPr>
+          <p:cNvPr id="7" name="Marcador de contenido 2">
+            <a:extLst>
+              <a:ext uri="{FF2B5EF4-FFF2-40B4-BE49-F238E27FC236}">
+                <a16:creationId xmlns:a16="http://schemas.microsoft.com/office/drawing/2014/main" id="{87C8DC1A-A61C-4324-BA1A-FE7BD15292C8}"/>
+              </a:ext>
+            </a:extLst>
+          </p:cNvPr>
+          <p:cNvSpPr txBox="1">
+            <a:spLocks/>
+          </p:cNvSpPr>
+          <p:nvPr/>
+        </p:nvSpPr>
+        <p:spPr>
+          <a:xfrm>
+            <a:off x="1403648" y="1340768"/>
+            <a:ext cx="2779452" cy="689257"/>
+          </a:xfrm>
+          <a:prstGeom prst="rect">
+            <a:avLst/>
+          </a:prstGeom>
+        </p:spPr>
+        <p:txBody>
+          <a:bodyPr vert="horz" lIns="91440" tIns="45720" rIns="91440" bIns="45720" rtlCol="0">
+            <a:normAutofit/>
+          </a:bodyPr>
+          <a:lstStyle>
+            <a:lvl1pPr marL="342900" indent="-342900" algn="l" defTabSz="914400" rtl="0" eaLnBrk="1" latinLnBrk="0" hangingPunct="1">
+              <a:spcBef>
+                <a:spcPct val="20000"/>
+              </a:spcBef>
+              <a:buFont typeface="Arial" pitchFamily="34" charset="0"/>
+              <a:buChar char="•"/>
+              <a:defRPr sz="3200" kern="1200">
+                <a:solidFill>
+                  <a:schemeClr val="tx1"/>
+                </a:solidFill>
+                <a:latin typeface="+mn-lt"/>
+                <a:ea typeface="+mn-ea"/>
+                <a:cs typeface="+mn-cs"/>
+              </a:defRPr>
+            </a:lvl1pPr>
+            <a:lvl2pPr marL="742950" indent="-285750" algn="l" defTabSz="914400" rtl="0" eaLnBrk="1" latinLnBrk="0" hangingPunct="1">
+              <a:spcBef>
+                <a:spcPct val="20000"/>
+              </a:spcBef>
+              <a:buFont typeface="Arial" pitchFamily="34" charset="0"/>
+              <a:buChar char="–"/>
+              <a:defRPr sz="2800" kern="1200">
+                <a:solidFill>
+                  <a:schemeClr val="tx1"/>
+                </a:solidFill>
+                <a:latin typeface="+mn-lt"/>
+                <a:ea typeface="+mn-ea"/>
+                <a:cs typeface="+mn-cs"/>
+              </a:defRPr>
+            </a:lvl2pPr>
+            <a:lvl3pPr marL="1143000" indent="-228600" algn="l" defTabSz="914400" rtl="0" eaLnBrk="1" latinLnBrk="0" hangingPunct="1">
+              <a:spcBef>
+                <a:spcPct val="20000"/>
+              </a:spcBef>
+              <a:buFont typeface="Arial" pitchFamily="34" charset="0"/>
+              <a:buChar char="•"/>
+              <a:defRPr sz="2400" kern="1200">
+                <a:solidFill>
+                  <a:schemeClr val="tx1"/>
+                </a:solidFill>
+                <a:latin typeface="+mn-lt"/>
+                <a:ea typeface="+mn-ea"/>
+                <a:cs typeface="+mn-cs"/>
+              </a:defRPr>
+            </a:lvl3pPr>
+            <a:lvl4pPr marL="1600200" indent="-228600" algn="l" defTabSz="914400" rtl="0" eaLnBrk="1" latinLnBrk="0" hangingPunct="1">
+              <a:spcBef>
+                <a:spcPct val="20000"/>
+              </a:spcBef>
+              <a:buFont typeface="Arial" pitchFamily="34" charset="0"/>
+              <a:buChar char="–"/>
+              <a:defRPr sz="2000" kern="1200">
+                <a:solidFill>
+                  <a:schemeClr val="tx1"/>
+                </a:solidFill>
+                <a:latin typeface="+mn-lt"/>
+                <a:ea typeface="+mn-ea"/>
+                <a:cs typeface="+mn-cs"/>
+              </a:defRPr>
+            </a:lvl4pPr>
+            <a:lvl5pPr marL="2057400" indent="-228600" algn="l" defTabSz="914400" rtl="0" eaLnBrk="1" latinLnBrk="0" hangingPunct="1">
+              <a:spcBef>
+                <a:spcPct val="20000"/>
+              </a:spcBef>
+              <a:buFont typeface="Arial" pitchFamily="34" charset="0"/>
+              <a:buChar char="»"/>
+              <a:defRPr sz="2000" kern="1200">
+                <a:solidFill>
+                  <a:schemeClr val="tx1"/>
+                </a:solidFill>
+                <a:latin typeface="+mn-lt"/>
+                <a:ea typeface="+mn-ea"/>
+                <a:cs typeface="+mn-cs"/>
+              </a:defRPr>
+            </a:lvl5pPr>
+            <a:lvl6pPr marL="2514600" indent="-228600" algn="l" defTabSz="914400" rtl="0" eaLnBrk="1" latinLnBrk="0" hangingPunct="1">
+              <a:spcBef>
+                <a:spcPct val="20000"/>
+              </a:spcBef>
+              <a:buFont typeface="Arial" pitchFamily="34" charset="0"/>
+              <a:buChar char="•"/>
+              <a:defRPr sz="2000" kern="1200">
+                <a:solidFill>
+                  <a:schemeClr val="tx1"/>
+                </a:solidFill>
+                <a:latin typeface="+mn-lt"/>
+                <a:ea typeface="+mn-ea"/>
+                <a:cs typeface="+mn-cs"/>
+              </a:defRPr>
+            </a:lvl6pPr>
+            <a:lvl7pPr marL="2971800" indent="-228600" algn="l" defTabSz="914400" rtl="0" eaLnBrk="1" latinLnBrk="0" hangingPunct="1">
+              <a:spcBef>
+                <a:spcPct val="20000"/>
+              </a:spcBef>
+              <a:buFont typeface="Arial" pitchFamily="34" charset="0"/>
+              <a:buChar char="•"/>
+              <a:defRPr sz="2000" kern="1200">
+                <a:solidFill>
+                  <a:schemeClr val="tx1"/>
+                </a:solidFill>
+                <a:latin typeface="+mn-lt"/>
+                <a:ea typeface="+mn-ea"/>
+                <a:cs typeface="+mn-cs"/>
+              </a:defRPr>
+            </a:lvl7pPr>
+            <a:lvl8pPr marL="3429000" indent="-228600" algn="l" defTabSz="914400" rtl="0" eaLnBrk="1" latinLnBrk="0" hangingPunct="1">
+              <a:spcBef>
+                <a:spcPct val="20000"/>
+              </a:spcBef>
+              <a:buFont typeface="Arial" pitchFamily="34" charset="0"/>
+              <a:buChar char="•"/>
+              <a:defRPr sz="2000" kern="1200">
+                <a:solidFill>
+                  <a:schemeClr val="tx1"/>
+                </a:solidFill>
+                <a:latin typeface="+mn-lt"/>
+                <a:ea typeface="+mn-ea"/>
+                <a:cs typeface="+mn-cs"/>
+              </a:defRPr>
+            </a:lvl8pPr>
+            <a:lvl9pPr marL="3886200" indent="-228600" algn="l" defTabSz="914400" rtl="0" eaLnBrk="1" latinLnBrk="0" hangingPunct="1">
+              <a:spcBef>
+                <a:spcPct val="20000"/>
+              </a:spcBef>
+              <a:buFont typeface="Arial" pitchFamily="34" charset="0"/>
+              <a:buChar char="•"/>
+              <a:defRPr sz="2000" kern="1200">
+                <a:solidFill>
+                  <a:schemeClr val="tx1"/>
+                </a:solidFill>
+                <a:latin typeface="+mn-lt"/>
+                <a:ea typeface="+mn-ea"/>
+                <a:cs typeface="+mn-cs"/>
+              </a:defRPr>
+            </a:lvl9pPr>
+          </a:lstStyle>
+          <a:p>
+            <a:r>
+              <a:rPr lang="es-MX" sz="1800" dirty="0"/>
+              <a:t>Lineal</a:t>
+            </a:r>
+            <a:endParaRPr lang="es-CO" sz="1800" dirty="0"/>
+          </a:p>
+        </p:txBody>
+      </p:sp>
+      <p:sp>
+        <p:nvSpPr>
+          <p:cNvPr id="8" name="Marcador de contenido 2">
+            <a:extLst>
+              <a:ext uri="{FF2B5EF4-FFF2-40B4-BE49-F238E27FC236}">
+                <a16:creationId xmlns:a16="http://schemas.microsoft.com/office/drawing/2014/main" id="{FAF261B7-6081-48C0-8611-31209F84C7B4}"/>
+              </a:ext>
+            </a:extLst>
+          </p:cNvPr>
+          <p:cNvSpPr txBox="1">
+            <a:spLocks/>
+          </p:cNvSpPr>
+          <p:nvPr/>
+        </p:nvSpPr>
+        <p:spPr>
+          <a:xfrm>
+            <a:off x="6156176" y="1340767"/>
+            <a:ext cx="2779452" cy="689257"/>
+          </a:xfrm>
+          <a:prstGeom prst="rect">
+            <a:avLst/>
+          </a:prstGeom>
+        </p:spPr>
+        <p:txBody>
+          <a:bodyPr vert="horz" lIns="91440" tIns="45720" rIns="91440" bIns="45720" rtlCol="0">
+            <a:normAutofit/>
+          </a:bodyPr>
+          <a:lstStyle>
+            <a:lvl1pPr marL="342900" indent="-342900" algn="l" defTabSz="914400" rtl="0" eaLnBrk="1" latinLnBrk="0" hangingPunct="1">
+              <a:spcBef>
+                <a:spcPct val="20000"/>
+              </a:spcBef>
+              <a:buFont typeface="Arial" pitchFamily="34" charset="0"/>
+              <a:buChar char="•"/>
+              <a:defRPr sz="3200" kern="1200">
+                <a:solidFill>
+                  <a:schemeClr val="tx1"/>
+                </a:solidFill>
+                <a:latin typeface="+mn-lt"/>
+                <a:ea typeface="+mn-ea"/>
+                <a:cs typeface="+mn-cs"/>
+              </a:defRPr>
+            </a:lvl1pPr>
+            <a:lvl2pPr marL="742950" indent="-285750" algn="l" defTabSz="914400" rtl="0" eaLnBrk="1" latinLnBrk="0" hangingPunct="1">
+              <a:spcBef>
+                <a:spcPct val="20000"/>
+              </a:spcBef>
+              <a:buFont typeface="Arial" pitchFamily="34" charset="0"/>
+              <a:buChar char="–"/>
+              <a:defRPr sz="2800" kern="1200">
+                <a:solidFill>
+                  <a:schemeClr val="tx1"/>
+                </a:solidFill>
+                <a:latin typeface="+mn-lt"/>
+                <a:ea typeface="+mn-ea"/>
+                <a:cs typeface="+mn-cs"/>
+              </a:defRPr>
+            </a:lvl2pPr>
+            <a:lvl3pPr marL="1143000" indent="-228600" algn="l" defTabSz="914400" rtl="0" eaLnBrk="1" latinLnBrk="0" hangingPunct="1">
+              <a:spcBef>
+                <a:spcPct val="20000"/>
+              </a:spcBef>
+              <a:buFont typeface="Arial" pitchFamily="34" charset="0"/>
+              <a:buChar char="•"/>
+              <a:defRPr sz="2400" kern="1200">
+                <a:solidFill>
+                  <a:schemeClr val="tx1"/>
+                </a:solidFill>
+                <a:latin typeface="+mn-lt"/>
+                <a:ea typeface="+mn-ea"/>
+                <a:cs typeface="+mn-cs"/>
+              </a:defRPr>
+            </a:lvl3pPr>
+            <a:lvl4pPr marL="1600200" indent="-228600" algn="l" defTabSz="914400" rtl="0" eaLnBrk="1" latinLnBrk="0" hangingPunct="1">
+              <a:spcBef>
+                <a:spcPct val="20000"/>
+              </a:spcBef>
+              <a:buFont typeface="Arial" pitchFamily="34" charset="0"/>
+              <a:buChar char="–"/>
+              <a:defRPr sz="2000" kern="1200">
+                <a:solidFill>
+                  <a:schemeClr val="tx1"/>
+                </a:solidFill>
+                <a:latin typeface="+mn-lt"/>
+                <a:ea typeface="+mn-ea"/>
+                <a:cs typeface="+mn-cs"/>
+              </a:defRPr>
+            </a:lvl4pPr>
+            <a:lvl5pPr marL="2057400" indent="-228600" algn="l" defTabSz="914400" rtl="0" eaLnBrk="1" latinLnBrk="0" hangingPunct="1">
+              <a:spcBef>
+                <a:spcPct val="20000"/>
+              </a:spcBef>
+              <a:buFont typeface="Arial" pitchFamily="34" charset="0"/>
+              <a:buChar char="»"/>
+              <a:defRPr sz="2000" kern="1200">
+                <a:solidFill>
+                  <a:schemeClr val="tx1"/>
+                </a:solidFill>
+                <a:latin typeface="+mn-lt"/>
+                <a:ea typeface="+mn-ea"/>
+                <a:cs typeface="+mn-cs"/>
+              </a:defRPr>
+            </a:lvl5pPr>
+            <a:lvl6pPr marL="2514600" indent="-228600" algn="l" defTabSz="914400" rtl="0" eaLnBrk="1" latinLnBrk="0" hangingPunct="1">
+              <a:spcBef>
+                <a:spcPct val="20000"/>
+              </a:spcBef>
+              <a:buFont typeface="Arial" pitchFamily="34" charset="0"/>
+              <a:buChar char="•"/>
+              <a:defRPr sz="2000" kern="1200">
+                <a:solidFill>
+                  <a:schemeClr val="tx1"/>
+                </a:solidFill>
+                <a:latin typeface="+mn-lt"/>
+                <a:ea typeface="+mn-ea"/>
+                <a:cs typeface="+mn-cs"/>
+              </a:defRPr>
+            </a:lvl6pPr>
+            <a:lvl7pPr marL="2971800" indent="-228600" algn="l" defTabSz="914400" rtl="0" eaLnBrk="1" latinLnBrk="0" hangingPunct="1">
+              <a:spcBef>
+                <a:spcPct val="20000"/>
+              </a:spcBef>
+              <a:buFont typeface="Arial" pitchFamily="34" charset="0"/>
+              <a:buChar char="•"/>
+              <a:defRPr sz="2000" kern="1200">
+                <a:solidFill>
+                  <a:schemeClr val="tx1"/>
+                </a:solidFill>
+                <a:latin typeface="+mn-lt"/>
+                <a:ea typeface="+mn-ea"/>
+                <a:cs typeface="+mn-cs"/>
+              </a:defRPr>
+            </a:lvl7pPr>
+            <a:lvl8pPr marL="3429000" indent="-228600" algn="l" defTabSz="914400" rtl="0" eaLnBrk="1" latinLnBrk="0" hangingPunct="1">
+              <a:spcBef>
+                <a:spcPct val="20000"/>
+              </a:spcBef>
+              <a:buFont typeface="Arial" pitchFamily="34" charset="0"/>
+              <a:buChar char="•"/>
+              <a:defRPr sz="2000" kern="1200">
+                <a:solidFill>
+                  <a:schemeClr val="tx1"/>
+                </a:solidFill>
+                <a:latin typeface="+mn-lt"/>
+                <a:ea typeface="+mn-ea"/>
+                <a:cs typeface="+mn-cs"/>
+              </a:defRPr>
+            </a:lvl8pPr>
+            <a:lvl9pPr marL="3886200" indent="-228600" algn="l" defTabSz="914400" rtl="0" eaLnBrk="1" latinLnBrk="0" hangingPunct="1">
+              <a:spcBef>
+                <a:spcPct val="20000"/>
+              </a:spcBef>
+              <a:buFont typeface="Arial" pitchFamily="34" charset="0"/>
+              <a:buChar char="•"/>
+              <a:defRPr sz="2000" kern="1200">
+                <a:solidFill>
+                  <a:schemeClr val="tx1"/>
+                </a:solidFill>
+                <a:latin typeface="+mn-lt"/>
+                <a:ea typeface="+mn-ea"/>
+                <a:cs typeface="+mn-cs"/>
+              </a:defRPr>
+            </a:lvl9pPr>
+          </a:lstStyle>
+          <a:p>
+            <a:r>
+              <a:rPr lang="es-MX" sz="1800" dirty="0"/>
+              <a:t>No Lineal</a:t>
+            </a:r>
+            <a:endParaRPr lang="es-CO" sz="1800" dirty="0"/>
+          </a:p>
+        </p:txBody>
+      </p:sp>
+    </p:spTree>
+    <p:extLst>
+      <p:ext uri="{BB962C8B-B14F-4D97-AF65-F5344CB8AC3E}">
+        <p14:creationId xmlns:p14="http://schemas.microsoft.com/office/powerpoint/2010/main" val="3424184703"/>
+      </p:ext>
+    </p:extLst>
+  </p:cSld>
+  <p:clrMapOvr>
+    <a:masterClrMapping/>
+  </p:clrMapOvr>
+</p:sld>
+</file>
+
+<file path=ppt/slides/slide7.xml><?xml version="1.0" encoding="utf-8"?>
+<p:sld xmlns:a="http://schemas.openxmlformats.org/drawingml/2006/main" xmlns:r="http://schemas.openxmlformats.org/officeDocument/2006/relationships" xmlns:p="http://schemas.openxmlformats.org/presentationml/2006/main">
+  <p:cSld>
+    <p:spTree>
+      <p:nvGrpSpPr>
+        <p:cNvPr id="1" name=""/>
+        <p:cNvGrpSpPr/>
+        <p:nvPr/>
+      </p:nvGrpSpPr>
+      <p:grpSpPr>
+        <a:xfrm>
+          <a:off x="0" y="0"/>
+          <a:ext cx="0" cy="0"/>
+          <a:chOff x="0" y="0"/>
+          <a:chExt cx="0" cy="0"/>
+        </a:xfrm>
+      </p:grpSpPr>
+      <p:sp>
+        <p:nvSpPr>
+          <p:cNvPr id="6" name="Marcador de contenido 2">
+            <a:extLst>
+              <a:ext uri="{FF2B5EF4-FFF2-40B4-BE49-F238E27FC236}">
+                <a16:creationId xmlns:a16="http://schemas.microsoft.com/office/drawing/2014/main" id="{B18DDA92-C301-41B9-9BB8-50F685BD4D9F}"/>
+              </a:ext>
+            </a:extLst>
+          </p:cNvPr>
+          <p:cNvSpPr txBox="1">
+            <a:spLocks/>
+          </p:cNvSpPr>
+          <p:nvPr/>
+        </p:nvSpPr>
+        <p:spPr>
+          <a:xfrm>
+            <a:off x="1660184" y="1965630"/>
+            <a:ext cx="2779452" cy="689257"/>
+          </a:xfrm>
+          <a:prstGeom prst="rect">
+            <a:avLst/>
+          </a:prstGeom>
+        </p:spPr>
+        <p:txBody>
+          <a:bodyPr vert="horz" lIns="91440" tIns="45720" rIns="91440" bIns="45720" rtlCol="0">
+            <a:normAutofit/>
+          </a:bodyPr>
+          <a:lstStyle>
+            <a:lvl1pPr marL="342900" indent="-342900" algn="l" defTabSz="914400" rtl="0" eaLnBrk="1" latinLnBrk="0" hangingPunct="1">
+              <a:spcBef>
+                <a:spcPct val="20000"/>
+              </a:spcBef>
+              <a:buFont typeface="Arial" pitchFamily="34" charset="0"/>
+              <a:buChar char="•"/>
+              <a:defRPr sz="3200" kern="1200">
+                <a:solidFill>
+                  <a:schemeClr val="tx1"/>
+                </a:solidFill>
+                <a:latin typeface="+mn-lt"/>
+                <a:ea typeface="+mn-ea"/>
+                <a:cs typeface="+mn-cs"/>
+              </a:defRPr>
+            </a:lvl1pPr>
+            <a:lvl2pPr marL="742950" indent="-285750" algn="l" defTabSz="914400" rtl="0" eaLnBrk="1" latinLnBrk="0" hangingPunct="1">
+              <a:spcBef>
+                <a:spcPct val="20000"/>
+              </a:spcBef>
+              <a:buFont typeface="Arial" pitchFamily="34" charset="0"/>
+              <a:buChar char="–"/>
+              <a:defRPr sz="2800" kern="1200">
+                <a:solidFill>
+                  <a:schemeClr val="tx1"/>
+                </a:solidFill>
+                <a:latin typeface="+mn-lt"/>
+                <a:ea typeface="+mn-ea"/>
+                <a:cs typeface="+mn-cs"/>
+              </a:defRPr>
+            </a:lvl2pPr>
+            <a:lvl3pPr marL="1143000" indent="-228600" algn="l" defTabSz="914400" rtl="0" eaLnBrk="1" latinLnBrk="0" hangingPunct="1">
+              <a:spcBef>
+                <a:spcPct val="20000"/>
+              </a:spcBef>
+              <a:buFont typeface="Arial" pitchFamily="34" charset="0"/>
+              <a:buChar char="•"/>
+              <a:defRPr sz="2400" kern="1200">
+                <a:solidFill>
+                  <a:schemeClr val="tx1"/>
+                </a:solidFill>
+                <a:latin typeface="+mn-lt"/>
+                <a:ea typeface="+mn-ea"/>
+                <a:cs typeface="+mn-cs"/>
+              </a:defRPr>
+            </a:lvl3pPr>
+            <a:lvl4pPr marL="1600200" indent="-228600" algn="l" defTabSz="914400" rtl="0" eaLnBrk="1" latinLnBrk="0" hangingPunct="1">
+              <a:spcBef>
+                <a:spcPct val="20000"/>
+              </a:spcBef>
+              <a:buFont typeface="Arial" pitchFamily="34" charset="0"/>
+              <a:buChar char="–"/>
+              <a:defRPr sz="2000" kern="1200">
+                <a:solidFill>
+                  <a:schemeClr val="tx1"/>
+                </a:solidFill>
+                <a:latin typeface="+mn-lt"/>
+                <a:ea typeface="+mn-ea"/>
+                <a:cs typeface="+mn-cs"/>
+              </a:defRPr>
+            </a:lvl4pPr>
+            <a:lvl5pPr marL="2057400" indent="-228600" algn="l" defTabSz="914400" rtl="0" eaLnBrk="1" latinLnBrk="0" hangingPunct="1">
+              <a:spcBef>
+                <a:spcPct val="20000"/>
+              </a:spcBef>
+              <a:buFont typeface="Arial" pitchFamily="34" charset="0"/>
+              <a:buChar char="»"/>
+              <a:defRPr sz="2000" kern="1200">
+                <a:solidFill>
+                  <a:schemeClr val="tx1"/>
+                </a:solidFill>
+                <a:latin typeface="+mn-lt"/>
+                <a:ea typeface="+mn-ea"/>
+                <a:cs typeface="+mn-cs"/>
+              </a:defRPr>
+            </a:lvl5pPr>
+            <a:lvl6pPr marL="2514600" indent="-228600" algn="l" defTabSz="914400" rtl="0" eaLnBrk="1" latinLnBrk="0" hangingPunct="1">
+              <a:spcBef>
+                <a:spcPct val="20000"/>
+              </a:spcBef>
+              <a:buFont typeface="Arial" pitchFamily="34" charset="0"/>
+              <a:buChar char="•"/>
+              <a:defRPr sz="2000" kern="1200">
+                <a:solidFill>
+                  <a:schemeClr val="tx1"/>
+                </a:solidFill>
+                <a:latin typeface="+mn-lt"/>
+                <a:ea typeface="+mn-ea"/>
+                <a:cs typeface="+mn-cs"/>
+              </a:defRPr>
+            </a:lvl6pPr>
+            <a:lvl7pPr marL="2971800" indent="-228600" algn="l" defTabSz="914400" rtl="0" eaLnBrk="1" latinLnBrk="0" hangingPunct="1">
+              <a:spcBef>
+                <a:spcPct val="20000"/>
+              </a:spcBef>
+              <a:buFont typeface="Arial" pitchFamily="34" charset="0"/>
+              <a:buChar char="•"/>
+              <a:defRPr sz="2000" kern="1200">
+                <a:solidFill>
+                  <a:schemeClr val="tx1"/>
+                </a:solidFill>
+                <a:latin typeface="+mn-lt"/>
+                <a:ea typeface="+mn-ea"/>
+                <a:cs typeface="+mn-cs"/>
+              </a:defRPr>
+            </a:lvl7pPr>
+            <a:lvl8pPr marL="3429000" indent="-228600" algn="l" defTabSz="914400" rtl="0" eaLnBrk="1" latinLnBrk="0" hangingPunct="1">
+              <a:spcBef>
+                <a:spcPct val="20000"/>
+              </a:spcBef>
+              <a:buFont typeface="Arial" pitchFamily="34" charset="0"/>
+              <a:buChar char="•"/>
+              <a:defRPr sz="2000" kern="1200">
+                <a:solidFill>
+                  <a:schemeClr val="tx1"/>
+                </a:solidFill>
+                <a:latin typeface="+mn-lt"/>
+                <a:ea typeface="+mn-ea"/>
+                <a:cs typeface="+mn-cs"/>
+              </a:defRPr>
+            </a:lvl8pPr>
+            <a:lvl9pPr marL="3886200" indent="-228600" algn="l" defTabSz="914400" rtl="0" eaLnBrk="1" latinLnBrk="0" hangingPunct="1">
+              <a:spcBef>
+                <a:spcPct val="20000"/>
+              </a:spcBef>
+              <a:buFont typeface="Arial" pitchFamily="34" charset="0"/>
+              <a:buChar char="•"/>
+              <a:defRPr sz="2000" kern="1200">
+                <a:solidFill>
+                  <a:schemeClr val="tx1"/>
+                </a:solidFill>
+                <a:latin typeface="+mn-lt"/>
+                <a:ea typeface="+mn-ea"/>
+                <a:cs typeface="+mn-cs"/>
+              </a:defRPr>
+            </a:lvl9pPr>
+          </a:lstStyle>
+          <a:p>
+            <a:r>
+              <a:rPr lang="es-MX" sz="1800" dirty="0"/>
+              <a:t>Lineal</a:t>
+            </a:r>
+            <a:endParaRPr lang="es-CO" sz="1800" dirty="0"/>
+          </a:p>
+        </p:txBody>
+      </p:sp>
+      <p:sp>
+        <p:nvSpPr>
+          <p:cNvPr id="7" name="Marcador de contenido 2">
+            <a:extLst>
+              <a:ext uri="{FF2B5EF4-FFF2-40B4-BE49-F238E27FC236}">
+                <a16:creationId xmlns:a16="http://schemas.microsoft.com/office/drawing/2014/main" id="{0252E2A2-E35B-4F80-B007-3399A66AEB3A}"/>
+              </a:ext>
+            </a:extLst>
+          </p:cNvPr>
+          <p:cNvSpPr txBox="1">
+            <a:spLocks/>
+          </p:cNvSpPr>
+          <p:nvPr/>
+        </p:nvSpPr>
+        <p:spPr>
+          <a:xfrm>
+            <a:off x="6012160" y="1965630"/>
+            <a:ext cx="2779452" cy="689257"/>
+          </a:xfrm>
+          <a:prstGeom prst="rect">
+            <a:avLst/>
+          </a:prstGeom>
+        </p:spPr>
+        <p:txBody>
+          <a:bodyPr vert="horz" lIns="91440" tIns="45720" rIns="91440" bIns="45720" rtlCol="0">
+            <a:normAutofit/>
+          </a:bodyPr>
+          <a:lstStyle>
+            <a:lvl1pPr marL="342900" indent="-342900" algn="l" defTabSz="914400" rtl="0" eaLnBrk="1" latinLnBrk="0" hangingPunct="1">
+              <a:spcBef>
+                <a:spcPct val="20000"/>
+              </a:spcBef>
+              <a:buFont typeface="Arial" pitchFamily="34" charset="0"/>
+              <a:buChar char="•"/>
+              <a:defRPr sz="3200" kern="1200">
+                <a:solidFill>
+                  <a:schemeClr val="tx1"/>
+                </a:solidFill>
+                <a:latin typeface="+mn-lt"/>
+                <a:ea typeface="+mn-ea"/>
+                <a:cs typeface="+mn-cs"/>
+              </a:defRPr>
+            </a:lvl1pPr>
+            <a:lvl2pPr marL="742950" indent="-285750" algn="l" defTabSz="914400" rtl="0" eaLnBrk="1" latinLnBrk="0" hangingPunct="1">
+              <a:spcBef>
+                <a:spcPct val="20000"/>
+              </a:spcBef>
+              <a:buFont typeface="Arial" pitchFamily="34" charset="0"/>
+              <a:buChar char="–"/>
+              <a:defRPr sz="2800" kern="1200">
+                <a:solidFill>
+                  <a:schemeClr val="tx1"/>
+                </a:solidFill>
+                <a:latin typeface="+mn-lt"/>
+                <a:ea typeface="+mn-ea"/>
+                <a:cs typeface="+mn-cs"/>
+              </a:defRPr>
+            </a:lvl2pPr>
+            <a:lvl3pPr marL="1143000" indent="-228600" algn="l" defTabSz="914400" rtl="0" eaLnBrk="1" latinLnBrk="0" hangingPunct="1">
+              <a:spcBef>
+                <a:spcPct val="20000"/>
+              </a:spcBef>
+              <a:buFont typeface="Arial" pitchFamily="34" charset="0"/>
+              <a:buChar char="•"/>
+              <a:defRPr sz="2400" kern="1200">
+                <a:solidFill>
+                  <a:schemeClr val="tx1"/>
+                </a:solidFill>
+                <a:latin typeface="+mn-lt"/>
+                <a:ea typeface="+mn-ea"/>
+                <a:cs typeface="+mn-cs"/>
+              </a:defRPr>
+            </a:lvl3pPr>
+            <a:lvl4pPr marL="1600200" indent="-228600" algn="l" defTabSz="914400" rtl="0" eaLnBrk="1" latinLnBrk="0" hangingPunct="1">
+              <a:spcBef>
+                <a:spcPct val="20000"/>
+              </a:spcBef>
+              <a:buFont typeface="Arial" pitchFamily="34" charset="0"/>
+              <a:buChar char="–"/>
+              <a:defRPr sz="2000" kern="1200">
+                <a:solidFill>
+                  <a:schemeClr val="tx1"/>
+                </a:solidFill>
+                <a:latin typeface="+mn-lt"/>
+                <a:ea typeface="+mn-ea"/>
+                <a:cs typeface="+mn-cs"/>
+              </a:defRPr>
+            </a:lvl4pPr>
+            <a:lvl5pPr marL="2057400" indent="-228600" algn="l" defTabSz="914400" rtl="0" eaLnBrk="1" latinLnBrk="0" hangingPunct="1">
+              <a:spcBef>
+                <a:spcPct val="20000"/>
+              </a:spcBef>
+              <a:buFont typeface="Arial" pitchFamily="34" charset="0"/>
+              <a:buChar char="»"/>
+              <a:defRPr sz="2000" kern="1200">
+                <a:solidFill>
+                  <a:schemeClr val="tx1"/>
+                </a:solidFill>
+                <a:latin typeface="+mn-lt"/>
+                <a:ea typeface="+mn-ea"/>
+                <a:cs typeface="+mn-cs"/>
+              </a:defRPr>
+            </a:lvl5pPr>
+            <a:lvl6pPr marL="2514600" indent="-228600" algn="l" defTabSz="914400" rtl="0" eaLnBrk="1" latinLnBrk="0" hangingPunct="1">
+              <a:spcBef>
+                <a:spcPct val="20000"/>
+              </a:spcBef>
+              <a:buFont typeface="Arial" pitchFamily="34" charset="0"/>
+              <a:buChar char="•"/>
+              <a:defRPr sz="2000" kern="1200">
+                <a:solidFill>
+                  <a:schemeClr val="tx1"/>
+                </a:solidFill>
+                <a:latin typeface="+mn-lt"/>
+                <a:ea typeface="+mn-ea"/>
+                <a:cs typeface="+mn-cs"/>
+              </a:defRPr>
+            </a:lvl6pPr>
+            <a:lvl7pPr marL="2971800" indent="-228600" algn="l" defTabSz="914400" rtl="0" eaLnBrk="1" latinLnBrk="0" hangingPunct="1">
+              <a:spcBef>
+                <a:spcPct val="20000"/>
+              </a:spcBef>
+              <a:buFont typeface="Arial" pitchFamily="34" charset="0"/>
+              <a:buChar char="•"/>
+              <a:defRPr sz="2000" kern="1200">
+                <a:solidFill>
+                  <a:schemeClr val="tx1"/>
+                </a:solidFill>
+                <a:latin typeface="+mn-lt"/>
+                <a:ea typeface="+mn-ea"/>
+                <a:cs typeface="+mn-cs"/>
+              </a:defRPr>
+            </a:lvl7pPr>
+            <a:lvl8pPr marL="3429000" indent="-228600" algn="l" defTabSz="914400" rtl="0" eaLnBrk="1" latinLnBrk="0" hangingPunct="1">
+              <a:spcBef>
+                <a:spcPct val="20000"/>
+              </a:spcBef>
+              <a:buFont typeface="Arial" pitchFamily="34" charset="0"/>
+              <a:buChar char="•"/>
+              <a:defRPr sz="2000" kern="1200">
+                <a:solidFill>
+                  <a:schemeClr val="tx1"/>
+                </a:solidFill>
+                <a:latin typeface="+mn-lt"/>
+                <a:ea typeface="+mn-ea"/>
+                <a:cs typeface="+mn-cs"/>
+              </a:defRPr>
+            </a:lvl8pPr>
+            <a:lvl9pPr marL="3886200" indent="-228600" algn="l" defTabSz="914400" rtl="0" eaLnBrk="1" latinLnBrk="0" hangingPunct="1">
+              <a:spcBef>
+                <a:spcPct val="20000"/>
+              </a:spcBef>
+              <a:buFont typeface="Arial" pitchFamily="34" charset="0"/>
+              <a:buChar char="•"/>
+              <a:defRPr sz="2000" kern="1200">
+                <a:solidFill>
+                  <a:schemeClr val="tx1"/>
+                </a:solidFill>
+                <a:latin typeface="+mn-lt"/>
+                <a:ea typeface="+mn-ea"/>
+                <a:cs typeface="+mn-cs"/>
+              </a:defRPr>
+            </a:lvl9pPr>
+          </a:lstStyle>
+          <a:p>
+            <a:r>
+              <a:rPr lang="es-MX" sz="1800" dirty="0"/>
+              <a:t>No Lineal</a:t>
+            </a:r>
+            <a:endParaRPr lang="es-CO" sz="1800" dirty="0"/>
+          </a:p>
+        </p:txBody>
+      </p:sp>
+      <p:graphicFrame>
+        <p:nvGraphicFramePr>
+          <p:cNvPr id="9" name="Gráfico 8">
+            <a:extLst>
+              <a:ext uri="{FF2B5EF4-FFF2-40B4-BE49-F238E27FC236}">
+                <a16:creationId xmlns:a16="http://schemas.microsoft.com/office/drawing/2014/main" id="{EB63EF99-72E7-4E13-9977-5F67AD96E363}"/>
+              </a:ext>
+            </a:extLst>
+          </p:cNvPr>
+          <p:cNvGraphicFramePr/>
+          <p:nvPr>
+            <p:extLst>
+              <p:ext uri="{D42A27DB-BD31-4B8C-83A1-F6EECF244321}">
+                <p14:modId xmlns:p14="http://schemas.microsoft.com/office/powerpoint/2010/main" val="1580079690"/>
+              </p:ext>
+            </p:extLst>
+          </p:nvPr>
+        </p:nvGraphicFramePr>
+        <p:xfrm>
+          <a:off x="4860034" y="2452740"/>
+          <a:ext cx="4032446" cy="2704254"/>
+        </p:xfrm>
+        <a:graphic>
+          <a:graphicData uri="http://schemas.openxmlformats.org/drawingml/2006/chart">
+            <c:chart xmlns:c="http://schemas.openxmlformats.org/drawingml/2006/chart" xmlns:r="http://schemas.openxmlformats.org/officeDocument/2006/relationships" r:id="rId2"/>
+          </a:graphicData>
+        </a:graphic>
+      </p:graphicFrame>
+      <p:graphicFrame>
+        <p:nvGraphicFramePr>
+          <p:cNvPr id="10" name="Gráfico 9">
+            <a:extLst>
+              <a:ext uri="{FF2B5EF4-FFF2-40B4-BE49-F238E27FC236}">
+                <a16:creationId xmlns:a16="http://schemas.microsoft.com/office/drawing/2014/main" id="{C60880B5-5597-41E5-8B2E-E200DA2BC400}"/>
+              </a:ext>
+            </a:extLst>
+          </p:cNvPr>
+          <p:cNvGraphicFramePr/>
+          <p:nvPr>
+            <p:extLst>
+              <p:ext uri="{D42A27DB-BD31-4B8C-83A1-F6EECF244321}">
+                <p14:modId xmlns:p14="http://schemas.microsoft.com/office/powerpoint/2010/main" val="1039196837"/>
+              </p:ext>
+            </p:extLst>
+          </p:nvPr>
+        </p:nvGraphicFramePr>
+        <p:xfrm>
+          <a:off x="611560" y="2492697"/>
+          <a:ext cx="3494303" cy="2664297"/>
+        </p:xfrm>
+        <a:graphic>
+          <a:graphicData uri="http://schemas.openxmlformats.org/drawingml/2006/chart">
+            <c:chart xmlns:c="http://schemas.openxmlformats.org/drawingml/2006/chart" xmlns:r="http://schemas.openxmlformats.org/officeDocument/2006/relationships" r:id="rId3"/>
+          </a:graphicData>
+        </a:graphic>
+      </p:graphicFrame>
+      <p:sp>
+        <p:nvSpPr>
+          <p:cNvPr id="11" name="Marcador de contenido 2">
+            <a:extLst>
+              <a:ext uri="{FF2B5EF4-FFF2-40B4-BE49-F238E27FC236}">
+                <a16:creationId xmlns:a16="http://schemas.microsoft.com/office/drawing/2014/main" id="{15937977-1A9E-49E6-AC20-DA1BF632988F}"/>
+              </a:ext>
+            </a:extLst>
+          </p:cNvPr>
+          <p:cNvSpPr txBox="1">
+            <a:spLocks/>
+          </p:cNvSpPr>
+          <p:nvPr/>
+        </p:nvSpPr>
+        <p:spPr>
+          <a:xfrm>
+            <a:off x="3779912" y="1052736"/>
+            <a:ext cx="2779452" cy="689257"/>
+          </a:xfrm>
+          <a:prstGeom prst="rect">
+            <a:avLst/>
+          </a:prstGeom>
+        </p:spPr>
+        <p:txBody>
+          <a:bodyPr vert="horz" lIns="91440" tIns="45720" rIns="91440" bIns="45720" rtlCol="0">
+            <a:normAutofit/>
+          </a:bodyPr>
+          <a:lstStyle>
+            <a:lvl1pPr marL="342900" indent="-342900" algn="l" defTabSz="914400" rtl="0" eaLnBrk="1" latinLnBrk="0" hangingPunct="1">
+              <a:spcBef>
+                <a:spcPct val="20000"/>
+              </a:spcBef>
+              <a:buFont typeface="Arial" pitchFamily="34" charset="0"/>
+              <a:buChar char="•"/>
+              <a:defRPr sz="3200" kern="1200">
+                <a:solidFill>
+                  <a:schemeClr val="tx1"/>
+                </a:solidFill>
+                <a:latin typeface="+mn-lt"/>
+                <a:ea typeface="+mn-ea"/>
+                <a:cs typeface="+mn-cs"/>
+              </a:defRPr>
+            </a:lvl1pPr>
+            <a:lvl2pPr marL="742950" indent="-285750" algn="l" defTabSz="914400" rtl="0" eaLnBrk="1" latinLnBrk="0" hangingPunct="1">
+              <a:spcBef>
+                <a:spcPct val="20000"/>
+              </a:spcBef>
+              <a:buFont typeface="Arial" pitchFamily="34" charset="0"/>
+              <a:buChar char="–"/>
+              <a:defRPr sz="2800" kern="1200">
+                <a:solidFill>
+                  <a:schemeClr val="tx1"/>
+                </a:solidFill>
+                <a:latin typeface="+mn-lt"/>
+                <a:ea typeface="+mn-ea"/>
+                <a:cs typeface="+mn-cs"/>
+              </a:defRPr>
+            </a:lvl2pPr>
+            <a:lvl3pPr marL="1143000" indent="-228600" algn="l" defTabSz="914400" rtl="0" eaLnBrk="1" latinLnBrk="0" hangingPunct="1">
+              <a:spcBef>
+                <a:spcPct val="20000"/>
+              </a:spcBef>
+              <a:buFont typeface="Arial" pitchFamily="34" charset="0"/>
+              <a:buChar char="•"/>
+              <a:defRPr sz="2400" kern="1200">
+                <a:solidFill>
+                  <a:schemeClr val="tx1"/>
+                </a:solidFill>
+                <a:latin typeface="+mn-lt"/>
+                <a:ea typeface="+mn-ea"/>
+                <a:cs typeface="+mn-cs"/>
+              </a:defRPr>
+            </a:lvl3pPr>
+            <a:lvl4pPr marL="1600200" indent="-228600" algn="l" defTabSz="914400" rtl="0" eaLnBrk="1" latinLnBrk="0" hangingPunct="1">
+              <a:spcBef>
+                <a:spcPct val="20000"/>
+              </a:spcBef>
+              <a:buFont typeface="Arial" pitchFamily="34" charset="0"/>
+              <a:buChar char="–"/>
+              <a:defRPr sz="2000" kern="1200">
+                <a:solidFill>
+                  <a:schemeClr val="tx1"/>
+                </a:solidFill>
+                <a:latin typeface="+mn-lt"/>
+                <a:ea typeface="+mn-ea"/>
+                <a:cs typeface="+mn-cs"/>
+              </a:defRPr>
+            </a:lvl4pPr>
+            <a:lvl5pPr marL="2057400" indent="-228600" algn="l" defTabSz="914400" rtl="0" eaLnBrk="1" latinLnBrk="0" hangingPunct="1">
+              <a:spcBef>
+                <a:spcPct val="20000"/>
+              </a:spcBef>
+              <a:buFont typeface="Arial" pitchFamily="34" charset="0"/>
+              <a:buChar char="»"/>
+              <a:defRPr sz="2000" kern="1200">
+                <a:solidFill>
+                  <a:schemeClr val="tx1"/>
+                </a:solidFill>
+                <a:latin typeface="+mn-lt"/>
+                <a:ea typeface="+mn-ea"/>
+                <a:cs typeface="+mn-cs"/>
+              </a:defRPr>
+            </a:lvl5pPr>
+            <a:lvl6pPr marL="2514600" indent="-228600" algn="l" defTabSz="914400" rtl="0" eaLnBrk="1" latinLnBrk="0" hangingPunct="1">
+              <a:spcBef>
+                <a:spcPct val="20000"/>
+              </a:spcBef>
+              <a:buFont typeface="Arial" pitchFamily="34" charset="0"/>
+              <a:buChar char="•"/>
+              <a:defRPr sz="2000" kern="1200">
+                <a:solidFill>
+                  <a:schemeClr val="tx1"/>
+                </a:solidFill>
+                <a:latin typeface="+mn-lt"/>
+                <a:ea typeface="+mn-ea"/>
+                <a:cs typeface="+mn-cs"/>
+              </a:defRPr>
+            </a:lvl6pPr>
+            <a:lvl7pPr marL="2971800" indent="-228600" algn="l" defTabSz="914400" rtl="0" eaLnBrk="1" latinLnBrk="0" hangingPunct="1">
+              <a:spcBef>
+                <a:spcPct val="20000"/>
+              </a:spcBef>
+              <a:buFont typeface="Arial" pitchFamily="34" charset="0"/>
+              <a:buChar char="•"/>
+              <a:defRPr sz="2000" kern="1200">
+                <a:solidFill>
+                  <a:schemeClr val="tx1"/>
+                </a:solidFill>
+                <a:latin typeface="+mn-lt"/>
+                <a:ea typeface="+mn-ea"/>
+                <a:cs typeface="+mn-cs"/>
+              </a:defRPr>
+            </a:lvl7pPr>
+            <a:lvl8pPr marL="3429000" indent="-228600" algn="l" defTabSz="914400" rtl="0" eaLnBrk="1" latinLnBrk="0" hangingPunct="1">
+              <a:spcBef>
+                <a:spcPct val="20000"/>
+              </a:spcBef>
+              <a:buFont typeface="Arial" pitchFamily="34" charset="0"/>
+              <a:buChar char="•"/>
+              <a:defRPr sz="2000" kern="1200">
+                <a:solidFill>
+                  <a:schemeClr val="tx1"/>
+                </a:solidFill>
+                <a:latin typeface="+mn-lt"/>
+                <a:ea typeface="+mn-ea"/>
+                <a:cs typeface="+mn-cs"/>
+              </a:defRPr>
+            </a:lvl8pPr>
+            <a:lvl9pPr marL="3886200" indent="-228600" algn="l" defTabSz="914400" rtl="0" eaLnBrk="1" latinLnBrk="0" hangingPunct="1">
+              <a:spcBef>
+                <a:spcPct val="20000"/>
+              </a:spcBef>
+              <a:buFont typeface="Arial" pitchFamily="34" charset="0"/>
+              <a:buChar char="•"/>
+              <a:defRPr sz="2000" kern="1200">
+                <a:solidFill>
+                  <a:schemeClr val="tx1"/>
+                </a:solidFill>
+                <a:latin typeface="+mn-lt"/>
+                <a:ea typeface="+mn-ea"/>
+                <a:cs typeface="+mn-cs"/>
+              </a:defRPr>
+            </a:lvl9pPr>
+          </a:lstStyle>
+          <a:p>
+            <a:r>
+              <a:rPr lang="es-MX" sz="1800" dirty="0"/>
+              <a:t>Buscar</a:t>
+            </a:r>
+            <a:endParaRPr lang="es-CO" sz="1800" dirty="0"/>
+          </a:p>
+        </p:txBody>
+      </p:sp>
+    </p:spTree>
+    <p:extLst>
+      <p:ext uri="{BB962C8B-B14F-4D97-AF65-F5344CB8AC3E}">
+        <p14:creationId xmlns:p14="http://schemas.microsoft.com/office/powerpoint/2010/main" val="54933108"/>
+      </p:ext>
+    </p:extLst>
+  </p:cSld>
+  <p:clrMapOvr>
+    <a:masterClrMapping/>
+  </p:clrMapOvr>
+</p:sld>
+</file>
+
+<file path=ppt/slides/slide8.xml><?xml version="1.0" encoding="utf-8"?>
+<p:sld xmlns:a="http://schemas.openxmlformats.org/drawingml/2006/main" xmlns:r="http://schemas.openxmlformats.org/officeDocument/2006/relationships" xmlns:p="http://schemas.openxmlformats.org/presentationml/2006/main">
+  <p:cSld>
+    <p:spTree>
+      <p:nvGrpSpPr>
+        <p:cNvPr id="1" name=""/>
+        <p:cNvGrpSpPr/>
+        <p:nvPr/>
+      </p:nvGrpSpPr>
+      <p:grpSpPr>
+        <a:xfrm>
+          <a:off x="0" y="0"/>
+          <a:ext cx="0" cy="0"/>
+          <a:chOff x="0" y="0"/>
+          <a:chExt cx="0" cy="0"/>
+        </a:xfrm>
+      </p:grpSpPr>
+      <p:pic>
+        <p:nvPicPr>
+          <p:cNvPr id="2" name="Imagen 1">
+            <a:extLst>
+              <a:ext uri="{FF2B5EF4-FFF2-40B4-BE49-F238E27FC236}">
+                <a16:creationId xmlns:a16="http://schemas.microsoft.com/office/drawing/2014/main" id="{8D9AE532-981C-4250-AA59-2B04438B5E3C}"/>
+              </a:ext>
+            </a:extLst>
+          </p:cNvPr>
+          <p:cNvPicPr>
+            <a:picLocks noChangeAspect="1"/>
+          </p:cNvPicPr>
+          <p:nvPr/>
+        </p:nvPicPr>
+        <p:blipFill>
+          <a:blip r:embed="rId2" cstate="print">
+            <a:extLst>
+              <a:ext uri="{28A0092B-C50C-407E-A947-70E740481C1C}">
+                <a14:useLocalDpi xmlns:a14="http://schemas.microsoft.com/office/drawing/2010/main" val="0"/>
+              </a:ext>
+            </a:extLst>
+          </a:blip>
+          <a:stretch>
+            <a:fillRect/>
+          </a:stretch>
+        </p:blipFill>
+        <p:spPr>
+          <a:xfrm>
+            <a:off x="6588224" y="51848"/>
+            <a:ext cx="1907456" cy="844123"/>
+          </a:xfrm>
+          <a:prstGeom prst="rect">
+            <a:avLst/>
+          </a:prstGeom>
+        </p:spPr>
+      </p:pic>
+      <p:pic>
+        <p:nvPicPr>
+          <p:cNvPr id="3" name="Picture 4">
+            <a:extLst>
+              <a:ext uri="{FF2B5EF4-FFF2-40B4-BE49-F238E27FC236}">
+                <a16:creationId xmlns:a16="http://schemas.microsoft.com/office/drawing/2014/main" id="{96F6D754-AFF8-4197-A7E0-F8334F7382F2}"/>
+              </a:ext>
+            </a:extLst>
+          </p:cNvPr>
+          <p:cNvPicPr>
+            <a:picLocks noChangeAspect="1" noChangeArrowheads="1"/>
+          </p:cNvPicPr>
+          <p:nvPr/>
+        </p:nvPicPr>
+        <p:blipFill>
+          <a:blip r:embed="rId3" cstate="print"/>
+          <a:srcRect r="2518" b="-18422"/>
+          <a:stretch>
+            <a:fillRect/>
+          </a:stretch>
+        </p:blipFill>
+        <p:spPr bwMode="auto">
+          <a:xfrm>
+            <a:off x="414338" y="1071563"/>
+            <a:ext cx="8301037" cy="214312"/>
+          </a:xfrm>
+          <a:prstGeom prst="rect">
+            <a:avLst/>
+          </a:prstGeom>
+          <a:noFill/>
+          <a:ln w="9525">
+            <a:noFill/>
+            <a:miter lim="800000"/>
+            <a:headEnd/>
+            <a:tailEnd/>
+          </a:ln>
+        </p:spPr>
+      </p:pic>
+      <p:pic>
+        <p:nvPicPr>
+          <p:cNvPr id="4" name="Picture 5">
+            <a:extLst>
+              <a:ext uri="{FF2B5EF4-FFF2-40B4-BE49-F238E27FC236}">
+                <a16:creationId xmlns:a16="http://schemas.microsoft.com/office/drawing/2014/main" id="{AF8B8B77-05F0-4CC3-9187-BB3AA1355457}"/>
+              </a:ext>
+            </a:extLst>
+          </p:cNvPr>
+          <p:cNvPicPr>
+            <a:picLocks noChangeAspect="1" noChangeArrowheads="1"/>
+          </p:cNvPicPr>
+          <p:nvPr/>
+        </p:nvPicPr>
+        <p:blipFill>
+          <a:blip r:embed="rId4" cstate="print"/>
+          <a:srcRect/>
+          <a:stretch>
+            <a:fillRect/>
+          </a:stretch>
+        </p:blipFill>
+        <p:spPr bwMode="auto">
+          <a:xfrm>
+            <a:off x="409575" y="1357313"/>
+            <a:ext cx="304800" cy="428625"/>
+          </a:xfrm>
+          <a:prstGeom prst="rect">
+            <a:avLst/>
+          </a:prstGeom>
+          <a:noFill/>
+          <a:ln w="9525">
+            <a:noFill/>
+            <a:miter lim="800000"/>
+            <a:headEnd/>
+            <a:tailEnd/>
+          </a:ln>
+        </p:spPr>
+      </p:pic>
+      <p:sp>
+        <p:nvSpPr>
+          <p:cNvPr id="5" name="Título 1">
+            <a:extLst>
+              <a:ext uri="{FF2B5EF4-FFF2-40B4-BE49-F238E27FC236}">
+                <a16:creationId xmlns:a16="http://schemas.microsoft.com/office/drawing/2014/main" id="{EF096DA7-D363-4010-A80A-0FC4B3523C7D}"/>
+              </a:ext>
+            </a:extLst>
+          </p:cNvPr>
+          <p:cNvSpPr txBox="1">
+            <a:spLocks/>
+          </p:cNvSpPr>
+          <p:nvPr/>
+        </p:nvSpPr>
+        <p:spPr bwMode="auto">
+          <a:xfrm>
+            <a:off x="683568" y="1398588"/>
+            <a:ext cx="7638679" cy="774700"/>
+          </a:xfrm>
+          <a:prstGeom prst="rect">
+            <a:avLst/>
+          </a:prstGeom>
+          <a:noFill/>
+          <a:ln w="9525">
+            <a:noFill/>
+            <a:miter lim="800000"/>
+            <a:headEnd/>
+            <a:tailEnd/>
+          </a:ln>
+        </p:spPr>
+        <p:txBody>
+          <a:bodyPr anchor="ctr"/>
+          <a:lstStyle/>
+          <a:p>
+            <a:pPr algn="just"/>
+            <a:r>
+              <a:rPr lang="es-MX" sz="2200" b="1" dirty="0">
+                <a:latin typeface="Albertus" pitchFamily="34" charset="0"/>
+              </a:rPr>
+              <a:t>Conclusiones</a:t>
+            </a:r>
+            <a:endParaRPr lang="es-CO" sz="2200" b="1" dirty="0">
+              <a:latin typeface="Albertus" pitchFamily="34" charset="0"/>
+            </a:endParaRPr>
+          </a:p>
+        </p:txBody>
+      </p:sp>
+      <p:sp>
+        <p:nvSpPr>
+          <p:cNvPr id="8" name="Marcador de contenido 7">
+            <a:extLst>
+              <a:ext uri="{FF2B5EF4-FFF2-40B4-BE49-F238E27FC236}">
+                <a16:creationId xmlns:a16="http://schemas.microsoft.com/office/drawing/2014/main" id="{7E310003-AC11-4ADB-9EF6-5458CAADA2A1}"/>
+              </a:ext>
+            </a:extLst>
+          </p:cNvPr>
+          <p:cNvSpPr>
+            <a:spLocks noGrp="1"/>
+          </p:cNvSpPr>
+          <p:nvPr>
+            <p:ph sz="half" idx="2"/>
+          </p:nvPr>
+        </p:nvSpPr>
+        <p:spPr>
+          <a:xfrm>
+            <a:off x="458788" y="4077072"/>
+            <a:ext cx="4040188" cy="3951288"/>
+          </a:xfrm>
+        </p:spPr>
+        <p:txBody>
+          <a:bodyPr>
+            <a:normAutofit/>
+          </a:bodyPr>
+          <a:lstStyle/>
+          <a:p>
+            <a:r>
+              <a:rPr lang="es-MX" sz="1800" dirty="0"/>
+              <a:t>Implementación Lineal:</a:t>
+            </a:r>
+          </a:p>
+          <a:p>
+            <a:pPr lvl="1"/>
+            <a:r>
+              <a:rPr lang="es-MX" sz="1400" dirty="0"/>
+              <a:t>Más eficiente en memoria.</a:t>
+            </a:r>
+          </a:p>
+          <a:p>
+            <a:pPr lvl="1"/>
+            <a:r>
+              <a:rPr lang="es-MX" sz="1400" dirty="0"/>
+              <a:t>Inserción muy eficiente.</a:t>
+            </a:r>
+          </a:p>
+          <a:p>
+            <a:pPr lvl="1"/>
+            <a:endParaRPr lang="es-MX" sz="1400" dirty="0"/>
+          </a:p>
+          <a:p>
+            <a:pPr lvl="1"/>
+            <a:r>
+              <a:rPr lang="es-MX" sz="1400" dirty="0"/>
+              <a:t>Búsqueda y eliminación muy ineficiente.</a:t>
+            </a:r>
+          </a:p>
+          <a:p>
+            <a:pPr lvl="1"/>
+            <a:r>
+              <a:rPr lang="es-MX" sz="1400" dirty="0"/>
+              <a:t>Difícil de ordenar.</a:t>
+            </a:r>
+            <a:endParaRPr lang="es-CO" sz="1400" dirty="0"/>
+          </a:p>
+        </p:txBody>
+      </p:sp>
+      <p:sp>
+        <p:nvSpPr>
+          <p:cNvPr id="10" name="Marcador de contenido 9">
+            <a:extLst>
+              <a:ext uri="{FF2B5EF4-FFF2-40B4-BE49-F238E27FC236}">
+                <a16:creationId xmlns:a16="http://schemas.microsoft.com/office/drawing/2014/main" id="{B92A81A2-F254-438E-8460-7D28D592D26E}"/>
+              </a:ext>
+            </a:extLst>
+          </p:cNvPr>
+          <p:cNvSpPr>
+            <a:spLocks noGrp="1"/>
+          </p:cNvSpPr>
+          <p:nvPr>
+            <p:ph sz="quarter" idx="4"/>
+          </p:nvPr>
+        </p:nvSpPr>
+        <p:spPr>
+          <a:xfrm>
+            <a:off x="4645025" y="4063205"/>
+            <a:ext cx="4041775" cy="3951288"/>
+          </a:xfrm>
+        </p:spPr>
+        <p:txBody>
+          <a:bodyPr>
+            <a:normAutofit/>
+          </a:bodyPr>
+          <a:lstStyle/>
+          <a:p>
+            <a:r>
+              <a:rPr lang="es-MX" sz="1800" dirty="0"/>
+              <a:t>Implementación No Lineal:</a:t>
+            </a:r>
+          </a:p>
+          <a:p>
+            <a:pPr lvl="1"/>
+            <a:r>
+              <a:rPr lang="es-MX" sz="1400" dirty="0"/>
+              <a:t>Búsqueda y eliminación más eficiente.</a:t>
+            </a:r>
+          </a:p>
+          <a:p>
+            <a:pPr lvl="1"/>
+            <a:r>
+              <a:rPr lang="es-MX" sz="1400" dirty="0"/>
+              <a:t>Mantiene los datos ordenados.</a:t>
+            </a:r>
+          </a:p>
+          <a:p>
+            <a:pPr lvl="1"/>
+            <a:endParaRPr lang="es-MX" sz="1400" dirty="0"/>
+          </a:p>
+          <a:p>
+            <a:pPr lvl="1"/>
+            <a:r>
+              <a:rPr lang="es-MX" sz="1400" dirty="0"/>
+              <a:t>Menos eficiente en memoria.</a:t>
+            </a:r>
+          </a:p>
+          <a:p>
+            <a:pPr lvl="1"/>
+            <a:r>
+              <a:rPr lang="es-MX" sz="1400" dirty="0"/>
+              <a:t>Inserción menos eficiente.</a:t>
+            </a:r>
+          </a:p>
+          <a:p>
+            <a:pPr lvl="1"/>
+            <a:endParaRPr lang="es-CO" sz="1400" dirty="0"/>
+          </a:p>
+        </p:txBody>
+      </p:sp>
+      <p:pic>
+        <p:nvPicPr>
+          <p:cNvPr id="11" name="Imagen 10">
+            <a:extLst>
+              <a:ext uri="{FF2B5EF4-FFF2-40B4-BE49-F238E27FC236}">
+                <a16:creationId xmlns:a16="http://schemas.microsoft.com/office/drawing/2014/main" id="{97B552AD-9E25-49F2-B986-BFB21926C3CE}"/>
+              </a:ext>
+            </a:extLst>
+          </p:cNvPr>
+          <p:cNvPicPr>
+            <a:picLocks noChangeAspect="1"/>
+          </p:cNvPicPr>
+          <p:nvPr/>
+        </p:nvPicPr>
+        <p:blipFill>
+          <a:blip r:embed="rId5">
+            <a:extLst>
+              <a:ext uri="{28A0092B-C50C-407E-A947-70E740481C1C}">
+                <a14:useLocalDpi xmlns:a14="http://schemas.microsoft.com/office/drawing/2010/main" val="0"/>
+              </a:ext>
+            </a:extLst>
+          </a:blip>
+          <a:stretch>
+            <a:fillRect/>
+          </a:stretch>
+        </p:blipFill>
+        <p:spPr>
+          <a:xfrm>
+            <a:off x="5380938" y="2105531"/>
+            <a:ext cx="2549052" cy="1274526"/>
+          </a:xfrm>
+          <a:prstGeom prst="rect">
+            <a:avLst/>
+          </a:prstGeom>
+        </p:spPr>
+      </p:pic>
+      <p:pic>
+        <p:nvPicPr>
+          <p:cNvPr id="12" name="Imagen 11">
+            <a:extLst>
+              <a:ext uri="{FF2B5EF4-FFF2-40B4-BE49-F238E27FC236}">
+                <a16:creationId xmlns:a16="http://schemas.microsoft.com/office/drawing/2014/main" id="{85BFDE6F-62C5-4CE1-94D9-AA0FD96CE97A}"/>
+              </a:ext>
+            </a:extLst>
+          </p:cNvPr>
+          <p:cNvPicPr>
+            <a:picLocks noChangeAspect="1"/>
+          </p:cNvPicPr>
+          <p:nvPr/>
+        </p:nvPicPr>
+        <p:blipFill>
+          <a:blip r:embed="rId6"/>
+          <a:stretch>
+            <a:fillRect/>
+          </a:stretch>
+        </p:blipFill>
+        <p:spPr>
+          <a:xfrm>
+            <a:off x="1458181" y="2381026"/>
+            <a:ext cx="2041401" cy="723535"/>
+          </a:xfrm>
+          <a:prstGeom prst="rect">
+            <a:avLst/>
+          </a:prstGeom>
+        </p:spPr>
+      </p:pic>
+      <p:pic>
+        <p:nvPicPr>
+          <p:cNvPr id="13" name="Imagen 12">
+            <a:extLst>
+              <a:ext uri="{FF2B5EF4-FFF2-40B4-BE49-F238E27FC236}">
+                <a16:creationId xmlns:a16="http://schemas.microsoft.com/office/drawing/2014/main" id="{CEE4BB11-6F44-4E2F-81A8-67B66B28E77F}"/>
+              </a:ext>
+            </a:extLst>
+          </p:cNvPr>
+          <p:cNvPicPr>
+            <a:picLocks noChangeAspect="1"/>
+          </p:cNvPicPr>
+          <p:nvPr/>
+        </p:nvPicPr>
+        <p:blipFill>
+          <a:blip r:embed="rId7"/>
+          <a:stretch>
+            <a:fillRect/>
+          </a:stretch>
+        </p:blipFill>
+        <p:spPr>
+          <a:xfrm>
+            <a:off x="3891007" y="1579444"/>
+            <a:ext cx="1215938" cy="2326700"/>
+          </a:xfrm>
+          <a:prstGeom prst="rect">
+            <a:avLst/>
+          </a:prstGeom>
+        </p:spPr>
+      </p:pic>
+    </p:spTree>
+    <p:extLst>
+      <p:ext uri="{BB962C8B-B14F-4D97-AF65-F5344CB8AC3E}">
+        <p14:creationId xmlns:p14="http://schemas.microsoft.com/office/powerpoint/2010/main" val="3250391589"/>
+      </p:ext>
+    </p:extLst>
+  </p:cSld>
+  <p:clrMapOvr>
+    <a:masterClrMapping/>
+  </p:clrMapOvr>
+</p:sld>
+</file>
+
+<file path=ppt/slides/slide9.xml><?xml version="1.0" encoding="utf-8"?>
 <p:sld xmlns:a="http://schemas.openxmlformats.org/drawingml/2006/main" xmlns:r="http://schemas.openxmlformats.org/officeDocument/2006/relationships" xmlns:p="http://schemas.openxmlformats.org/presentationml/2006/main">
   <p:cSld>
     <p:spTree>
